--- a/docs/Git入门学习/Git入门学习.pptx
+++ b/docs/Git入门学习/Git入门学习.pptx
@@ -142,7 +142,7 @@
   </p:defaultTextStyle>
   <p:extLst>
     <p:ext uri="{EFAFB233-063F-42B5-8137-9DF3F51BA10A}">
-      <p15:sldGuideLst xmlns:p15="http://schemas.microsoft.com/office/powerpoint/2012/main" xmlns="">
+      <p15:sldGuideLst xmlns="" xmlns:p15="http://schemas.microsoft.com/office/powerpoint/2012/main">
         <p15:guide id="1" orient="horz" pos="2160">
           <p15:clr>
             <a:srgbClr val="A4A3A4"/>
@@ -161,7 +161,7 @@
       </p15:sldGuideLst>
     </p:ext>
     <p:ext uri="{2D200454-40CA-4A62-9FC3-DE9A4176ACB9}">
-      <p15:notesGuideLst xmlns:p15="http://schemas.microsoft.com/office/powerpoint/2012/main" xmlns="">
+      <p15:notesGuideLst xmlns="" xmlns:p15="http://schemas.microsoft.com/office/powerpoint/2012/main">
         <p15:guide id="1" orient="horz" pos="2880">
           <p15:clr>
             <a:srgbClr val="A4A3A4"/>
@@ -337,7 +337,7 @@
     </p:spTree>
     <p:extLst>
       <p:ext uri="{BB962C8B-B14F-4D97-AF65-F5344CB8AC3E}">
-        <p14:creationId xmlns:p14="http://schemas.microsoft.com/office/powerpoint/2010/main" xmlns="" val="516225429"/>
+        <p14:creationId xmlns="" xmlns:p14="http://schemas.microsoft.com/office/powerpoint/2010/main" val="516225429"/>
       </p:ext>
     </p:extLst>
   </p:cSld>
@@ -612,7 +612,7 @@
     </p:spTree>
     <p:extLst>
       <p:ext uri="{BB962C8B-B14F-4D97-AF65-F5344CB8AC3E}">
-        <p14:creationId xmlns:p14="http://schemas.microsoft.com/office/powerpoint/2010/main" xmlns="" val="1556669918"/>
+        <p14:creationId xmlns="" xmlns:p14="http://schemas.microsoft.com/office/powerpoint/2010/main" val="1556669918"/>
       </p:ext>
     </p:extLst>
   </p:cSld>
@@ -3383,7 +3383,7 @@
     </p:spTree>
     <p:extLst>
       <p:ext uri="{BB962C8B-B14F-4D97-AF65-F5344CB8AC3E}">
-        <p14:creationId xmlns:p14="http://schemas.microsoft.com/office/powerpoint/2010/main" xmlns="" val="3817955988"/>
+        <p14:creationId xmlns="" xmlns:p14="http://schemas.microsoft.com/office/powerpoint/2010/main" val="3817955988"/>
       </p:ext>
     </p:extLst>
   </p:cSld>
@@ -3391,7 +3391,7 @@
     <a:masterClrMapping/>
   </p:clrMapOvr>
   <mc:AlternateContent xmlns:mc="http://schemas.openxmlformats.org/markup-compatibility/2006">
-    <mc:Choice xmlns:p14="http://schemas.microsoft.com/office/powerpoint/2010/main" xmlns="" Requires="p14">
+    <mc:Choice xmlns="" xmlns:p14="http://schemas.microsoft.com/office/powerpoint/2010/main" Requires="p14">
       <p:transition spd="med" p14:dur="700">
         <p:fade/>
       </p:transition>
@@ -3588,7 +3588,7 @@
     </p:spTree>
     <p:extLst>
       <p:ext uri="{BB962C8B-B14F-4D97-AF65-F5344CB8AC3E}">
-        <p14:creationId xmlns:p14="http://schemas.microsoft.com/office/powerpoint/2010/main" xmlns="" val="2040880889"/>
+        <p14:creationId xmlns="" xmlns:p14="http://schemas.microsoft.com/office/powerpoint/2010/main" val="2040880889"/>
       </p:ext>
     </p:extLst>
   </p:cSld>
@@ -3596,7 +3596,7 @@
     <a:masterClrMapping/>
   </p:clrMapOvr>
   <mc:AlternateContent xmlns:mc="http://schemas.openxmlformats.org/markup-compatibility/2006">
-    <mc:Choice xmlns:p14="http://schemas.microsoft.com/office/powerpoint/2010/main" xmlns="" Requires="p14">
+    <mc:Choice xmlns="" xmlns:p14="http://schemas.microsoft.com/office/powerpoint/2010/main" Requires="p14">
       <p:transition spd="med" p14:dur="700">
         <p:fade/>
       </p:transition>
@@ -4188,7 +4188,7 @@
     </p:spTree>
     <p:extLst>
       <p:ext uri="{BB962C8B-B14F-4D97-AF65-F5344CB8AC3E}">
-        <p14:creationId xmlns:p14="http://schemas.microsoft.com/office/powerpoint/2010/main" xmlns="" val="612817689"/>
+        <p14:creationId xmlns="" xmlns:p14="http://schemas.microsoft.com/office/powerpoint/2010/main" val="612817689"/>
       </p:ext>
     </p:extLst>
   </p:cSld>
@@ -4196,7 +4196,7 @@
     <a:masterClrMapping/>
   </p:clrMapOvr>
   <mc:AlternateContent xmlns:mc="http://schemas.openxmlformats.org/markup-compatibility/2006">
-    <mc:Choice xmlns:p14="http://schemas.microsoft.com/office/powerpoint/2010/main" xmlns="" Requires="p14">
+    <mc:Choice xmlns="" xmlns:p14="http://schemas.microsoft.com/office/powerpoint/2010/main" Requires="p14">
       <p:transition spd="med" p14:dur="700">
         <p:fade/>
       </p:transition>
@@ -4386,7 +4386,7 @@
     </p:spTree>
     <p:extLst>
       <p:ext uri="{BB962C8B-B14F-4D97-AF65-F5344CB8AC3E}">
-        <p14:creationId xmlns:p14="http://schemas.microsoft.com/office/powerpoint/2010/main" xmlns="" val="2185532848"/>
+        <p14:creationId xmlns="" xmlns:p14="http://schemas.microsoft.com/office/powerpoint/2010/main" val="2185532848"/>
       </p:ext>
     </p:extLst>
   </p:cSld>
@@ -4394,7 +4394,7 @@
     <a:masterClrMapping/>
   </p:clrMapOvr>
   <mc:AlternateContent xmlns:mc="http://schemas.openxmlformats.org/markup-compatibility/2006">
-    <mc:Choice xmlns:p14="http://schemas.microsoft.com/office/powerpoint/2010/main" xmlns="" Requires="p14">
+    <mc:Choice xmlns="" xmlns:p14="http://schemas.microsoft.com/office/powerpoint/2010/main" Requires="p14">
       <p:transition spd="med" p14:dur="700">
         <p:fade/>
       </p:transition>
@@ -5376,7 +5376,7 @@
     </p:spTree>
     <p:extLst>
       <p:ext uri="{BB962C8B-B14F-4D97-AF65-F5344CB8AC3E}">
-        <p14:creationId xmlns:p14="http://schemas.microsoft.com/office/powerpoint/2010/main" xmlns="" val="3234467543"/>
+        <p14:creationId xmlns="" xmlns:p14="http://schemas.microsoft.com/office/powerpoint/2010/main" val="3234467543"/>
       </p:ext>
     </p:extLst>
   </p:cSld>
@@ -5384,7 +5384,7 @@
     <a:masterClrMapping/>
   </p:clrMapOvr>
   <mc:AlternateContent xmlns:mc="http://schemas.openxmlformats.org/markup-compatibility/2006">
-    <mc:Choice xmlns:p14="http://schemas.microsoft.com/office/powerpoint/2010/main" xmlns="" Requires="p14">
+    <mc:Choice xmlns="" xmlns:p14="http://schemas.microsoft.com/office/powerpoint/2010/main" Requires="p14">
       <p:transition spd="med" p14:dur="700">
         <p:fade/>
       </p:transition>
@@ -5682,7 +5682,7 @@
     </p:spTree>
     <p:extLst>
       <p:ext uri="{BB962C8B-B14F-4D97-AF65-F5344CB8AC3E}">
-        <p14:creationId xmlns:p14="http://schemas.microsoft.com/office/powerpoint/2010/main" xmlns="" val="1239113715"/>
+        <p14:creationId xmlns="" xmlns:p14="http://schemas.microsoft.com/office/powerpoint/2010/main" val="1239113715"/>
       </p:ext>
     </p:extLst>
   </p:cSld>
@@ -5690,7 +5690,7 @@
     <a:masterClrMapping/>
   </p:clrMapOvr>
   <mc:AlternateContent xmlns:mc="http://schemas.openxmlformats.org/markup-compatibility/2006">
-    <mc:Choice xmlns:p14="http://schemas.microsoft.com/office/powerpoint/2010/main" xmlns="" Requires="p14">
+    <mc:Choice xmlns="" xmlns:p14="http://schemas.microsoft.com/office/powerpoint/2010/main" Requires="p14">
       <p:transition spd="med" p14:dur="700">
         <p:fade/>
       </p:transition>
@@ -6129,7 +6129,7 @@
     </p:spTree>
     <p:extLst>
       <p:ext uri="{BB962C8B-B14F-4D97-AF65-F5344CB8AC3E}">
-        <p14:creationId xmlns:p14="http://schemas.microsoft.com/office/powerpoint/2010/main" xmlns="" val="2138358032"/>
+        <p14:creationId xmlns="" xmlns:p14="http://schemas.microsoft.com/office/powerpoint/2010/main" val="2138358032"/>
       </p:ext>
     </p:extLst>
   </p:cSld>
@@ -6137,7 +6137,7 @@
     <a:masterClrMapping/>
   </p:clrMapOvr>
   <mc:AlternateContent xmlns:mc="http://schemas.openxmlformats.org/markup-compatibility/2006">
-    <mc:Choice xmlns:p14="http://schemas.microsoft.com/office/powerpoint/2010/main" xmlns="" Requires="p14">
+    <mc:Choice xmlns="" xmlns:p14="http://schemas.microsoft.com/office/powerpoint/2010/main" Requires="p14">
       <p:transition spd="med" p14:dur="700">
         <p:fade/>
       </p:transition>
@@ -6267,7 +6267,7 @@
     </p:spTree>
     <p:extLst>
       <p:ext uri="{BB962C8B-B14F-4D97-AF65-F5344CB8AC3E}">
-        <p14:creationId xmlns:p14="http://schemas.microsoft.com/office/powerpoint/2010/main" xmlns="" val="3163578801"/>
+        <p14:creationId xmlns="" xmlns:p14="http://schemas.microsoft.com/office/powerpoint/2010/main" val="3163578801"/>
       </p:ext>
     </p:extLst>
   </p:cSld>
@@ -6275,7 +6275,7 @@
     <a:masterClrMapping/>
   </p:clrMapOvr>
   <mc:AlternateContent xmlns:mc="http://schemas.openxmlformats.org/markup-compatibility/2006">
-    <mc:Choice xmlns:p14="http://schemas.microsoft.com/office/powerpoint/2010/main" xmlns="" Requires="p14">
+    <mc:Choice xmlns="" xmlns:p14="http://schemas.microsoft.com/office/powerpoint/2010/main" Requires="p14">
       <p:transition spd="med" p14:dur="700">
         <p:fade/>
       </p:transition>
@@ -6647,7 +6647,7 @@
     </p:spTree>
     <p:extLst>
       <p:ext uri="{BB962C8B-B14F-4D97-AF65-F5344CB8AC3E}">
-        <p14:creationId xmlns:p14="http://schemas.microsoft.com/office/powerpoint/2010/main" xmlns="" val="178381615"/>
+        <p14:creationId xmlns="" xmlns:p14="http://schemas.microsoft.com/office/powerpoint/2010/main" val="178381615"/>
       </p:ext>
     </p:extLst>
   </p:cSld>
@@ -6655,7 +6655,7 @@
     <a:masterClrMapping/>
   </p:clrMapOvr>
   <mc:AlternateContent xmlns:mc="http://schemas.openxmlformats.org/markup-compatibility/2006">
-    <mc:Choice xmlns:p14="http://schemas.microsoft.com/office/powerpoint/2010/main" xmlns="" Requires="p14">
+    <mc:Choice xmlns="" xmlns:p14="http://schemas.microsoft.com/office/powerpoint/2010/main" Requires="p14">
       <p:transition spd="med" p14:dur="700">
         <p:fade/>
       </p:transition>
@@ -7179,7 +7179,7 @@
     </p:spTree>
     <p:extLst>
       <p:ext uri="{BB962C8B-B14F-4D97-AF65-F5344CB8AC3E}">
-        <p14:creationId xmlns:p14="http://schemas.microsoft.com/office/powerpoint/2010/main" xmlns="" val="3518043182"/>
+        <p14:creationId xmlns="" xmlns:p14="http://schemas.microsoft.com/office/powerpoint/2010/main" val="3518043182"/>
       </p:ext>
     </p:extLst>
   </p:cSld>
@@ -7187,7 +7187,7 @@
     <a:masterClrMapping/>
   </p:clrMapOvr>
   <mc:AlternateContent xmlns:mc="http://schemas.openxmlformats.org/markup-compatibility/2006">
-    <mc:Choice xmlns:p14="http://schemas.microsoft.com/office/powerpoint/2010/main" xmlns="" Requires="p14">
+    <mc:Choice xmlns="" xmlns:p14="http://schemas.microsoft.com/office/powerpoint/2010/main" Requires="p14">
       <p:transition spd="med" p14:dur="700">
         <p:fade/>
       </p:transition>
@@ -7694,7 +7694,7 @@
     </p:spTree>
     <p:extLst>
       <p:ext uri="{BB962C8B-B14F-4D97-AF65-F5344CB8AC3E}">
-        <p14:creationId xmlns:p14="http://schemas.microsoft.com/office/powerpoint/2010/main" xmlns="" val="3973900260"/>
+        <p14:creationId xmlns="" xmlns:p14="http://schemas.microsoft.com/office/powerpoint/2010/main" val="3973900260"/>
       </p:ext>
     </p:extLst>
   </p:cSld>
@@ -7702,7 +7702,7 @@
     <a:masterClrMapping/>
   </p:clrMapOvr>
   <mc:AlternateContent xmlns:mc="http://schemas.openxmlformats.org/markup-compatibility/2006">
-    <mc:Choice xmlns:p14="http://schemas.microsoft.com/office/powerpoint/2010/main" xmlns="" Requires="p14">
+    <mc:Choice xmlns="" xmlns:p14="http://schemas.microsoft.com/office/powerpoint/2010/main" Requires="p14">
       <p:transition spd="med" p14:dur="700">
         <p:fade/>
       </p:transition>
@@ -8320,7 +8320,7 @@
     </p:spTree>
     <p:extLst>
       <p:ext uri="{BB962C8B-B14F-4D97-AF65-F5344CB8AC3E}">
-        <p14:creationId xmlns:p14="http://schemas.microsoft.com/office/powerpoint/2010/main" xmlns="" val="2054322300"/>
+        <p14:creationId xmlns="" xmlns:p14="http://schemas.microsoft.com/office/powerpoint/2010/main" val="2054322300"/>
       </p:ext>
     </p:extLst>
   </p:cSld>
@@ -8339,7 +8339,7 @@
     <p:sldLayoutId id="2147483659" r:id="rId11"/>
   </p:sldLayoutIdLst>
   <mc:AlternateContent xmlns:mc="http://schemas.openxmlformats.org/markup-compatibility/2006">
-    <mc:Choice xmlns:p14="http://schemas.microsoft.com/office/powerpoint/2010/main" xmlns="" Requires="p14">
+    <mc:Choice xmlns="" xmlns:p14="http://schemas.microsoft.com/office/powerpoint/2010/main" Requires="p14">
       <p:transition spd="med" p14:dur="700">
         <p:fade/>
       </p:transition>
@@ -8641,7 +8641,7 @@
   </p:txStyles>
   <p:extLst mod="1">
     <p:ext uri="{27BBF7A9-308A-43DC-89C8-2F10F3537804}">
-      <p15:sldGuideLst xmlns:p15="http://schemas.microsoft.com/office/powerpoint/2012/main" xmlns="">
+      <p15:sldGuideLst xmlns="" xmlns:p15="http://schemas.microsoft.com/office/powerpoint/2012/main">
         <p15:guide id="1" orient="horz" pos="2160" userDrawn="1">
           <p15:clr>
             <a:srgbClr val="F26B43"/>
@@ -8811,7 +8811,7 @@
     </p:spTree>
     <p:extLst>
       <p:ext uri="{BB962C8B-B14F-4D97-AF65-F5344CB8AC3E}">
-        <p14:creationId xmlns:p14="http://schemas.microsoft.com/office/powerpoint/2010/main" xmlns="" val="506761459"/>
+        <p14:creationId xmlns="" xmlns:p14="http://schemas.microsoft.com/office/powerpoint/2010/main" val="506761459"/>
       </p:ext>
     </p:extLst>
   </p:cSld>
@@ -8819,7 +8819,7 @@
     <a:masterClrMapping/>
   </p:clrMapOvr>
   <mc:AlternateContent xmlns:mc="http://schemas.openxmlformats.org/markup-compatibility/2006">
-    <mc:Choice xmlns:p14="http://schemas.microsoft.com/office/powerpoint/2010/main" xmlns="" Requires="p14">
+    <mc:Choice xmlns="" xmlns:p14="http://schemas.microsoft.com/office/powerpoint/2010/main" Requires="p14">
       <p:transition spd="med" p14:dur="700">
         <p:fade/>
       </p:transition>
@@ -9275,7 +9275,7 @@
     <a:masterClrMapping/>
   </p:clrMapOvr>
   <mc:AlternateContent xmlns:mc="http://schemas.openxmlformats.org/markup-compatibility/2006">
-    <mc:Choice xmlns:p14="http://schemas.microsoft.com/office/powerpoint/2010/main" xmlns="" Requires="p14">
+    <mc:Choice xmlns="" xmlns:p14="http://schemas.microsoft.com/office/powerpoint/2010/main" Requires="p14">
       <p:transition spd="med" p14:dur="700">
         <p:fade/>
       </p:transition>
@@ -9751,7 +9751,7 @@
     <a:masterClrMapping/>
   </p:clrMapOvr>
   <mc:AlternateContent xmlns:mc="http://schemas.openxmlformats.org/markup-compatibility/2006">
-    <mc:Choice xmlns:p14="http://schemas.microsoft.com/office/powerpoint/2010/main" xmlns="" Requires="p14">
+    <mc:Choice xmlns="" xmlns:p14="http://schemas.microsoft.com/office/powerpoint/2010/main" Requires="p14">
       <p:transition spd="med" p14:dur="700">
         <p:fade/>
       </p:transition>
@@ -10413,7 +10413,7 @@
     <a:masterClrMapping/>
   </p:clrMapOvr>
   <mc:AlternateContent xmlns:mc="http://schemas.openxmlformats.org/markup-compatibility/2006">
-    <mc:Choice xmlns:p14="http://schemas.microsoft.com/office/powerpoint/2010/main" xmlns="" Requires="p14">
+    <mc:Choice xmlns="" xmlns:p14="http://schemas.microsoft.com/office/powerpoint/2010/main" Requires="p14">
       <p:transition spd="med" p14:dur="700">
         <p:fade/>
       </p:transition>
@@ -11645,7 +11645,7 @@
     <a:masterClrMapping/>
   </p:clrMapOvr>
   <mc:AlternateContent xmlns:mc="http://schemas.openxmlformats.org/markup-compatibility/2006">
-    <mc:Choice xmlns:p14="http://schemas.microsoft.com/office/powerpoint/2010/main" xmlns="" Requires="p14">
+    <mc:Choice xmlns="" xmlns:p14="http://schemas.microsoft.com/office/powerpoint/2010/main" Requires="p14">
       <p:transition spd="med" p14:dur="700">
         <p:fade/>
       </p:transition>
@@ -12056,7 +12056,7 @@
     <a:masterClrMapping/>
   </p:clrMapOvr>
   <mc:AlternateContent xmlns:mc="http://schemas.openxmlformats.org/markup-compatibility/2006">
-    <mc:Choice xmlns:p14="http://schemas.microsoft.com/office/powerpoint/2010/main" xmlns="" Requires="p14">
+    <mc:Choice xmlns="" xmlns:p14="http://schemas.microsoft.com/office/powerpoint/2010/main" Requires="p14">
       <p:transition spd="med" p14:dur="700">
         <p:fade/>
       </p:transition>
@@ -12604,7 +12604,7 @@
     <a:masterClrMapping/>
   </p:clrMapOvr>
   <mc:AlternateContent xmlns:mc="http://schemas.openxmlformats.org/markup-compatibility/2006">
-    <mc:Choice xmlns:p14="http://schemas.microsoft.com/office/powerpoint/2010/main" xmlns="" Requires="p14">
+    <mc:Choice xmlns="" xmlns:p14="http://schemas.microsoft.com/office/powerpoint/2010/main" Requires="p14">
       <p:transition spd="med" p14:dur="700">
         <p:fade/>
       </p:transition>
@@ -13137,7 +13137,7 @@
     <a:masterClrMapping/>
   </p:clrMapOvr>
   <mc:AlternateContent xmlns:mc="http://schemas.openxmlformats.org/markup-compatibility/2006">
-    <mc:Choice xmlns:p14="http://schemas.microsoft.com/office/powerpoint/2010/main" xmlns="" Requires="p14">
+    <mc:Choice xmlns="" xmlns:p14="http://schemas.microsoft.com/office/powerpoint/2010/main" Requires="p14">
       <p:transition spd="med" p14:dur="700">
         <p:fade/>
       </p:transition>
@@ -13733,7 +13733,7 @@
     <a:masterClrMapping/>
   </p:clrMapOvr>
   <mc:AlternateContent xmlns:mc="http://schemas.openxmlformats.org/markup-compatibility/2006">
-    <mc:Choice xmlns:p14="http://schemas.microsoft.com/office/powerpoint/2010/main" xmlns="" Requires="p14">
+    <mc:Choice xmlns="" xmlns:p14="http://schemas.microsoft.com/office/powerpoint/2010/main" Requires="p14">
       <p:transition spd="med" p14:dur="700">
         <p:fade/>
       </p:transition>
@@ -14270,7 +14270,7 @@
     <a:masterClrMapping/>
   </p:clrMapOvr>
   <mc:AlternateContent xmlns:mc="http://schemas.openxmlformats.org/markup-compatibility/2006">
-    <mc:Choice xmlns:p14="http://schemas.microsoft.com/office/powerpoint/2010/main" xmlns="" Requires="p14">
+    <mc:Choice xmlns="" xmlns:p14="http://schemas.microsoft.com/office/powerpoint/2010/main" Requires="p14">
       <p:transition spd="med" p14:dur="700">
         <p:fade/>
       </p:transition>
@@ -14771,7 +14771,7 @@
     <a:masterClrMapping/>
   </p:clrMapOvr>
   <mc:AlternateContent xmlns:mc="http://schemas.openxmlformats.org/markup-compatibility/2006">
-    <mc:Choice xmlns:p14="http://schemas.microsoft.com/office/powerpoint/2010/main" xmlns="" Requires="p14">
+    <mc:Choice xmlns="" xmlns:p14="http://schemas.microsoft.com/office/powerpoint/2010/main" Requires="p14">
       <p:transition spd="med" p14:dur="700">
         <p:fade/>
       </p:transition>
@@ -15068,7 +15068,7 @@
     </p:spTree>
     <p:extLst>
       <p:ext uri="{BB962C8B-B14F-4D97-AF65-F5344CB8AC3E}">
-        <p14:creationId xmlns:p14="http://schemas.microsoft.com/office/powerpoint/2010/main" xmlns="" val="1720426387"/>
+        <p14:creationId xmlns="" xmlns:p14="http://schemas.microsoft.com/office/powerpoint/2010/main" val="1720426387"/>
       </p:ext>
     </p:extLst>
   </p:cSld>
@@ -15076,7 +15076,7 @@
     <a:masterClrMapping/>
   </p:clrMapOvr>
   <mc:AlternateContent xmlns:mc="http://schemas.openxmlformats.org/markup-compatibility/2006">
-    <mc:Choice xmlns:p14="http://schemas.microsoft.com/office/powerpoint/2010/main" xmlns="" Requires="p14">
+    <mc:Choice xmlns="" xmlns:p14="http://schemas.microsoft.com/office/powerpoint/2010/main" Requires="p14">
       <p:transition spd="med" p14:dur="700">
         <p:fade/>
       </p:transition>
@@ -15617,7 +15617,7 @@
     <a:masterClrMapping/>
   </p:clrMapOvr>
   <mc:AlternateContent xmlns:mc="http://schemas.openxmlformats.org/markup-compatibility/2006">
-    <mc:Choice xmlns:p14="http://schemas.microsoft.com/office/powerpoint/2010/main" xmlns="" Requires="p14">
+    <mc:Choice xmlns="" xmlns:p14="http://schemas.microsoft.com/office/powerpoint/2010/main" Requires="p14">
       <p:transition spd="med" p14:dur="700">
         <p:fade/>
       </p:transition>
@@ -16181,7 +16181,7 @@
     <a:masterClrMapping/>
   </p:clrMapOvr>
   <mc:AlternateContent xmlns:mc="http://schemas.openxmlformats.org/markup-compatibility/2006">
-    <mc:Choice xmlns:p14="http://schemas.microsoft.com/office/powerpoint/2010/main" xmlns="" Requires="p14">
+    <mc:Choice xmlns="" xmlns:p14="http://schemas.microsoft.com/office/powerpoint/2010/main" Requires="p14">
       <p:transition spd="med" p14:dur="700">
         <p:fade/>
       </p:transition>
@@ -16776,7 +16776,7 @@
     <a:masterClrMapping/>
   </p:clrMapOvr>
   <mc:AlternateContent xmlns:mc="http://schemas.openxmlformats.org/markup-compatibility/2006">
-    <mc:Choice xmlns:p14="http://schemas.microsoft.com/office/powerpoint/2010/main" xmlns="" Requires="p14">
+    <mc:Choice xmlns="" xmlns:p14="http://schemas.microsoft.com/office/powerpoint/2010/main" Requires="p14">
       <p:transition spd="med" p14:dur="700">
         <p:fade/>
       </p:transition>
@@ -17456,7 +17456,7 @@
     <a:masterClrMapping/>
   </p:clrMapOvr>
   <mc:AlternateContent xmlns:mc="http://schemas.openxmlformats.org/markup-compatibility/2006">
-    <mc:Choice xmlns:p14="http://schemas.microsoft.com/office/powerpoint/2010/main" xmlns="" Requires="p14">
+    <mc:Choice xmlns="" xmlns:p14="http://schemas.microsoft.com/office/powerpoint/2010/main" Requires="p14">
       <p:transition spd="med" p14:dur="700">
         <p:fade/>
       </p:transition>
@@ -18026,7 +18026,7 @@
     <a:masterClrMapping/>
   </p:clrMapOvr>
   <mc:AlternateContent xmlns:mc="http://schemas.openxmlformats.org/markup-compatibility/2006">
-    <mc:Choice xmlns:p14="http://schemas.microsoft.com/office/powerpoint/2010/main" xmlns="" Requires="p14">
+    <mc:Choice xmlns="" xmlns:p14="http://schemas.microsoft.com/office/powerpoint/2010/main" Requires="p14">
       <p:transition spd="med" p14:dur="700">
         <p:fade/>
       </p:transition>
@@ -18547,7 +18547,7 @@
     <a:masterClrMapping/>
   </p:clrMapOvr>
   <mc:AlternateContent xmlns:mc="http://schemas.openxmlformats.org/markup-compatibility/2006">
-    <mc:Choice xmlns:p14="http://schemas.microsoft.com/office/powerpoint/2010/main" xmlns="" Requires="p14">
+    <mc:Choice xmlns="" xmlns:p14="http://schemas.microsoft.com/office/powerpoint/2010/main" Requires="p14">
       <p:transition spd="med" p14:dur="700">
         <p:fade/>
       </p:transition>
@@ -19455,7 +19455,7 @@
     <a:masterClrMapping/>
   </p:clrMapOvr>
   <mc:AlternateContent xmlns:mc="http://schemas.openxmlformats.org/markup-compatibility/2006">
-    <mc:Choice xmlns:p14="http://schemas.microsoft.com/office/powerpoint/2010/main" xmlns="" Requires="p14">
+    <mc:Choice xmlns="" xmlns:p14="http://schemas.microsoft.com/office/powerpoint/2010/main" Requires="p14">
       <p:transition spd="med" p14:dur="700">
         <p:fade/>
       </p:transition>
@@ -20285,7 +20285,7 @@
     <a:masterClrMapping/>
   </p:clrMapOvr>
   <mc:AlternateContent xmlns:mc="http://schemas.openxmlformats.org/markup-compatibility/2006">
-    <mc:Choice xmlns:p14="http://schemas.microsoft.com/office/powerpoint/2010/main" xmlns="" Requires="p14">
+    <mc:Choice xmlns="" xmlns:p14="http://schemas.microsoft.com/office/powerpoint/2010/main" Requires="p14">
       <p:transition spd="med" p14:dur="700">
         <p:fade/>
       </p:transition>
@@ -21255,7 +21255,7 @@
     <a:masterClrMapping/>
   </p:clrMapOvr>
   <mc:AlternateContent xmlns:mc="http://schemas.openxmlformats.org/markup-compatibility/2006">
-    <mc:Choice xmlns:p14="http://schemas.microsoft.com/office/powerpoint/2010/main" xmlns="" Requires="p14">
+    <mc:Choice xmlns="" xmlns:p14="http://schemas.microsoft.com/office/powerpoint/2010/main" Requires="p14">
       <p:transition spd="med" p14:dur="700">
         <p:fade/>
       </p:transition>
@@ -21924,7 +21924,7 @@
     <a:masterClrMapping/>
   </p:clrMapOvr>
   <mc:AlternateContent xmlns:mc="http://schemas.openxmlformats.org/markup-compatibility/2006">
-    <mc:Choice xmlns:p14="http://schemas.microsoft.com/office/powerpoint/2010/main" xmlns="" Requires="p14">
+    <mc:Choice xmlns="" xmlns:p14="http://schemas.microsoft.com/office/powerpoint/2010/main" Requires="p14">
       <p:transition spd="med" p14:dur="700">
         <p:fade/>
       </p:transition>
@@ -22378,7 +22378,7 @@
     </p:spTree>
     <p:extLst>
       <p:ext uri="{BB962C8B-B14F-4D97-AF65-F5344CB8AC3E}">
-        <p14:creationId xmlns:p14="http://schemas.microsoft.com/office/powerpoint/2010/main" xmlns="" val="2237405988"/>
+        <p14:creationId xmlns="" xmlns:p14="http://schemas.microsoft.com/office/powerpoint/2010/main" val="2237405988"/>
       </p:ext>
     </p:extLst>
   </p:cSld>
@@ -22386,7 +22386,7 @@
     <a:masterClrMapping/>
   </p:clrMapOvr>
   <mc:AlternateContent xmlns:mc="http://schemas.openxmlformats.org/markup-compatibility/2006">
-    <mc:Choice xmlns:p14="http://schemas.microsoft.com/office/powerpoint/2010/main" xmlns="" Requires="p14">
+    <mc:Choice xmlns="" xmlns:p14="http://schemas.microsoft.com/office/powerpoint/2010/main" Requires="p14">
       <p:transition spd="med" p14:dur="700">
         <p:fade/>
       </p:transition>
@@ -23167,7 +23167,7 @@
     <a:masterClrMapping/>
   </p:clrMapOvr>
   <mc:AlternateContent xmlns:mc="http://schemas.openxmlformats.org/markup-compatibility/2006">
-    <mc:Choice xmlns:p14="http://schemas.microsoft.com/office/powerpoint/2010/main" xmlns="" Requires="p14">
+    <mc:Choice xmlns="" xmlns:p14="http://schemas.microsoft.com/office/powerpoint/2010/main" Requires="p14">
       <p:transition spd="med" p14:dur="700">
         <p:fade/>
       </p:transition>
@@ -23236,8 +23236,8 @@
         </p:nvSpPr>
         <p:spPr>
           <a:xfrm>
-            <a:off x="1751012" y="1828801"/>
-            <a:ext cx="9753600" cy="4893647"/>
+            <a:off x="1751012" y="1371601"/>
+            <a:ext cx="9753600" cy="5262979"/>
           </a:xfrm>
           <a:prstGeom prst="rect">
             <a:avLst/>
@@ -23262,8 +23262,39 @@
               <a:rPr lang="en-US" altLang="zh-CN" sz="2400" dirty="0" smtClean="0">
                 <a:hlinkClick r:id="rId2"/>
               </a:rPr>
-              <a:t>http://www.git-scm.com/book/zh/v1</a:t>
-            </a:r>
+              <a:t>http://</a:t>
+            </a:r>
+            <a:r>
+              <a:rPr lang="en-US" altLang="zh-CN" sz="2400" dirty="0" smtClean="0">
+                <a:hlinkClick r:id="rId2"/>
+              </a:rPr>
+              <a:t>www.git-scm.com/book/zh/v1</a:t>
+            </a:r>
+          </a:p>
+          <a:p>
+            <a:r>
+              <a:rPr lang="zh-CN" altLang="en-US" sz="2400" smtClean="0"/>
+              <a:t>英文参考手册</a:t>
+            </a:r>
+            <a:r>
+              <a:rPr lang="en-US" altLang="zh-CN" sz="2400" smtClean="0"/>
+              <a:t>: </a:t>
+            </a:r>
+            <a:r>
+              <a:rPr lang="en-US" altLang="zh-CN" sz="2400" dirty="0" smtClean="0">
+                <a:hlinkClick r:id="rId2"/>
+              </a:rPr>
+              <a:t>http</a:t>
+            </a:r>
+            <a:r>
+              <a:rPr lang="en-US" altLang="zh-CN" sz="2400" dirty="0" smtClean="0">
+                <a:hlinkClick r:id="rId2"/>
+              </a:rPr>
+              <a:t>://gitref.org/index.html</a:t>
+            </a:r>
+            <a:endParaRPr lang="en-US" altLang="zh-CN" sz="2400" dirty="0" smtClean="0">
+              <a:hlinkClick r:id="rId2"/>
+            </a:endParaRPr>
           </a:p>
           <a:p>
             <a:r>
@@ -23347,15 +23378,7 @@
             </a:r>
             <a:r>
               <a:rPr lang="en-US" altLang="zh-CN" sz="2400" dirty="0" smtClean="0"/>
-              <a:t> https</a:t>
-            </a:r>
-            <a:r>
-              <a:rPr lang="en-US" altLang="zh-CN" sz="2400" smtClean="0"/>
-              <a:t>://</a:t>
-            </a:r>
-            <a:r>
-              <a:rPr lang="en-US" altLang="zh-CN" sz="2400" smtClean="0"/>
-              <a:t>github.com/xami</a:t>
+              <a:t> https://github.com/xami</a:t>
             </a:r>
             <a:endParaRPr lang="zh-CN" altLang="en-US" sz="2400" dirty="0"/>
           </a:p>
@@ -23555,7 +23578,7 @@
     </p:spTree>
     <p:extLst>
       <p:ext uri="{BB962C8B-B14F-4D97-AF65-F5344CB8AC3E}">
-        <p14:creationId xmlns:p14="http://schemas.microsoft.com/office/powerpoint/2010/main" xmlns="" val="2237405988"/>
+        <p14:creationId xmlns="" xmlns:p14="http://schemas.microsoft.com/office/powerpoint/2010/main" val="2237405988"/>
       </p:ext>
     </p:extLst>
   </p:cSld>
@@ -23563,7 +23586,7 @@
     <a:masterClrMapping/>
   </p:clrMapOvr>
   <mc:AlternateContent xmlns:mc="http://schemas.openxmlformats.org/markup-compatibility/2006">
-    <mc:Choice xmlns:p14="http://schemas.microsoft.com/office/powerpoint/2010/main" xmlns="" Requires="p14">
+    <mc:Choice xmlns="" xmlns:p14="http://schemas.microsoft.com/office/powerpoint/2010/main" Requires="p14">
       <p:transition spd="med" p14:dur="700">
         <p:fade/>
       </p:transition>
@@ -24373,7 +24396,7 @@
     </p:spTree>
     <p:extLst>
       <p:ext uri="{BB962C8B-B14F-4D97-AF65-F5344CB8AC3E}">
-        <p14:creationId xmlns:p14="http://schemas.microsoft.com/office/powerpoint/2010/main" xmlns="" val="813896505"/>
+        <p14:creationId xmlns="" xmlns:p14="http://schemas.microsoft.com/office/powerpoint/2010/main" val="813896505"/>
       </p:ext>
     </p:extLst>
   </p:cSld>
@@ -24381,7 +24404,7 @@
     <a:masterClrMapping/>
   </p:clrMapOvr>
   <mc:AlternateContent xmlns:mc="http://schemas.openxmlformats.org/markup-compatibility/2006">
-    <mc:Choice xmlns:p14="http://schemas.microsoft.com/office/powerpoint/2010/main" xmlns="" Requires="p14">
+    <mc:Choice xmlns="" xmlns:p14="http://schemas.microsoft.com/office/powerpoint/2010/main" Requires="p14">
       <p:transition spd="med" p14:dur="700">
         <p:fade/>
       </p:transition>
@@ -25280,7 +25303,7 @@
     </p:spTree>
     <p:extLst>
       <p:ext uri="{BB962C8B-B14F-4D97-AF65-F5344CB8AC3E}">
-        <p14:creationId xmlns:p14="http://schemas.microsoft.com/office/powerpoint/2010/main" xmlns="" val="2237405988"/>
+        <p14:creationId xmlns="" xmlns:p14="http://schemas.microsoft.com/office/powerpoint/2010/main" val="2237405988"/>
       </p:ext>
     </p:extLst>
   </p:cSld>
@@ -25288,7 +25311,7 @@
     <a:overrideClrMapping bg1="lt1" tx1="dk1" bg2="lt2" tx2="dk2" accent1="accent1" accent2="accent2" accent3="accent3" accent4="accent4" accent5="accent5" accent6="accent6" hlink="hlink" folHlink="folHlink"/>
   </p:clrMapOvr>
   <mc:AlternateContent xmlns:mc="http://schemas.openxmlformats.org/markup-compatibility/2006">
-    <mc:Choice xmlns:p14="http://schemas.microsoft.com/office/powerpoint/2010/main" xmlns="" Requires="p14">
+    <mc:Choice xmlns="" xmlns:p14="http://schemas.microsoft.com/office/powerpoint/2010/main" Requires="p14">
       <p:transition spd="med" p14:dur="700">
         <p:fade/>
       </p:transition>
@@ -25687,7 +25710,7 @@
     </p:spTree>
     <p:extLst>
       <p:ext uri="{BB962C8B-B14F-4D97-AF65-F5344CB8AC3E}">
-        <p14:creationId xmlns:p14="http://schemas.microsoft.com/office/powerpoint/2010/main" xmlns="" val="2237405988"/>
+        <p14:creationId xmlns="" xmlns:p14="http://schemas.microsoft.com/office/powerpoint/2010/main" val="2237405988"/>
       </p:ext>
     </p:extLst>
   </p:cSld>
@@ -25695,7 +25718,7 @@
     <a:overrideClrMapping bg1="lt1" tx1="dk1" bg2="lt2" tx2="dk2" accent1="accent1" accent2="accent2" accent3="accent3" accent4="accent4" accent5="accent5" accent6="accent6" hlink="hlink" folHlink="folHlink"/>
   </p:clrMapOvr>
   <mc:AlternateContent xmlns:mc="http://schemas.openxmlformats.org/markup-compatibility/2006">
-    <mc:Choice xmlns:p14="http://schemas.microsoft.com/office/powerpoint/2010/main" xmlns="" Requires="p14">
+    <mc:Choice xmlns="" xmlns:p14="http://schemas.microsoft.com/office/powerpoint/2010/main" Requires="p14">
       <p:transition spd="med" p14:dur="700">
         <p:fade/>
       </p:transition>
@@ -26581,7 +26604,7 @@
     </p:spTree>
     <p:extLst>
       <p:ext uri="{BB962C8B-B14F-4D97-AF65-F5344CB8AC3E}">
-        <p14:creationId xmlns:p14="http://schemas.microsoft.com/office/powerpoint/2010/main" xmlns="" val="2237405988"/>
+        <p14:creationId xmlns="" xmlns:p14="http://schemas.microsoft.com/office/powerpoint/2010/main" val="2237405988"/>
       </p:ext>
     </p:extLst>
   </p:cSld>
@@ -26589,7 +26612,7 @@
     <a:masterClrMapping/>
   </p:clrMapOvr>
   <mc:AlternateContent xmlns:mc="http://schemas.openxmlformats.org/markup-compatibility/2006">
-    <mc:Choice xmlns:p14="http://schemas.microsoft.com/office/powerpoint/2010/main" xmlns="" Requires="p14">
+    <mc:Choice xmlns="" xmlns:p14="http://schemas.microsoft.com/office/powerpoint/2010/main" Requires="p14">
       <p:transition spd="med" p14:dur="700">
         <p:fade/>
       </p:transition>
@@ -26949,7 +26972,7 @@
     </p:spTree>
     <p:extLst>
       <p:ext uri="{BB962C8B-B14F-4D97-AF65-F5344CB8AC3E}">
-        <p14:creationId xmlns:p14="http://schemas.microsoft.com/office/powerpoint/2010/main" xmlns="" val="813896505"/>
+        <p14:creationId xmlns="" xmlns:p14="http://schemas.microsoft.com/office/powerpoint/2010/main" val="813896505"/>
       </p:ext>
     </p:extLst>
   </p:cSld>
@@ -26957,7 +26980,7 @@
     <a:masterClrMapping/>
   </p:clrMapOvr>
   <mc:AlternateContent xmlns:mc="http://schemas.openxmlformats.org/markup-compatibility/2006">
-    <mc:Choice xmlns:p14="http://schemas.microsoft.com/office/powerpoint/2010/main" xmlns="" Requires="p14">
+    <mc:Choice xmlns="" xmlns:p14="http://schemas.microsoft.com/office/powerpoint/2010/main" Requires="p14">
       <p:transition spd="med" p14:dur="700">
         <p:fade/>
       </p:transition>
@@ -27316,7 +27339,7 @@
     </p:spTree>
     <p:extLst>
       <p:ext uri="{BB962C8B-B14F-4D97-AF65-F5344CB8AC3E}">
-        <p14:creationId xmlns:p14="http://schemas.microsoft.com/office/powerpoint/2010/main" xmlns="" val="813896505"/>
+        <p14:creationId xmlns="" xmlns:p14="http://schemas.microsoft.com/office/powerpoint/2010/main" val="813896505"/>
       </p:ext>
     </p:extLst>
   </p:cSld>
@@ -27324,7 +27347,7 @@
     <a:masterClrMapping/>
   </p:clrMapOvr>
   <mc:AlternateContent xmlns:mc="http://schemas.openxmlformats.org/markup-compatibility/2006">
-    <mc:Choice xmlns:p14="http://schemas.microsoft.com/office/powerpoint/2010/main" xmlns="" Requires="p14">
+    <mc:Choice xmlns="" xmlns:p14="http://schemas.microsoft.com/office/powerpoint/2010/main" Requires="p14">
       <p:transition spd="med" p14:dur="700">
         <p:fade/>
       </p:transition>
@@ -28020,21 +28043,6 @@
 </file>
 
 <file path=customXml/item1.xml><?xml version="1.0" encoding="utf-8"?>
-<p:properties xmlns:p="http://schemas.microsoft.com/office/2006/metadata/properties" xmlns:xsi="http://www.w3.org/2001/XMLSchema-instance" xmlns:pc="http://schemas.microsoft.com/office/infopath/2007/PartnerControls">
-  <documentManagement/>
-</p:properties>
-</file>
-
-<file path=customXml/item2.xml><?xml version="1.0" encoding="utf-8"?>
-<?mso-contentType ?>
-<FormTemplates xmlns="http://schemas.microsoft.com/sharepoint/v3/contenttype/forms">
-  <Display>DocumentLibraryForm</Display>
-  <Edit>DocumentLibraryForm</Edit>
-  <New>DocumentLibraryForm</New>
-</FormTemplates>
-</file>
-
-<file path=customXml/item3.xml><?xml version="1.0" encoding="utf-8"?>
 <ct:contentTypeSchema xmlns:ct="http://schemas.microsoft.com/office/2006/metadata/contentType" xmlns:ma="http://schemas.microsoft.com/office/2006/metadata/properties/metaAttributes" ct:_="" ma:_="" ma:contentTypeName="Document" ma:contentTypeID="0x0101007C1D5F340F01F94FA2FD29A5E6DC872E" ma:contentTypeVersion="0" ma:contentTypeDescription="Create a new document." ma:contentTypeScope="" ma:versionID="f583bd66513a361a730282b6a794e352">
   <xsd:schema xmlns:xsd="http://www.w3.org/2001/XMLSchema" xmlns:xs="http://www.w3.org/2001/XMLSchema" xmlns:p="http://schemas.microsoft.com/office/2006/metadata/properties" targetNamespace="http://schemas.microsoft.com/office/2006/metadata/properties" ma:root="true" ma:fieldsID="6841151cf538834e171094e4faaf2d73">
     <xsd:element name="properties">
@@ -28148,10 +28156,32 @@
 </ct:contentTypeSchema>
 </file>
 
+<file path=customXml/item2.xml><?xml version="1.0" encoding="utf-8"?>
+<?mso-contentType ?>
+<FormTemplates xmlns="http://schemas.microsoft.com/sharepoint/v3/contenttype/forms">
+  <Display>DocumentLibraryForm</Display>
+  <Edit>DocumentLibraryForm</Edit>
+  <New>DocumentLibraryForm</New>
+</FormTemplates>
+</file>
+
+<file path=customXml/item3.xml><?xml version="1.0" encoding="utf-8"?>
+<p:properties xmlns:p="http://schemas.microsoft.com/office/2006/metadata/properties" xmlns:xsi="http://www.w3.org/2001/XMLSchema-instance" xmlns:pc="http://schemas.microsoft.com/office/infopath/2007/PartnerControls">
+  <documentManagement/>
+</p:properties>
+</file>
+
 <file path=customXml/itemProps1.xml><?xml version="1.0" encoding="utf-8"?>
-<ds:datastoreItem xmlns:ds="http://schemas.openxmlformats.org/officeDocument/2006/customXml" ds:itemID="{20B895F5-7F43-4073-919C-BA6E32AC0200}">
+<ds:datastoreItem xmlns:ds="http://schemas.openxmlformats.org/officeDocument/2006/customXml" ds:itemID="{F28882EF-8483-452E-ADFB-02067D56F72B}">
   <ds:schemaRefs>
+    <ds:schemaRef ds:uri="http://schemas.microsoft.com/office/2006/metadata/contentType"/>
+    <ds:schemaRef ds:uri="http://schemas.microsoft.com/office/2006/metadata/properties/metaAttributes"/>
+    <ds:schemaRef ds:uri="http://www.w3.org/2001/XMLSchema"/>
     <ds:schemaRef ds:uri="http://schemas.microsoft.com/office/2006/metadata/properties"/>
+    <ds:schemaRef ds:uri="http://schemas.openxmlformats.org/package/2006/metadata/core-properties"/>
+    <ds:schemaRef ds:uri="http://purl.org/dc/elements/1.1/"/>
+    <ds:schemaRef ds:uri="http://purl.org/dc/terms/"/>
+    <ds:schemaRef ds:uri="http://schemas.microsoft.com/internal/obd"/>
     <ds:schemaRef ds:uri="http://schemas.microsoft.com/office/infopath/2007/PartnerControls"/>
   </ds:schemaRefs>
 </ds:datastoreItem>
@@ -28166,16 +28196,9 @@
 </file>
 
 <file path=customXml/itemProps3.xml><?xml version="1.0" encoding="utf-8"?>
-<ds:datastoreItem xmlns:ds="http://schemas.openxmlformats.org/officeDocument/2006/customXml" ds:itemID="{F28882EF-8483-452E-ADFB-02067D56F72B}">
+<ds:datastoreItem xmlns:ds="http://schemas.openxmlformats.org/officeDocument/2006/customXml" ds:itemID="{20B895F5-7F43-4073-919C-BA6E32AC0200}">
   <ds:schemaRefs>
-    <ds:schemaRef ds:uri="http://schemas.microsoft.com/office/2006/metadata/contentType"/>
-    <ds:schemaRef ds:uri="http://schemas.microsoft.com/office/2006/metadata/properties/metaAttributes"/>
-    <ds:schemaRef ds:uri="http://www.w3.org/2001/XMLSchema"/>
     <ds:schemaRef ds:uri="http://schemas.microsoft.com/office/2006/metadata/properties"/>
-    <ds:schemaRef ds:uri="http://schemas.openxmlformats.org/package/2006/metadata/core-properties"/>
-    <ds:schemaRef ds:uri="http://purl.org/dc/elements/1.1/"/>
-    <ds:schemaRef ds:uri="http://purl.org/dc/terms/"/>
-    <ds:schemaRef ds:uri="http://schemas.microsoft.com/internal/obd"/>
     <ds:schemaRef ds:uri="http://schemas.microsoft.com/office/infopath/2007/PartnerControls"/>
   </ds:schemaRefs>
 </ds:datastoreItem>

--- a/docs/Git入门学习/Git入门学习.pptx
+++ b/docs/Git入门学习/Git入门学习.pptx
@@ -142,7 +142,7 @@
   </p:defaultTextStyle>
   <p:extLst>
     <p:ext uri="{EFAFB233-063F-42B5-8137-9DF3F51BA10A}">
-      <p15:sldGuideLst xmlns="" xmlns:p15="http://schemas.microsoft.com/office/powerpoint/2012/main">
+      <p15:sldGuideLst xmlns:p15="http://schemas.microsoft.com/office/powerpoint/2012/main" xmlns="">
         <p15:guide id="1" orient="horz" pos="2160">
           <p15:clr>
             <a:srgbClr val="A4A3A4"/>
@@ -161,7 +161,7 @@
       </p15:sldGuideLst>
     </p:ext>
     <p:ext uri="{2D200454-40CA-4A62-9FC3-DE9A4176ACB9}">
-      <p15:notesGuideLst xmlns="" xmlns:p15="http://schemas.microsoft.com/office/powerpoint/2012/main">
+      <p15:notesGuideLst xmlns:p15="http://schemas.microsoft.com/office/powerpoint/2012/main" xmlns="">
         <p15:guide id="1" orient="horz" pos="2880">
           <p15:clr>
             <a:srgbClr val="A4A3A4"/>
@@ -261,7 +261,7 @@
             <a:fld id="{BDB7646E-8811-423A-9C42-2CBFADA00A96}" type="datetimeFigureOut">
               <a:rPr lang="en-US" altLang="zh-CN" smtClean="0"/>
               <a:pPr/>
-              <a:t>11/3/2014</a:t>
+              <a:t>11/4/2014</a:t>
             </a:fld>
             <a:endParaRPr lang="zh-CN"/>
           </a:p>
@@ -337,7 +337,7 @@
     </p:spTree>
     <p:extLst>
       <p:ext uri="{BB962C8B-B14F-4D97-AF65-F5344CB8AC3E}">
-        <p14:creationId xmlns="" xmlns:p14="http://schemas.microsoft.com/office/powerpoint/2010/main" val="516225429"/>
+        <p14:creationId xmlns:p14="http://schemas.microsoft.com/office/powerpoint/2010/main" xmlns="" val="516225429"/>
       </p:ext>
     </p:extLst>
   </p:cSld>
@@ -612,7 +612,7 @@
     </p:spTree>
     <p:extLst>
       <p:ext uri="{BB962C8B-B14F-4D97-AF65-F5344CB8AC3E}">
-        <p14:creationId xmlns="" xmlns:p14="http://schemas.microsoft.com/office/powerpoint/2010/main" val="1556669918"/>
+        <p14:creationId xmlns:p14="http://schemas.microsoft.com/office/powerpoint/2010/main" xmlns="" val="1556669918"/>
       </p:ext>
     </p:extLst>
   </p:cSld>
@@ -3311,7 +3311,7 @@
             <a:fld id="{C2C6F8EA-316C-41DE-B9A4-EDCC3A85ED9A}" type="datetimeFigureOut">
               <a:rPr lang="en-US" altLang="zh-CN" smtClean="0"/>
               <a:pPr/>
-              <a:t>11/3/2014</a:t>
+              <a:t>11/4/2014</a:t>
             </a:fld>
             <a:endParaRPr lang="zh-CN" altLang="en-US"/>
           </a:p>
@@ -3383,7 +3383,7 @@
     </p:spTree>
     <p:extLst>
       <p:ext uri="{BB962C8B-B14F-4D97-AF65-F5344CB8AC3E}">
-        <p14:creationId xmlns="" xmlns:p14="http://schemas.microsoft.com/office/powerpoint/2010/main" val="3817955988"/>
+        <p14:creationId xmlns:p14="http://schemas.microsoft.com/office/powerpoint/2010/main" xmlns="" val="3817955988"/>
       </p:ext>
     </p:extLst>
   </p:cSld>
@@ -3391,7 +3391,7 @@
     <a:masterClrMapping/>
   </p:clrMapOvr>
   <mc:AlternateContent xmlns:mc="http://schemas.openxmlformats.org/markup-compatibility/2006">
-    <mc:Choice xmlns="" xmlns:p14="http://schemas.microsoft.com/office/powerpoint/2010/main" Requires="p14">
+    <mc:Choice xmlns:p14="http://schemas.microsoft.com/office/powerpoint/2010/main" xmlns="" Requires="p14">
       <p:transition spd="med" p14:dur="700">
         <p:fade/>
       </p:transition>
@@ -3588,7 +3588,7 @@
     </p:spTree>
     <p:extLst>
       <p:ext uri="{BB962C8B-B14F-4D97-AF65-F5344CB8AC3E}">
-        <p14:creationId xmlns="" xmlns:p14="http://schemas.microsoft.com/office/powerpoint/2010/main" val="2040880889"/>
+        <p14:creationId xmlns:p14="http://schemas.microsoft.com/office/powerpoint/2010/main" xmlns="" val="2040880889"/>
       </p:ext>
     </p:extLst>
   </p:cSld>
@@ -3596,7 +3596,7 @@
     <a:masterClrMapping/>
   </p:clrMapOvr>
   <mc:AlternateContent xmlns:mc="http://schemas.openxmlformats.org/markup-compatibility/2006">
-    <mc:Choice xmlns="" xmlns:p14="http://schemas.microsoft.com/office/powerpoint/2010/main" Requires="p14">
+    <mc:Choice xmlns:p14="http://schemas.microsoft.com/office/powerpoint/2010/main" xmlns="" Requires="p14">
       <p:transition spd="med" p14:dur="700">
         <p:fade/>
       </p:transition>
@@ -4122,7 +4122,7 @@
             <a:fld id="{C2C6F8EA-316C-41DE-B9A4-EDCC3A85ED9A}" type="datetimeFigureOut">
               <a:rPr lang="en-US" altLang="zh-CN" smtClean="0"/>
               <a:pPr/>
-              <a:t>11/3/2014</a:t>
+              <a:t>11/4/2014</a:t>
             </a:fld>
             <a:endParaRPr lang="zh-CN" altLang="en-US"/>
           </a:p>
@@ -4188,7 +4188,7 @@
     </p:spTree>
     <p:extLst>
       <p:ext uri="{BB962C8B-B14F-4D97-AF65-F5344CB8AC3E}">
-        <p14:creationId xmlns="" xmlns:p14="http://schemas.microsoft.com/office/powerpoint/2010/main" val="612817689"/>
+        <p14:creationId xmlns:p14="http://schemas.microsoft.com/office/powerpoint/2010/main" xmlns="" val="612817689"/>
       </p:ext>
     </p:extLst>
   </p:cSld>
@@ -4196,7 +4196,7 @@
     <a:masterClrMapping/>
   </p:clrMapOvr>
   <mc:AlternateContent xmlns:mc="http://schemas.openxmlformats.org/markup-compatibility/2006">
-    <mc:Choice xmlns="" xmlns:p14="http://schemas.microsoft.com/office/powerpoint/2010/main" Requires="p14">
+    <mc:Choice xmlns:p14="http://schemas.microsoft.com/office/powerpoint/2010/main" xmlns="" Requires="p14">
       <p:transition spd="med" p14:dur="700">
         <p:fade/>
       </p:transition>
@@ -4386,7 +4386,7 @@
     </p:spTree>
     <p:extLst>
       <p:ext uri="{BB962C8B-B14F-4D97-AF65-F5344CB8AC3E}">
-        <p14:creationId xmlns="" xmlns:p14="http://schemas.microsoft.com/office/powerpoint/2010/main" val="2185532848"/>
+        <p14:creationId xmlns:p14="http://schemas.microsoft.com/office/powerpoint/2010/main" xmlns="" val="2185532848"/>
       </p:ext>
     </p:extLst>
   </p:cSld>
@@ -4394,7 +4394,7 @@
     <a:masterClrMapping/>
   </p:clrMapOvr>
   <mc:AlternateContent xmlns:mc="http://schemas.openxmlformats.org/markup-compatibility/2006">
-    <mc:Choice xmlns="" xmlns:p14="http://schemas.microsoft.com/office/powerpoint/2010/main" Requires="p14">
+    <mc:Choice xmlns:p14="http://schemas.microsoft.com/office/powerpoint/2010/main" xmlns="" Requires="p14">
       <p:transition spd="med" p14:dur="700">
         <p:fade/>
       </p:transition>
@@ -5376,7 +5376,7 @@
     </p:spTree>
     <p:extLst>
       <p:ext uri="{BB962C8B-B14F-4D97-AF65-F5344CB8AC3E}">
-        <p14:creationId xmlns="" xmlns:p14="http://schemas.microsoft.com/office/powerpoint/2010/main" val="3234467543"/>
+        <p14:creationId xmlns:p14="http://schemas.microsoft.com/office/powerpoint/2010/main" xmlns="" val="3234467543"/>
       </p:ext>
     </p:extLst>
   </p:cSld>
@@ -5384,7 +5384,7 @@
     <a:masterClrMapping/>
   </p:clrMapOvr>
   <mc:AlternateContent xmlns:mc="http://schemas.openxmlformats.org/markup-compatibility/2006">
-    <mc:Choice xmlns="" xmlns:p14="http://schemas.microsoft.com/office/powerpoint/2010/main" Requires="p14">
+    <mc:Choice xmlns:p14="http://schemas.microsoft.com/office/powerpoint/2010/main" xmlns="" Requires="p14">
       <p:transition spd="med" p14:dur="700">
         <p:fade/>
       </p:transition>
@@ -5682,7 +5682,7 @@
     </p:spTree>
     <p:extLst>
       <p:ext uri="{BB962C8B-B14F-4D97-AF65-F5344CB8AC3E}">
-        <p14:creationId xmlns="" xmlns:p14="http://schemas.microsoft.com/office/powerpoint/2010/main" val="1239113715"/>
+        <p14:creationId xmlns:p14="http://schemas.microsoft.com/office/powerpoint/2010/main" xmlns="" val="1239113715"/>
       </p:ext>
     </p:extLst>
   </p:cSld>
@@ -5690,7 +5690,7 @@
     <a:masterClrMapping/>
   </p:clrMapOvr>
   <mc:AlternateContent xmlns:mc="http://schemas.openxmlformats.org/markup-compatibility/2006">
-    <mc:Choice xmlns="" xmlns:p14="http://schemas.microsoft.com/office/powerpoint/2010/main" Requires="p14">
+    <mc:Choice xmlns:p14="http://schemas.microsoft.com/office/powerpoint/2010/main" xmlns="" Requires="p14">
       <p:transition spd="med" p14:dur="700">
         <p:fade/>
       </p:transition>
@@ -6129,7 +6129,7 @@
     </p:spTree>
     <p:extLst>
       <p:ext uri="{BB962C8B-B14F-4D97-AF65-F5344CB8AC3E}">
-        <p14:creationId xmlns="" xmlns:p14="http://schemas.microsoft.com/office/powerpoint/2010/main" val="2138358032"/>
+        <p14:creationId xmlns:p14="http://schemas.microsoft.com/office/powerpoint/2010/main" xmlns="" val="2138358032"/>
       </p:ext>
     </p:extLst>
   </p:cSld>
@@ -6137,7 +6137,7 @@
     <a:masterClrMapping/>
   </p:clrMapOvr>
   <mc:AlternateContent xmlns:mc="http://schemas.openxmlformats.org/markup-compatibility/2006">
-    <mc:Choice xmlns="" xmlns:p14="http://schemas.microsoft.com/office/powerpoint/2010/main" Requires="p14">
+    <mc:Choice xmlns:p14="http://schemas.microsoft.com/office/powerpoint/2010/main" xmlns="" Requires="p14">
       <p:transition spd="med" p14:dur="700">
         <p:fade/>
       </p:transition>
@@ -6267,7 +6267,7 @@
     </p:spTree>
     <p:extLst>
       <p:ext uri="{BB962C8B-B14F-4D97-AF65-F5344CB8AC3E}">
-        <p14:creationId xmlns="" xmlns:p14="http://schemas.microsoft.com/office/powerpoint/2010/main" val="3163578801"/>
+        <p14:creationId xmlns:p14="http://schemas.microsoft.com/office/powerpoint/2010/main" xmlns="" val="3163578801"/>
       </p:ext>
     </p:extLst>
   </p:cSld>
@@ -6275,7 +6275,7 @@
     <a:masterClrMapping/>
   </p:clrMapOvr>
   <mc:AlternateContent xmlns:mc="http://schemas.openxmlformats.org/markup-compatibility/2006">
-    <mc:Choice xmlns="" xmlns:p14="http://schemas.microsoft.com/office/powerpoint/2010/main" Requires="p14">
+    <mc:Choice xmlns:p14="http://schemas.microsoft.com/office/powerpoint/2010/main" xmlns="" Requires="p14">
       <p:transition spd="med" p14:dur="700">
         <p:fade/>
       </p:transition>
@@ -6578,7 +6578,7 @@
             <a:fld id="{C2C6F8EA-316C-41DE-B9A4-EDCC3A85ED9A}" type="datetimeFigureOut">
               <a:rPr lang="en-US" altLang="zh-CN" smtClean="0"/>
               <a:pPr/>
-              <a:t>11/3/2014</a:t>
+              <a:t>11/4/2014</a:t>
             </a:fld>
             <a:endParaRPr lang="zh-CN" altLang="en-US"/>
           </a:p>
@@ -6647,7 +6647,7 @@
     </p:spTree>
     <p:extLst>
       <p:ext uri="{BB962C8B-B14F-4D97-AF65-F5344CB8AC3E}">
-        <p14:creationId xmlns="" xmlns:p14="http://schemas.microsoft.com/office/powerpoint/2010/main" val="178381615"/>
+        <p14:creationId xmlns:p14="http://schemas.microsoft.com/office/powerpoint/2010/main" xmlns="" val="178381615"/>
       </p:ext>
     </p:extLst>
   </p:cSld>
@@ -6655,7 +6655,7 @@
     <a:masterClrMapping/>
   </p:clrMapOvr>
   <mc:AlternateContent xmlns:mc="http://schemas.openxmlformats.org/markup-compatibility/2006">
-    <mc:Choice xmlns="" xmlns:p14="http://schemas.microsoft.com/office/powerpoint/2010/main" Requires="p14">
+    <mc:Choice xmlns:p14="http://schemas.microsoft.com/office/powerpoint/2010/main" xmlns="" Requires="p14">
       <p:transition spd="med" p14:dur="700">
         <p:fade/>
       </p:transition>
@@ -7113,7 +7113,7 @@
             <a:fld id="{C2C6F8EA-316C-41DE-B9A4-EDCC3A85ED9A}" type="datetimeFigureOut">
               <a:rPr lang="en-US" altLang="zh-CN" smtClean="0"/>
               <a:pPr/>
-              <a:t>11/3/2014</a:t>
+              <a:t>11/4/2014</a:t>
             </a:fld>
             <a:endParaRPr lang="zh-CN" altLang="en-US"/>
           </a:p>
@@ -7179,7 +7179,7 @@
     </p:spTree>
     <p:extLst>
       <p:ext uri="{BB962C8B-B14F-4D97-AF65-F5344CB8AC3E}">
-        <p14:creationId xmlns="" xmlns:p14="http://schemas.microsoft.com/office/powerpoint/2010/main" val="3518043182"/>
+        <p14:creationId xmlns:p14="http://schemas.microsoft.com/office/powerpoint/2010/main" xmlns="" val="3518043182"/>
       </p:ext>
     </p:extLst>
   </p:cSld>
@@ -7187,7 +7187,7 @@
     <a:masterClrMapping/>
   </p:clrMapOvr>
   <mc:AlternateContent xmlns:mc="http://schemas.openxmlformats.org/markup-compatibility/2006">
-    <mc:Choice xmlns="" xmlns:p14="http://schemas.microsoft.com/office/powerpoint/2010/main" Requires="p14">
+    <mc:Choice xmlns:p14="http://schemas.microsoft.com/office/powerpoint/2010/main" xmlns="" Requires="p14">
       <p:transition spd="med" p14:dur="700">
         <p:fade/>
       </p:transition>
@@ -7593,7 +7593,7 @@
             <a:fld id="{C2C6F8EA-316C-41DE-B9A4-EDCC3A85ED9A}" type="datetimeFigureOut">
               <a:rPr lang="en-US" altLang="zh-CN" smtClean="0"/>
               <a:pPr/>
-              <a:t>11/3/2014</a:t>
+              <a:t>11/4/2014</a:t>
             </a:fld>
             <a:endParaRPr lang="zh-CN" altLang="en-US"/>
           </a:p>
@@ -7694,7 +7694,7 @@
     </p:spTree>
     <p:extLst>
       <p:ext uri="{BB962C8B-B14F-4D97-AF65-F5344CB8AC3E}">
-        <p14:creationId xmlns="" xmlns:p14="http://schemas.microsoft.com/office/powerpoint/2010/main" val="3973900260"/>
+        <p14:creationId xmlns:p14="http://schemas.microsoft.com/office/powerpoint/2010/main" xmlns="" val="3973900260"/>
       </p:ext>
     </p:extLst>
   </p:cSld>
@@ -7702,7 +7702,7 @@
     <a:masterClrMapping/>
   </p:clrMapOvr>
   <mc:AlternateContent xmlns:mc="http://schemas.openxmlformats.org/markup-compatibility/2006">
-    <mc:Choice xmlns="" xmlns:p14="http://schemas.microsoft.com/office/powerpoint/2010/main" Requires="p14">
+    <mc:Choice xmlns:p14="http://schemas.microsoft.com/office/powerpoint/2010/main" xmlns="" Requires="p14">
       <p:transition spd="med" p14:dur="700">
         <p:fade/>
       </p:transition>
@@ -8226,7 +8226,7 @@
             <a:fld id="{C2C6F8EA-316C-41DE-B9A4-EDCC3A85ED9A}" type="datetimeFigureOut">
               <a:rPr lang="en-US" altLang="zh-CN" smtClean="0"/>
               <a:pPr/>
-              <a:t>11/3/2014</a:t>
+              <a:t>11/4/2014</a:t>
             </a:fld>
             <a:endParaRPr lang="zh-CN" altLang="en-US"/>
           </a:p>
@@ -8320,7 +8320,7 @@
     </p:spTree>
     <p:extLst>
       <p:ext uri="{BB962C8B-B14F-4D97-AF65-F5344CB8AC3E}">
-        <p14:creationId xmlns="" xmlns:p14="http://schemas.microsoft.com/office/powerpoint/2010/main" val="2054322300"/>
+        <p14:creationId xmlns:p14="http://schemas.microsoft.com/office/powerpoint/2010/main" xmlns="" val="2054322300"/>
       </p:ext>
     </p:extLst>
   </p:cSld>
@@ -8339,7 +8339,7 @@
     <p:sldLayoutId id="2147483659" r:id="rId11"/>
   </p:sldLayoutIdLst>
   <mc:AlternateContent xmlns:mc="http://schemas.openxmlformats.org/markup-compatibility/2006">
-    <mc:Choice xmlns="" xmlns:p14="http://schemas.microsoft.com/office/powerpoint/2010/main" Requires="p14">
+    <mc:Choice xmlns:p14="http://schemas.microsoft.com/office/powerpoint/2010/main" xmlns="" Requires="p14">
       <p:transition spd="med" p14:dur="700">
         <p:fade/>
       </p:transition>
@@ -8641,7 +8641,7 @@
   </p:txStyles>
   <p:extLst mod="1">
     <p:ext uri="{27BBF7A9-308A-43DC-89C8-2F10F3537804}">
-      <p15:sldGuideLst xmlns="" xmlns:p15="http://schemas.microsoft.com/office/powerpoint/2012/main">
+      <p15:sldGuideLst xmlns:p15="http://schemas.microsoft.com/office/powerpoint/2012/main" xmlns="">
         <p15:guide id="1" orient="horz" pos="2160" userDrawn="1">
           <p15:clr>
             <a:srgbClr val="F26B43"/>
@@ -8811,7 +8811,7 @@
     </p:spTree>
     <p:extLst>
       <p:ext uri="{BB962C8B-B14F-4D97-AF65-F5344CB8AC3E}">
-        <p14:creationId xmlns="" xmlns:p14="http://schemas.microsoft.com/office/powerpoint/2010/main" val="506761459"/>
+        <p14:creationId xmlns:p14="http://schemas.microsoft.com/office/powerpoint/2010/main" xmlns="" val="506761459"/>
       </p:ext>
     </p:extLst>
   </p:cSld>
@@ -8819,7 +8819,7 @@
     <a:masterClrMapping/>
   </p:clrMapOvr>
   <mc:AlternateContent xmlns:mc="http://schemas.openxmlformats.org/markup-compatibility/2006">
-    <mc:Choice xmlns="" xmlns:p14="http://schemas.microsoft.com/office/powerpoint/2010/main" Requires="p14">
+    <mc:Choice xmlns:p14="http://schemas.microsoft.com/office/powerpoint/2010/main" xmlns="" Requires="p14">
       <p:transition spd="med" p14:dur="700">
         <p:fade/>
       </p:transition>
@@ -9275,7 +9275,7 @@
     <a:masterClrMapping/>
   </p:clrMapOvr>
   <mc:AlternateContent xmlns:mc="http://schemas.openxmlformats.org/markup-compatibility/2006">
-    <mc:Choice xmlns="" xmlns:p14="http://schemas.microsoft.com/office/powerpoint/2010/main" Requires="p14">
+    <mc:Choice xmlns:p14="http://schemas.microsoft.com/office/powerpoint/2010/main" xmlns="" Requires="p14">
       <p:transition spd="med" p14:dur="700">
         <p:fade/>
       </p:transition>
@@ -9286,6 +9286,13 @@
       </p:transition>
     </mc:Fallback>
   </mc:AlternateContent>
+  <p:timing>
+    <p:tnLst>
+      <p:par>
+        <p:cTn id="1" dur="indefinite" restart="never" nodeType="tmRoot"/>
+      </p:par>
+    </p:tnLst>
+  </p:timing>
 </p:sld>
 </file>
 
@@ -9751,7 +9758,7 @@
     <a:masterClrMapping/>
   </p:clrMapOvr>
   <mc:AlternateContent xmlns:mc="http://schemas.openxmlformats.org/markup-compatibility/2006">
-    <mc:Choice xmlns="" xmlns:p14="http://schemas.microsoft.com/office/powerpoint/2010/main" Requires="p14">
+    <mc:Choice xmlns:p14="http://schemas.microsoft.com/office/powerpoint/2010/main" xmlns="" Requires="p14">
       <p:transition spd="med" p14:dur="700">
         <p:fade/>
       </p:transition>
@@ -10413,7 +10420,7 @@
     <a:masterClrMapping/>
   </p:clrMapOvr>
   <mc:AlternateContent xmlns:mc="http://schemas.openxmlformats.org/markup-compatibility/2006">
-    <mc:Choice xmlns="" xmlns:p14="http://schemas.microsoft.com/office/powerpoint/2010/main" Requires="p14">
+    <mc:Choice xmlns:p14="http://schemas.microsoft.com/office/powerpoint/2010/main" xmlns="" Requires="p14">
       <p:transition spd="med" p14:dur="700">
         <p:fade/>
       </p:transition>
@@ -10546,7 +10553,7 @@
         </p:spPr>
         <p:txBody>
           <a:bodyPr>
-            <a:normAutofit/>
+            <a:normAutofit lnSpcReduction="10000"/>
           </a:bodyPr>
           <a:lstStyle/>
           <a:p>
@@ -10575,6 +10582,24 @@
               <a:rPr lang="en-US" altLang="zh-CN" sz="1800" dirty="0" smtClean="0"/>
               <a:t>index</a:t>
             </a:r>
+          </a:p>
+          <a:p>
+            <a:pPr lvl="1">
+              <a:buNone/>
+            </a:pPr>
+            <a:r>
+              <a:rPr lang="zh-CN" altLang="en-US" sz="1800" dirty="0" smtClean="0"/>
+              <a:t>（</a:t>
+            </a:r>
+            <a:r>
+              <a:rPr lang="en-US" altLang="zh-CN" sz="1800" dirty="0" smtClean="0"/>
+              <a:t>staged</a:t>
+            </a:r>
+            <a:r>
+              <a:rPr lang="zh-CN" altLang="en-US" sz="1800" dirty="0" smtClean="0"/>
+              <a:t>：暂存区）</a:t>
+            </a:r>
+            <a:endParaRPr lang="en-US" altLang="zh-CN" sz="1800" dirty="0" smtClean="0"/>
           </a:p>
           <a:p>
             <a:pPr lvl="1">
@@ -10618,7 +10643,39 @@
             </a:r>
             <a:r>
               <a:rPr lang="zh-CN" altLang="en-US" sz="1800" dirty="0" smtClean="0"/>
-              <a:t>容器</a:t>
+              <a:t>容器；</a:t>
+            </a:r>
+            <a:endParaRPr lang="en-US" altLang="zh-CN" sz="1800" dirty="0" smtClean="0"/>
+          </a:p>
+          <a:p>
+            <a:pPr lvl="1">
+              <a:buNone/>
+            </a:pPr>
+            <a:r>
+              <a:rPr lang="zh-CN" altLang="en-US" sz="1800" dirty="0" smtClean="0"/>
+              <a:t>只</a:t>
+            </a:r>
+            <a:r>
+              <a:rPr lang="zh-CN" altLang="en-US" sz="1800" dirty="0" smtClean="0"/>
+              <a:t>会提交</a:t>
+            </a:r>
+            <a:r>
+              <a:rPr lang="en-US" altLang="zh-CN" sz="1800" dirty="0" smtClean="0"/>
+              <a:t>stage</a:t>
+            </a:r>
+            <a:r>
+              <a:rPr lang="zh-CN" altLang="en-US" sz="1800" dirty="0" smtClean="0"/>
+              <a:t>区的</a:t>
+            </a:r>
+            <a:endParaRPr lang="en-US" altLang="zh-CN" sz="1800" dirty="0" smtClean="0"/>
+          </a:p>
+          <a:p>
+            <a:pPr lvl="1">
+              <a:buNone/>
+            </a:pPr>
+            <a:r>
+              <a:rPr lang="zh-CN" altLang="en-US" sz="1800" dirty="0" smtClean="0"/>
+              <a:t>内容到版本库里面</a:t>
             </a:r>
             <a:endParaRPr lang="en-US" altLang="zh-CN" sz="1800" dirty="0" smtClean="0"/>
           </a:p>
@@ -11645,7 +11702,7 @@
     <a:masterClrMapping/>
   </p:clrMapOvr>
   <mc:AlternateContent xmlns:mc="http://schemas.openxmlformats.org/markup-compatibility/2006">
-    <mc:Choice xmlns="" xmlns:p14="http://schemas.microsoft.com/office/powerpoint/2010/main" Requires="p14">
+    <mc:Choice xmlns:p14="http://schemas.microsoft.com/office/powerpoint/2010/main" xmlns="" Requires="p14">
       <p:transition spd="med" p14:dur="700">
         <p:fade/>
       </p:transition>
@@ -12056,7 +12113,7 @@
     <a:masterClrMapping/>
   </p:clrMapOvr>
   <mc:AlternateContent xmlns:mc="http://schemas.openxmlformats.org/markup-compatibility/2006">
-    <mc:Choice xmlns="" xmlns:p14="http://schemas.microsoft.com/office/powerpoint/2010/main" Requires="p14">
+    <mc:Choice xmlns:p14="http://schemas.microsoft.com/office/powerpoint/2010/main" xmlns="" Requires="p14">
       <p:transition spd="med" p14:dur="700">
         <p:fade/>
       </p:transition>
@@ -12604,7 +12661,7 @@
     <a:masterClrMapping/>
   </p:clrMapOvr>
   <mc:AlternateContent xmlns:mc="http://schemas.openxmlformats.org/markup-compatibility/2006">
-    <mc:Choice xmlns="" xmlns:p14="http://schemas.microsoft.com/office/powerpoint/2010/main" Requires="p14">
+    <mc:Choice xmlns:p14="http://schemas.microsoft.com/office/powerpoint/2010/main" xmlns="" Requires="p14">
       <p:transition spd="med" p14:dur="700">
         <p:fade/>
       </p:transition>
@@ -12849,7 +12906,11 @@
             </a:r>
             <a:r>
               <a:rPr lang="zh-CN" altLang="en-US" dirty="0" smtClean="0"/>
-              <a:t>才回包含要提交的内容</a:t>
+              <a:t>才会包含</a:t>
+            </a:r>
+            <a:r>
+              <a:rPr lang="zh-CN" altLang="en-US" dirty="0" smtClean="0"/>
+              <a:t>要提交的内容</a:t>
             </a:r>
             <a:endParaRPr lang="en-US" altLang="zh-CN" dirty="0" smtClean="0"/>
           </a:p>
@@ -13137,7 +13198,7 @@
     <a:masterClrMapping/>
   </p:clrMapOvr>
   <mc:AlternateContent xmlns:mc="http://schemas.openxmlformats.org/markup-compatibility/2006">
-    <mc:Choice xmlns="" xmlns:p14="http://schemas.microsoft.com/office/powerpoint/2010/main" Requires="p14">
+    <mc:Choice xmlns:p14="http://schemas.microsoft.com/office/powerpoint/2010/main" xmlns="" Requires="p14">
       <p:transition spd="med" p14:dur="700">
         <p:fade/>
       </p:transition>
@@ -13388,7 +13449,7 @@
         <p:spPr/>
         <p:txBody>
           <a:bodyPr>
-            <a:normAutofit fontScale="92500" lnSpcReduction="20000"/>
+            <a:normAutofit fontScale="85000" lnSpcReduction="20000"/>
           </a:bodyPr>
           <a:lstStyle/>
           <a:p>
@@ -13478,8 +13539,29 @@
             </a:r>
             <a:r>
               <a:rPr lang="en-US" altLang="zh-CN" dirty="0" smtClean="0"/>
-              <a:t> test.txt</a:t>
-            </a:r>
+              <a:t> </a:t>
+            </a:r>
+            <a:r>
+              <a:rPr lang="en-US" altLang="zh-CN" dirty="0" smtClean="0"/>
+              <a:t>test.txt</a:t>
+            </a:r>
+          </a:p>
+          <a:p>
+            <a:pPr lvl="1">
+              <a:lnSpc>
+                <a:spcPct val="100000"/>
+              </a:lnSpc>
+              <a:buNone/>
+            </a:pPr>
+            <a:r>
+              <a:rPr lang="en-US" altLang="zh-CN" dirty="0" err="1" smtClean="0"/>
+              <a:t>git</a:t>
+            </a:r>
+            <a:r>
+              <a:rPr lang="en-US" altLang="zh-CN" dirty="0" smtClean="0"/>
+              <a:t> reset HEAD</a:t>
+            </a:r>
+            <a:endParaRPr lang="en-US" altLang="zh-CN" dirty="0" smtClean="0"/>
           </a:p>
           <a:p>
             <a:pPr lvl="1">
@@ -13733,7 +13815,7 @@
     <a:masterClrMapping/>
   </p:clrMapOvr>
   <mc:AlternateContent xmlns:mc="http://schemas.openxmlformats.org/markup-compatibility/2006">
-    <mc:Choice xmlns="" xmlns:p14="http://schemas.microsoft.com/office/powerpoint/2010/main" Requires="p14">
+    <mc:Choice xmlns:p14="http://schemas.microsoft.com/office/powerpoint/2010/main" xmlns="" Requires="p14">
       <p:transition spd="med" p14:dur="700">
         <p:fade/>
       </p:transition>
@@ -14270,7 +14352,7 @@
     <a:masterClrMapping/>
   </p:clrMapOvr>
   <mc:AlternateContent xmlns:mc="http://schemas.openxmlformats.org/markup-compatibility/2006">
-    <mc:Choice xmlns="" xmlns:p14="http://schemas.microsoft.com/office/powerpoint/2010/main" Requires="p14">
+    <mc:Choice xmlns:p14="http://schemas.microsoft.com/office/powerpoint/2010/main" xmlns="" Requires="p14">
       <p:transition spd="med" p14:dur="700">
         <p:fade/>
       </p:transition>
@@ -14771,7 +14853,7 @@
     <a:masterClrMapping/>
   </p:clrMapOvr>
   <mc:AlternateContent xmlns:mc="http://schemas.openxmlformats.org/markup-compatibility/2006">
-    <mc:Choice xmlns="" xmlns:p14="http://schemas.microsoft.com/office/powerpoint/2010/main" Requires="p14">
+    <mc:Choice xmlns:p14="http://schemas.microsoft.com/office/powerpoint/2010/main" xmlns="" Requires="p14">
       <p:transition spd="med" p14:dur="700">
         <p:fade/>
       </p:transition>
@@ -15068,7 +15150,7 @@
     </p:spTree>
     <p:extLst>
       <p:ext uri="{BB962C8B-B14F-4D97-AF65-F5344CB8AC3E}">
-        <p14:creationId xmlns="" xmlns:p14="http://schemas.microsoft.com/office/powerpoint/2010/main" val="1720426387"/>
+        <p14:creationId xmlns:p14="http://schemas.microsoft.com/office/powerpoint/2010/main" xmlns="" val="1720426387"/>
       </p:ext>
     </p:extLst>
   </p:cSld>
@@ -15076,7 +15158,7 @@
     <a:masterClrMapping/>
   </p:clrMapOvr>
   <mc:AlternateContent xmlns:mc="http://schemas.openxmlformats.org/markup-compatibility/2006">
-    <mc:Choice xmlns="" xmlns:p14="http://schemas.microsoft.com/office/powerpoint/2010/main" Requires="p14">
+    <mc:Choice xmlns:p14="http://schemas.microsoft.com/office/powerpoint/2010/main" xmlns="" Requires="p14">
       <p:transition spd="med" p14:dur="700">
         <p:fade/>
       </p:transition>
@@ -15617,7 +15699,7 @@
     <a:masterClrMapping/>
   </p:clrMapOvr>
   <mc:AlternateContent xmlns:mc="http://schemas.openxmlformats.org/markup-compatibility/2006">
-    <mc:Choice xmlns="" xmlns:p14="http://schemas.microsoft.com/office/powerpoint/2010/main" Requires="p14">
+    <mc:Choice xmlns:p14="http://schemas.microsoft.com/office/powerpoint/2010/main" xmlns="" Requires="p14">
       <p:transition spd="med" p14:dur="700">
         <p:fade/>
       </p:transition>
@@ -16181,7 +16263,7 @@
     <a:masterClrMapping/>
   </p:clrMapOvr>
   <mc:AlternateContent xmlns:mc="http://schemas.openxmlformats.org/markup-compatibility/2006">
-    <mc:Choice xmlns="" xmlns:p14="http://schemas.microsoft.com/office/powerpoint/2010/main" Requires="p14">
+    <mc:Choice xmlns:p14="http://schemas.microsoft.com/office/powerpoint/2010/main" xmlns="" Requires="p14">
       <p:transition spd="med" p14:dur="700">
         <p:fade/>
       </p:transition>
@@ -16776,7 +16858,7 @@
     <a:masterClrMapping/>
   </p:clrMapOvr>
   <mc:AlternateContent xmlns:mc="http://schemas.openxmlformats.org/markup-compatibility/2006">
-    <mc:Choice xmlns="" xmlns:p14="http://schemas.microsoft.com/office/powerpoint/2010/main" Requires="p14">
+    <mc:Choice xmlns:p14="http://schemas.microsoft.com/office/powerpoint/2010/main" xmlns="" Requires="p14">
       <p:transition spd="med" p14:dur="700">
         <p:fade/>
       </p:transition>
@@ -17456,7 +17538,7 @@
     <a:masterClrMapping/>
   </p:clrMapOvr>
   <mc:AlternateContent xmlns:mc="http://schemas.openxmlformats.org/markup-compatibility/2006">
-    <mc:Choice xmlns="" xmlns:p14="http://schemas.microsoft.com/office/powerpoint/2010/main" Requires="p14">
+    <mc:Choice xmlns:p14="http://schemas.microsoft.com/office/powerpoint/2010/main" xmlns="" Requires="p14">
       <p:transition spd="med" p14:dur="700">
         <p:fade/>
       </p:transition>
@@ -18026,7 +18108,7 @@
     <a:masterClrMapping/>
   </p:clrMapOvr>
   <mc:AlternateContent xmlns:mc="http://schemas.openxmlformats.org/markup-compatibility/2006">
-    <mc:Choice xmlns="" xmlns:p14="http://schemas.microsoft.com/office/powerpoint/2010/main" Requires="p14">
+    <mc:Choice xmlns:p14="http://schemas.microsoft.com/office/powerpoint/2010/main" xmlns="" Requires="p14">
       <p:transition spd="med" p14:dur="700">
         <p:fade/>
       </p:transition>
@@ -18547,7 +18629,7 @@
     <a:masterClrMapping/>
   </p:clrMapOvr>
   <mc:AlternateContent xmlns:mc="http://schemas.openxmlformats.org/markup-compatibility/2006">
-    <mc:Choice xmlns="" xmlns:p14="http://schemas.microsoft.com/office/powerpoint/2010/main" Requires="p14">
+    <mc:Choice xmlns:p14="http://schemas.microsoft.com/office/powerpoint/2010/main" xmlns="" Requires="p14">
       <p:transition spd="med" p14:dur="700">
         <p:fade/>
       </p:transition>
@@ -19455,7 +19537,7 @@
     <a:masterClrMapping/>
   </p:clrMapOvr>
   <mc:AlternateContent xmlns:mc="http://schemas.openxmlformats.org/markup-compatibility/2006">
-    <mc:Choice xmlns="" xmlns:p14="http://schemas.microsoft.com/office/powerpoint/2010/main" Requires="p14">
+    <mc:Choice xmlns:p14="http://schemas.microsoft.com/office/powerpoint/2010/main" xmlns="" Requires="p14">
       <p:transition spd="med" p14:dur="700">
         <p:fade/>
       </p:transition>
@@ -20285,7 +20367,7 @@
     <a:masterClrMapping/>
   </p:clrMapOvr>
   <mc:AlternateContent xmlns:mc="http://schemas.openxmlformats.org/markup-compatibility/2006">
-    <mc:Choice xmlns="" xmlns:p14="http://schemas.microsoft.com/office/powerpoint/2010/main" Requires="p14">
+    <mc:Choice xmlns:p14="http://schemas.microsoft.com/office/powerpoint/2010/main" xmlns="" Requires="p14">
       <p:transition spd="med" p14:dur="700">
         <p:fade/>
       </p:transition>
@@ -21255,7 +21337,7 @@
     <a:masterClrMapping/>
   </p:clrMapOvr>
   <mc:AlternateContent xmlns:mc="http://schemas.openxmlformats.org/markup-compatibility/2006">
-    <mc:Choice xmlns="" xmlns:p14="http://schemas.microsoft.com/office/powerpoint/2010/main" Requires="p14">
+    <mc:Choice xmlns:p14="http://schemas.microsoft.com/office/powerpoint/2010/main" xmlns="" Requires="p14">
       <p:transition spd="med" p14:dur="700">
         <p:fade/>
       </p:transition>
@@ -21924,7 +22006,7 @@
     <a:masterClrMapping/>
   </p:clrMapOvr>
   <mc:AlternateContent xmlns:mc="http://schemas.openxmlformats.org/markup-compatibility/2006">
-    <mc:Choice xmlns="" xmlns:p14="http://schemas.microsoft.com/office/powerpoint/2010/main" Requires="p14">
+    <mc:Choice xmlns:p14="http://schemas.microsoft.com/office/powerpoint/2010/main" xmlns="" Requires="p14">
       <p:transition spd="med" p14:dur="700">
         <p:fade/>
       </p:transition>
@@ -22152,7 +22234,7 @@
         <p:spPr>
           <a:xfrm>
             <a:off x="5865812" y="1524000"/>
-            <a:ext cx="6560612" cy="1200329"/>
+            <a:ext cx="6560612" cy="1477328"/>
           </a:xfrm>
           <a:prstGeom prst="rect">
             <a:avLst/>
@@ -22169,7 +22251,13 @@
               <a:rPr lang="zh-CN" altLang="en-US" dirty="0" smtClean="0">
                 <a:ea typeface="Microsoft YaHei UI"/>
               </a:rPr>
-              <a:t>写系统手册一类比较大的文档，改到一定程度再另存为</a:t>
+              <a:t>写系统手册一类比较大的文档</a:t>
+            </a:r>
+            <a:r>
+              <a:rPr lang="zh-CN" altLang="en-US" dirty="0" smtClean="0">
+                <a:ea typeface="Microsoft YaHei UI"/>
+              </a:rPr>
+              <a:t>，想删除部分内容，但又怕之后还需要，只能另存为一篇新的文档继续修改</a:t>
             </a:r>
             <a:endParaRPr lang="en-US" altLang="zh-CN" dirty="0" smtClean="0">
               <a:ea typeface="Microsoft YaHei UI"/>
@@ -22378,7 +22466,7 @@
     </p:spTree>
     <p:extLst>
       <p:ext uri="{BB962C8B-B14F-4D97-AF65-F5344CB8AC3E}">
-        <p14:creationId xmlns="" xmlns:p14="http://schemas.microsoft.com/office/powerpoint/2010/main" val="2237405988"/>
+        <p14:creationId xmlns:p14="http://schemas.microsoft.com/office/powerpoint/2010/main" xmlns="" val="2237405988"/>
       </p:ext>
     </p:extLst>
   </p:cSld>
@@ -22386,7 +22474,7 @@
     <a:masterClrMapping/>
   </p:clrMapOvr>
   <mc:AlternateContent xmlns:mc="http://schemas.openxmlformats.org/markup-compatibility/2006">
-    <mc:Choice xmlns="" xmlns:p14="http://schemas.microsoft.com/office/powerpoint/2010/main" Requires="p14">
+    <mc:Choice xmlns:p14="http://schemas.microsoft.com/office/powerpoint/2010/main" xmlns="" Requires="p14">
       <p:transition spd="med" p14:dur="700">
         <p:fade/>
       </p:transition>
@@ -23167,7 +23255,7 @@
     <a:masterClrMapping/>
   </p:clrMapOvr>
   <mc:AlternateContent xmlns:mc="http://schemas.openxmlformats.org/markup-compatibility/2006">
-    <mc:Choice xmlns="" xmlns:p14="http://schemas.microsoft.com/office/powerpoint/2010/main" Requires="p14">
+    <mc:Choice xmlns:p14="http://schemas.microsoft.com/office/powerpoint/2010/main" xmlns="" Requires="p14">
       <p:transition spd="med" p14:dur="700">
         <p:fade/>
       </p:transition>
@@ -23262,39 +23350,24 @@
               <a:rPr lang="en-US" altLang="zh-CN" sz="2400" dirty="0" smtClean="0">
                 <a:hlinkClick r:id="rId2"/>
               </a:rPr>
-              <a:t>http://</a:t>
+              <a:t>http://www.git-scm.com/book/zh/v1</a:t>
+            </a:r>
+          </a:p>
+          <a:p>
+            <a:r>
+              <a:rPr lang="zh-CN" altLang="en-US" sz="2400" smtClean="0"/>
+              <a:t>英文参考手册</a:t>
+            </a:r>
+            <a:r>
+              <a:rPr lang="en-US" altLang="zh-CN" sz="2400" smtClean="0"/>
+              <a:t>: </a:t>
             </a:r>
             <a:r>
               <a:rPr lang="en-US" altLang="zh-CN" sz="2400" dirty="0" smtClean="0">
                 <a:hlinkClick r:id="rId2"/>
               </a:rPr>
-              <a:t>www.git-scm.com/book/zh/v1</a:t>
-            </a:r>
-          </a:p>
-          <a:p>
-            <a:r>
-              <a:rPr lang="zh-CN" altLang="en-US" sz="2400" smtClean="0"/>
-              <a:t>英文参考手册</a:t>
-            </a:r>
-            <a:r>
-              <a:rPr lang="en-US" altLang="zh-CN" sz="2400" smtClean="0"/>
-              <a:t>: </a:t>
-            </a:r>
-            <a:r>
-              <a:rPr lang="en-US" altLang="zh-CN" sz="2400" dirty="0" smtClean="0">
-                <a:hlinkClick r:id="rId2"/>
-              </a:rPr>
-              <a:t>http</a:t>
-            </a:r>
-            <a:r>
-              <a:rPr lang="en-US" altLang="zh-CN" sz="2400" dirty="0" smtClean="0">
-                <a:hlinkClick r:id="rId2"/>
-              </a:rPr>
-              <a:t>://gitref.org/index.html</a:t>
-            </a:r>
-            <a:endParaRPr lang="en-US" altLang="zh-CN" sz="2400" dirty="0" smtClean="0">
-              <a:hlinkClick r:id="rId2"/>
-            </a:endParaRPr>
+              <a:t>http://gitref.org/index.html</a:t>
+            </a:r>
           </a:p>
           <a:p>
             <a:r>
@@ -23578,7 +23651,7 @@
     </p:spTree>
     <p:extLst>
       <p:ext uri="{BB962C8B-B14F-4D97-AF65-F5344CB8AC3E}">
-        <p14:creationId xmlns="" xmlns:p14="http://schemas.microsoft.com/office/powerpoint/2010/main" val="2237405988"/>
+        <p14:creationId xmlns:p14="http://schemas.microsoft.com/office/powerpoint/2010/main" xmlns="" val="2237405988"/>
       </p:ext>
     </p:extLst>
   </p:cSld>
@@ -23586,7 +23659,7 @@
     <a:masterClrMapping/>
   </p:clrMapOvr>
   <mc:AlternateContent xmlns:mc="http://schemas.openxmlformats.org/markup-compatibility/2006">
-    <mc:Choice xmlns="" xmlns:p14="http://schemas.microsoft.com/office/powerpoint/2010/main" Requires="p14">
+    <mc:Choice xmlns:p14="http://schemas.microsoft.com/office/powerpoint/2010/main" xmlns="" Requires="p14">
       <p:transition spd="med" p14:dur="700">
         <p:fade/>
       </p:transition>
@@ -24396,7 +24469,7 @@
     </p:spTree>
     <p:extLst>
       <p:ext uri="{BB962C8B-B14F-4D97-AF65-F5344CB8AC3E}">
-        <p14:creationId xmlns="" xmlns:p14="http://schemas.microsoft.com/office/powerpoint/2010/main" val="813896505"/>
+        <p14:creationId xmlns:p14="http://schemas.microsoft.com/office/powerpoint/2010/main" xmlns="" val="813896505"/>
       </p:ext>
     </p:extLst>
   </p:cSld>
@@ -24404,7 +24477,7 @@
     <a:masterClrMapping/>
   </p:clrMapOvr>
   <mc:AlternateContent xmlns:mc="http://schemas.openxmlformats.org/markup-compatibility/2006">
-    <mc:Choice xmlns="" xmlns:p14="http://schemas.microsoft.com/office/powerpoint/2010/main" Requires="p14">
+    <mc:Choice xmlns:p14="http://schemas.microsoft.com/office/powerpoint/2010/main" xmlns="" Requires="p14">
       <p:transition spd="med" p14:dur="700">
         <p:fade/>
       </p:transition>
@@ -25303,7 +25376,7 @@
     </p:spTree>
     <p:extLst>
       <p:ext uri="{BB962C8B-B14F-4D97-AF65-F5344CB8AC3E}">
-        <p14:creationId xmlns="" xmlns:p14="http://schemas.microsoft.com/office/powerpoint/2010/main" val="2237405988"/>
+        <p14:creationId xmlns:p14="http://schemas.microsoft.com/office/powerpoint/2010/main" xmlns="" val="2237405988"/>
       </p:ext>
     </p:extLst>
   </p:cSld>
@@ -25311,7 +25384,7 @@
     <a:overrideClrMapping bg1="lt1" tx1="dk1" bg2="lt2" tx2="dk2" accent1="accent1" accent2="accent2" accent3="accent3" accent4="accent4" accent5="accent5" accent6="accent6" hlink="hlink" folHlink="folHlink"/>
   </p:clrMapOvr>
   <mc:AlternateContent xmlns:mc="http://schemas.openxmlformats.org/markup-compatibility/2006">
-    <mc:Choice xmlns="" xmlns:p14="http://schemas.microsoft.com/office/powerpoint/2010/main" Requires="p14">
+    <mc:Choice xmlns:p14="http://schemas.microsoft.com/office/powerpoint/2010/main" xmlns="" Requires="p14">
       <p:transition spd="med" p14:dur="700">
         <p:fade/>
       </p:transition>
@@ -25710,7 +25783,7 @@
     </p:spTree>
     <p:extLst>
       <p:ext uri="{BB962C8B-B14F-4D97-AF65-F5344CB8AC3E}">
-        <p14:creationId xmlns="" xmlns:p14="http://schemas.microsoft.com/office/powerpoint/2010/main" val="2237405988"/>
+        <p14:creationId xmlns:p14="http://schemas.microsoft.com/office/powerpoint/2010/main" xmlns="" val="2237405988"/>
       </p:ext>
     </p:extLst>
   </p:cSld>
@@ -25718,7 +25791,7 @@
     <a:overrideClrMapping bg1="lt1" tx1="dk1" bg2="lt2" tx2="dk2" accent1="accent1" accent2="accent2" accent3="accent3" accent4="accent4" accent5="accent5" accent6="accent6" hlink="hlink" folHlink="folHlink"/>
   </p:clrMapOvr>
   <mc:AlternateContent xmlns:mc="http://schemas.openxmlformats.org/markup-compatibility/2006">
-    <mc:Choice xmlns="" xmlns:p14="http://schemas.microsoft.com/office/powerpoint/2010/main" Requires="p14">
+    <mc:Choice xmlns:p14="http://schemas.microsoft.com/office/powerpoint/2010/main" xmlns="" Requires="p14">
       <p:transition spd="med" p14:dur="700">
         <p:fade/>
       </p:transition>
@@ -26604,7 +26677,7 @@
     </p:spTree>
     <p:extLst>
       <p:ext uri="{BB962C8B-B14F-4D97-AF65-F5344CB8AC3E}">
-        <p14:creationId xmlns="" xmlns:p14="http://schemas.microsoft.com/office/powerpoint/2010/main" val="2237405988"/>
+        <p14:creationId xmlns:p14="http://schemas.microsoft.com/office/powerpoint/2010/main" xmlns="" val="2237405988"/>
       </p:ext>
     </p:extLst>
   </p:cSld>
@@ -26612,7 +26685,7 @@
     <a:masterClrMapping/>
   </p:clrMapOvr>
   <mc:AlternateContent xmlns:mc="http://schemas.openxmlformats.org/markup-compatibility/2006">
-    <mc:Choice xmlns="" xmlns:p14="http://schemas.microsoft.com/office/powerpoint/2010/main" Requires="p14">
+    <mc:Choice xmlns:p14="http://schemas.microsoft.com/office/powerpoint/2010/main" xmlns="" Requires="p14">
       <p:transition spd="med" p14:dur="700">
         <p:fade/>
       </p:transition>
@@ -26972,7 +27045,7 @@
     </p:spTree>
     <p:extLst>
       <p:ext uri="{BB962C8B-B14F-4D97-AF65-F5344CB8AC3E}">
-        <p14:creationId xmlns="" xmlns:p14="http://schemas.microsoft.com/office/powerpoint/2010/main" val="813896505"/>
+        <p14:creationId xmlns:p14="http://schemas.microsoft.com/office/powerpoint/2010/main" xmlns="" val="813896505"/>
       </p:ext>
     </p:extLst>
   </p:cSld>
@@ -26980,7 +27053,7 @@
     <a:masterClrMapping/>
   </p:clrMapOvr>
   <mc:AlternateContent xmlns:mc="http://schemas.openxmlformats.org/markup-compatibility/2006">
-    <mc:Choice xmlns="" xmlns:p14="http://schemas.microsoft.com/office/powerpoint/2010/main" Requires="p14">
+    <mc:Choice xmlns:p14="http://schemas.microsoft.com/office/powerpoint/2010/main" xmlns="" Requires="p14">
       <p:transition spd="med" p14:dur="700">
         <p:fade/>
       </p:transition>
@@ -27339,7 +27412,7 @@
     </p:spTree>
     <p:extLst>
       <p:ext uri="{BB962C8B-B14F-4D97-AF65-F5344CB8AC3E}">
-        <p14:creationId xmlns="" xmlns:p14="http://schemas.microsoft.com/office/powerpoint/2010/main" val="813896505"/>
+        <p14:creationId xmlns:p14="http://schemas.microsoft.com/office/powerpoint/2010/main" xmlns="" val="813896505"/>
       </p:ext>
     </p:extLst>
   </p:cSld>
@@ -27347,7 +27420,7 @@
     <a:masterClrMapping/>
   </p:clrMapOvr>
   <mc:AlternateContent xmlns:mc="http://schemas.openxmlformats.org/markup-compatibility/2006">
-    <mc:Choice xmlns="" xmlns:p14="http://schemas.microsoft.com/office/powerpoint/2010/main" Requires="p14">
+    <mc:Choice xmlns:p14="http://schemas.microsoft.com/office/powerpoint/2010/main" xmlns="" Requires="p14">
       <p:transition spd="med" p14:dur="700">
         <p:fade/>
       </p:transition>
@@ -28043,6 +28116,21 @@
 </file>
 
 <file path=customXml/item1.xml><?xml version="1.0" encoding="utf-8"?>
+<p:properties xmlns:p="http://schemas.microsoft.com/office/2006/metadata/properties" xmlns:xsi="http://www.w3.org/2001/XMLSchema-instance" xmlns:pc="http://schemas.microsoft.com/office/infopath/2007/PartnerControls">
+  <documentManagement/>
+</p:properties>
+</file>
+
+<file path=customXml/item2.xml><?xml version="1.0" encoding="utf-8"?>
+<?mso-contentType ?>
+<FormTemplates xmlns="http://schemas.microsoft.com/sharepoint/v3/contenttype/forms">
+  <Display>DocumentLibraryForm</Display>
+  <Edit>DocumentLibraryForm</Edit>
+  <New>DocumentLibraryForm</New>
+</FormTemplates>
+</file>
+
+<file path=customXml/item3.xml><?xml version="1.0" encoding="utf-8"?>
 <ct:contentTypeSchema xmlns:ct="http://schemas.microsoft.com/office/2006/metadata/contentType" xmlns:ma="http://schemas.microsoft.com/office/2006/metadata/properties/metaAttributes" ct:_="" ma:_="" ma:contentTypeName="Document" ma:contentTypeID="0x0101007C1D5F340F01F94FA2FD29A5E6DC872E" ma:contentTypeVersion="0" ma:contentTypeDescription="Create a new document." ma:contentTypeScope="" ma:versionID="f583bd66513a361a730282b6a794e352">
   <xsd:schema xmlns:xsd="http://www.w3.org/2001/XMLSchema" xmlns:xs="http://www.w3.org/2001/XMLSchema" xmlns:p="http://schemas.microsoft.com/office/2006/metadata/properties" targetNamespace="http://schemas.microsoft.com/office/2006/metadata/properties" ma:root="true" ma:fieldsID="6841151cf538834e171094e4faaf2d73">
     <xsd:element name="properties">
@@ -28156,32 +28244,10 @@
 </ct:contentTypeSchema>
 </file>
 
-<file path=customXml/item2.xml><?xml version="1.0" encoding="utf-8"?>
-<?mso-contentType ?>
-<FormTemplates xmlns="http://schemas.microsoft.com/sharepoint/v3/contenttype/forms">
-  <Display>DocumentLibraryForm</Display>
-  <Edit>DocumentLibraryForm</Edit>
-  <New>DocumentLibraryForm</New>
-</FormTemplates>
-</file>
-
-<file path=customXml/item3.xml><?xml version="1.0" encoding="utf-8"?>
-<p:properties xmlns:p="http://schemas.microsoft.com/office/2006/metadata/properties" xmlns:xsi="http://www.w3.org/2001/XMLSchema-instance" xmlns:pc="http://schemas.microsoft.com/office/infopath/2007/PartnerControls">
-  <documentManagement/>
-</p:properties>
-</file>
-
 <file path=customXml/itemProps1.xml><?xml version="1.0" encoding="utf-8"?>
-<ds:datastoreItem xmlns:ds="http://schemas.openxmlformats.org/officeDocument/2006/customXml" ds:itemID="{F28882EF-8483-452E-ADFB-02067D56F72B}">
+<ds:datastoreItem xmlns:ds="http://schemas.openxmlformats.org/officeDocument/2006/customXml" ds:itemID="{20B895F5-7F43-4073-919C-BA6E32AC0200}">
   <ds:schemaRefs>
-    <ds:schemaRef ds:uri="http://schemas.microsoft.com/office/2006/metadata/contentType"/>
-    <ds:schemaRef ds:uri="http://schemas.microsoft.com/office/2006/metadata/properties/metaAttributes"/>
-    <ds:schemaRef ds:uri="http://www.w3.org/2001/XMLSchema"/>
     <ds:schemaRef ds:uri="http://schemas.microsoft.com/office/2006/metadata/properties"/>
-    <ds:schemaRef ds:uri="http://schemas.openxmlformats.org/package/2006/metadata/core-properties"/>
-    <ds:schemaRef ds:uri="http://purl.org/dc/elements/1.1/"/>
-    <ds:schemaRef ds:uri="http://purl.org/dc/terms/"/>
-    <ds:schemaRef ds:uri="http://schemas.microsoft.com/internal/obd"/>
     <ds:schemaRef ds:uri="http://schemas.microsoft.com/office/infopath/2007/PartnerControls"/>
   </ds:schemaRefs>
 </ds:datastoreItem>
@@ -28196,9 +28262,16 @@
 </file>
 
 <file path=customXml/itemProps3.xml><?xml version="1.0" encoding="utf-8"?>
-<ds:datastoreItem xmlns:ds="http://schemas.openxmlformats.org/officeDocument/2006/customXml" ds:itemID="{20B895F5-7F43-4073-919C-BA6E32AC0200}">
+<ds:datastoreItem xmlns:ds="http://schemas.openxmlformats.org/officeDocument/2006/customXml" ds:itemID="{F28882EF-8483-452E-ADFB-02067D56F72B}">
   <ds:schemaRefs>
+    <ds:schemaRef ds:uri="http://schemas.microsoft.com/office/2006/metadata/contentType"/>
+    <ds:schemaRef ds:uri="http://schemas.microsoft.com/office/2006/metadata/properties/metaAttributes"/>
+    <ds:schemaRef ds:uri="http://www.w3.org/2001/XMLSchema"/>
     <ds:schemaRef ds:uri="http://schemas.microsoft.com/office/2006/metadata/properties"/>
+    <ds:schemaRef ds:uri="http://schemas.openxmlformats.org/package/2006/metadata/core-properties"/>
+    <ds:schemaRef ds:uri="http://purl.org/dc/elements/1.1/"/>
+    <ds:schemaRef ds:uri="http://purl.org/dc/terms/"/>
+    <ds:schemaRef ds:uri="http://schemas.microsoft.com/internal/obd"/>
     <ds:schemaRef ds:uri="http://schemas.microsoft.com/office/infopath/2007/PartnerControls"/>
   </ds:schemaRefs>
 </ds:datastoreItem>

--- a/docs/Git入门学习/Git入门学习.pptx
+++ b/docs/Git入门学习/Git入门学习.pptx
@@ -142,7 +142,7 @@
   </p:defaultTextStyle>
   <p:extLst>
     <p:ext uri="{EFAFB233-063F-42B5-8137-9DF3F51BA10A}">
-      <p15:sldGuideLst xmlns:p15="http://schemas.microsoft.com/office/powerpoint/2012/main" xmlns="">
+      <p15:sldGuideLst xmlns="" xmlns:p15="http://schemas.microsoft.com/office/powerpoint/2012/main">
         <p15:guide id="1" orient="horz" pos="2160">
           <p15:clr>
             <a:srgbClr val="A4A3A4"/>
@@ -161,7 +161,7 @@
       </p15:sldGuideLst>
     </p:ext>
     <p:ext uri="{2D200454-40CA-4A62-9FC3-DE9A4176ACB9}">
-      <p15:notesGuideLst xmlns:p15="http://schemas.microsoft.com/office/powerpoint/2012/main" xmlns="">
+      <p15:notesGuideLst xmlns="" xmlns:p15="http://schemas.microsoft.com/office/powerpoint/2012/main">
         <p15:guide id="1" orient="horz" pos="2880">
           <p15:clr>
             <a:srgbClr val="A4A3A4"/>
@@ -261,7 +261,7 @@
             <a:fld id="{BDB7646E-8811-423A-9C42-2CBFADA00A96}" type="datetimeFigureOut">
               <a:rPr lang="en-US" altLang="zh-CN" smtClean="0"/>
               <a:pPr/>
-              <a:t>11/4/2014</a:t>
+              <a:t>11/5/2014</a:t>
             </a:fld>
             <a:endParaRPr lang="zh-CN"/>
           </a:p>
@@ -337,7 +337,7 @@
     </p:spTree>
     <p:extLst>
       <p:ext uri="{BB962C8B-B14F-4D97-AF65-F5344CB8AC3E}">
-        <p14:creationId xmlns:p14="http://schemas.microsoft.com/office/powerpoint/2010/main" xmlns="" val="516225429"/>
+        <p14:creationId xmlns="" xmlns:p14="http://schemas.microsoft.com/office/powerpoint/2010/main" val="516225429"/>
       </p:ext>
     </p:extLst>
   </p:cSld>
@@ -612,7 +612,7 @@
     </p:spTree>
     <p:extLst>
       <p:ext uri="{BB962C8B-B14F-4D97-AF65-F5344CB8AC3E}">
-        <p14:creationId xmlns:p14="http://schemas.microsoft.com/office/powerpoint/2010/main" xmlns="" val="1556669918"/>
+        <p14:creationId xmlns="" xmlns:p14="http://schemas.microsoft.com/office/powerpoint/2010/main" val="1556669918"/>
       </p:ext>
     </p:extLst>
   </p:cSld>
@@ -3311,7 +3311,7 @@
             <a:fld id="{C2C6F8EA-316C-41DE-B9A4-EDCC3A85ED9A}" type="datetimeFigureOut">
               <a:rPr lang="en-US" altLang="zh-CN" smtClean="0"/>
               <a:pPr/>
-              <a:t>11/4/2014</a:t>
+              <a:t>11/5/2014</a:t>
             </a:fld>
             <a:endParaRPr lang="zh-CN" altLang="en-US"/>
           </a:p>
@@ -3383,7 +3383,7 @@
     </p:spTree>
     <p:extLst>
       <p:ext uri="{BB962C8B-B14F-4D97-AF65-F5344CB8AC3E}">
-        <p14:creationId xmlns:p14="http://schemas.microsoft.com/office/powerpoint/2010/main" xmlns="" val="3817955988"/>
+        <p14:creationId xmlns="" xmlns:p14="http://schemas.microsoft.com/office/powerpoint/2010/main" val="3817955988"/>
       </p:ext>
     </p:extLst>
   </p:cSld>
@@ -3391,7 +3391,7 @@
     <a:masterClrMapping/>
   </p:clrMapOvr>
   <mc:AlternateContent xmlns:mc="http://schemas.openxmlformats.org/markup-compatibility/2006">
-    <mc:Choice xmlns:p14="http://schemas.microsoft.com/office/powerpoint/2010/main" xmlns="" Requires="p14">
+    <mc:Choice xmlns="" xmlns:p14="http://schemas.microsoft.com/office/powerpoint/2010/main" Requires="p14">
       <p:transition spd="med" p14:dur="700">
         <p:fade/>
       </p:transition>
@@ -3588,7 +3588,7 @@
     </p:spTree>
     <p:extLst>
       <p:ext uri="{BB962C8B-B14F-4D97-AF65-F5344CB8AC3E}">
-        <p14:creationId xmlns:p14="http://schemas.microsoft.com/office/powerpoint/2010/main" xmlns="" val="2040880889"/>
+        <p14:creationId xmlns="" xmlns:p14="http://schemas.microsoft.com/office/powerpoint/2010/main" val="2040880889"/>
       </p:ext>
     </p:extLst>
   </p:cSld>
@@ -3596,7 +3596,7 @@
     <a:masterClrMapping/>
   </p:clrMapOvr>
   <mc:AlternateContent xmlns:mc="http://schemas.openxmlformats.org/markup-compatibility/2006">
-    <mc:Choice xmlns:p14="http://schemas.microsoft.com/office/powerpoint/2010/main" xmlns="" Requires="p14">
+    <mc:Choice xmlns="" xmlns:p14="http://schemas.microsoft.com/office/powerpoint/2010/main" Requires="p14">
       <p:transition spd="med" p14:dur="700">
         <p:fade/>
       </p:transition>
@@ -4122,7 +4122,7 @@
             <a:fld id="{C2C6F8EA-316C-41DE-B9A4-EDCC3A85ED9A}" type="datetimeFigureOut">
               <a:rPr lang="en-US" altLang="zh-CN" smtClean="0"/>
               <a:pPr/>
-              <a:t>11/4/2014</a:t>
+              <a:t>11/5/2014</a:t>
             </a:fld>
             <a:endParaRPr lang="zh-CN" altLang="en-US"/>
           </a:p>
@@ -4188,7 +4188,7 @@
     </p:spTree>
     <p:extLst>
       <p:ext uri="{BB962C8B-B14F-4D97-AF65-F5344CB8AC3E}">
-        <p14:creationId xmlns:p14="http://schemas.microsoft.com/office/powerpoint/2010/main" xmlns="" val="612817689"/>
+        <p14:creationId xmlns="" xmlns:p14="http://schemas.microsoft.com/office/powerpoint/2010/main" val="612817689"/>
       </p:ext>
     </p:extLst>
   </p:cSld>
@@ -4196,7 +4196,7 @@
     <a:masterClrMapping/>
   </p:clrMapOvr>
   <mc:AlternateContent xmlns:mc="http://schemas.openxmlformats.org/markup-compatibility/2006">
-    <mc:Choice xmlns:p14="http://schemas.microsoft.com/office/powerpoint/2010/main" xmlns="" Requires="p14">
+    <mc:Choice xmlns="" xmlns:p14="http://schemas.microsoft.com/office/powerpoint/2010/main" Requires="p14">
       <p:transition spd="med" p14:dur="700">
         <p:fade/>
       </p:transition>
@@ -4386,7 +4386,7 @@
     </p:spTree>
     <p:extLst>
       <p:ext uri="{BB962C8B-B14F-4D97-AF65-F5344CB8AC3E}">
-        <p14:creationId xmlns:p14="http://schemas.microsoft.com/office/powerpoint/2010/main" xmlns="" val="2185532848"/>
+        <p14:creationId xmlns="" xmlns:p14="http://schemas.microsoft.com/office/powerpoint/2010/main" val="2185532848"/>
       </p:ext>
     </p:extLst>
   </p:cSld>
@@ -4394,7 +4394,7 @@
     <a:masterClrMapping/>
   </p:clrMapOvr>
   <mc:AlternateContent xmlns:mc="http://schemas.openxmlformats.org/markup-compatibility/2006">
-    <mc:Choice xmlns:p14="http://schemas.microsoft.com/office/powerpoint/2010/main" xmlns="" Requires="p14">
+    <mc:Choice xmlns="" xmlns:p14="http://schemas.microsoft.com/office/powerpoint/2010/main" Requires="p14">
       <p:transition spd="med" p14:dur="700">
         <p:fade/>
       </p:transition>
@@ -5376,7 +5376,7 @@
     </p:spTree>
     <p:extLst>
       <p:ext uri="{BB962C8B-B14F-4D97-AF65-F5344CB8AC3E}">
-        <p14:creationId xmlns:p14="http://schemas.microsoft.com/office/powerpoint/2010/main" xmlns="" val="3234467543"/>
+        <p14:creationId xmlns="" xmlns:p14="http://schemas.microsoft.com/office/powerpoint/2010/main" val="3234467543"/>
       </p:ext>
     </p:extLst>
   </p:cSld>
@@ -5384,7 +5384,7 @@
     <a:masterClrMapping/>
   </p:clrMapOvr>
   <mc:AlternateContent xmlns:mc="http://schemas.openxmlformats.org/markup-compatibility/2006">
-    <mc:Choice xmlns:p14="http://schemas.microsoft.com/office/powerpoint/2010/main" xmlns="" Requires="p14">
+    <mc:Choice xmlns="" xmlns:p14="http://schemas.microsoft.com/office/powerpoint/2010/main" Requires="p14">
       <p:transition spd="med" p14:dur="700">
         <p:fade/>
       </p:transition>
@@ -5682,7 +5682,7 @@
     </p:spTree>
     <p:extLst>
       <p:ext uri="{BB962C8B-B14F-4D97-AF65-F5344CB8AC3E}">
-        <p14:creationId xmlns:p14="http://schemas.microsoft.com/office/powerpoint/2010/main" xmlns="" val="1239113715"/>
+        <p14:creationId xmlns="" xmlns:p14="http://schemas.microsoft.com/office/powerpoint/2010/main" val="1239113715"/>
       </p:ext>
     </p:extLst>
   </p:cSld>
@@ -5690,7 +5690,7 @@
     <a:masterClrMapping/>
   </p:clrMapOvr>
   <mc:AlternateContent xmlns:mc="http://schemas.openxmlformats.org/markup-compatibility/2006">
-    <mc:Choice xmlns:p14="http://schemas.microsoft.com/office/powerpoint/2010/main" xmlns="" Requires="p14">
+    <mc:Choice xmlns="" xmlns:p14="http://schemas.microsoft.com/office/powerpoint/2010/main" Requires="p14">
       <p:transition spd="med" p14:dur="700">
         <p:fade/>
       </p:transition>
@@ -6129,7 +6129,7 @@
     </p:spTree>
     <p:extLst>
       <p:ext uri="{BB962C8B-B14F-4D97-AF65-F5344CB8AC3E}">
-        <p14:creationId xmlns:p14="http://schemas.microsoft.com/office/powerpoint/2010/main" xmlns="" val="2138358032"/>
+        <p14:creationId xmlns="" xmlns:p14="http://schemas.microsoft.com/office/powerpoint/2010/main" val="2138358032"/>
       </p:ext>
     </p:extLst>
   </p:cSld>
@@ -6137,7 +6137,7 @@
     <a:masterClrMapping/>
   </p:clrMapOvr>
   <mc:AlternateContent xmlns:mc="http://schemas.openxmlformats.org/markup-compatibility/2006">
-    <mc:Choice xmlns:p14="http://schemas.microsoft.com/office/powerpoint/2010/main" xmlns="" Requires="p14">
+    <mc:Choice xmlns="" xmlns:p14="http://schemas.microsoft.com/office/powerpoint/2010/main" Requires="p14">
       <p:transition spd="med" p14:dur="700">
         <p:fade/>
       </p:transition>
@@ -6267,7 +6267,7 @@
     </p:spTree>
     <p:extLst>
       <p:ext uri="{BB962C8B-B14F-4D97-AF65-F5344CB8AC3E}">
-        <p14:creationId xmlns:p14="http://schemas.microsoft.com/office/powerpoint/2010/main" xmlns="" val="3163578801"/>
+        <p14:creationId xmlns="" xmlns:p14="http://schemas.microsoft.com/office/powerpoint/2010/main" val="3163578801"/>
       </p:ext>
     </p:extLst>
   </p:cSld>
@@ -6275,7 +6275,7 @@
     <a:masterClrMapping/>
   </p:clrMapOvr>
   <mc:AlternateContent xmlns:mc="http://schemas.openxmlformats.org/markup-compatibility/2006">
-    <mc:Choice xmlns:p14="http://schemas.microsoft.com/office/powerpoint/2010/main" xmlns="" Requires="p14">
+    <mc:Choice xmlns="" xmlns:p14="http://schemas.microsoft.com/office/powerpoint/2010/main" Requires="p14">
       <p:transition spd="med" p14:dur="700">
         <p:fade/>
       </p:transition>
@@ -6578,7 +6578,7 @@
             <a:fld id="{C2C6F8EA-316C-41DE-B9A4-EDCC3A85ED9A}" type="datetimeFigureOut">
               <a:rPr lang="en-US" altLang="zh-CN" smtClean="0"/>
               <a:pPr/>
-              <a:t>11/4/2014</a:t>
+              <a:t>11/5/2014</a:t>
             </a:fld>
             <a:endParaRPr lang="zh-CN" altLang="en-US"/>
           </a:p>
@@ -6647,7 +6647,7 @@
     </p:spTree>
     <p:extLst>
       <p:ext uri="{BB962C8B-B14F-4D97-AF65-F5344CB8AC3E}">
-        <p14:creationId xmlns:p14="http://schemas.microsoft.com/office/powerpoint/2010/main" xmlns="" val="178381615"/>
+        <p14:creationId xmlns="" xmlns:p14="http://schemas.microsoft.com/office/powerpoint/2010/main" val="178381615"/>
       </p:ext>
     </p:extLst>
   </p:cSld>
@@ -6655,7 +6655,7 @@
     <a:masterClrMapping/>
   </p:clrMapOvr>
   <mc:AlternateContent xmlns:mc="http://schemas.openxmlformats.org/markup-compatibility/2006">
-    <mc:Choice xmlns:p14="http://schemas.microsoft.com/office/powerpoint/2010/main" xmlns="" Requires="p14">
+    <mc:Choice xmlns="" xmlns:p14="http://schemas.microsoft.com/office/powerpoint/2010/main" Requires="p14">
       <p:transition spd="med" p14:dur="700">
         <p:fade/>
       </p:transition>
@@ -7113,7 +7113,7 @@
             <a:fld id="{C2C6F8EA-316C-41DE-B9A4-EDCC3A85ED9A}" type="datetimeFigureOut">
               <a:rPr lang="en-US" altLang="zh-CN" smtClean="0"/>
               <a:pPr/>
-              <a:t>11/4/2014</a:t>
+              <a:t>11/5/2014</a:t>
             </a:fld>
             <a:endParaRPr lang="zh-CN" altLang="en-US"/>
           </a:p>
@@ -7179,7 +7179,7 @@
     </p:spTree>
     <p:extLst>
       <p:ext uri="{BB962C8B-B14F-4D97-AF65-F5344CB8AC3E}">
-        <p14:creationId xmlns:p14="http://schemas.microsoft.com/office/powerpoint/2010/main" xmlns="" val="3518043182"/>
+        <p14:creationId xmlns="" xmlns:p14="http://schemas.microsoft.com/office/powerpoint/2010/main" val="3518043182"/>
       </p:ext>
     </p:extLst>
   </p:cSld>
@@ -7187,7 +7187,7 @@
     <a:masterClrMapping/>
   </p:clrMapOvr>
   <mc:AlternateContent xmlns:mc="http://schemas.openxmlformats.org/markup-compatibility/2006">
-    <mc:Choice xmlns:p14="http://schemas.microsoft.com/office/powerpoint/2010/main" xmlns="" Requires="p14">
+    <mc:Choice xmlns="" xmlns:p14="http://schemas.microsoft.com/office/powerpoint/2010/main" Requires="p14">
       <p:transition spd="med" p14:dur="700">
         <p:fade/>
       </p:transition>
@@ -7593,7 +7593,7 @@
             <a:fld id="{C2C6F8EA-316C-41DE-B9A4-EDCC3A85ED9A}" type="datetimeFigureOut">
               <a:rPr lang="en-US" altLang="zh-CN" smtClean="0"/>
               <a:pPr/>
-              <a:t>11/4/2014</a:t>
+              <a:t>11/5/2014</a:t>
             </a:fld>
             <a:endParaRPr lang="zh-CN" altLang="en-US"/>
           </a:p>
@@ -7694,7 +7694,7 @@
     </p:spTree>
     <p:extLst>
       <p:ext uri="{BB962C8B-B14F-4D97-AF65-F5344CB8AC3E}">
-        <p14:creationId xmlns:p14="http://schemas.microsoft.com/office/powerpoint/2010/main" xmlns="" val="3973900260"/>
+        <p14:creationId xmlns="" xmlns:p14="http://schemas.microsoft.com/office/powerpoint/2010/main" val="3973900260"/>
       </p:ext>
     </p:extLst>
   </p:cSld>
@@ -7702,7 +7702,7 @@
     <a:masterClrMapping/>
   </p:clrMapOvr>
   <mc:AlternateContent xmlns:mc="http://schemas.openxmlformats.org/markup-compatibility/2006">
-    <mc:Choice xmlns:p14="http://schemas.microsoft.com/office/powerpoint/2010/main" xmlns="" Requires="p14">
+    <mc:Choice xmlns="" xmlns:p14="http://schemas.microsoft.com/office/powerpoint/2010/main" Requires="p14">
       <p:transition spd="med" p14:dur="700">
         <p:fade/>
       </p:transition>
@@ -8226,7 +8226,7 @@
             <a:fld id="{C2C6F8EA-316C-41DE-B9A4-EDCC3A85ED9A}" type="datetimeFigureOut">
               <a:rPr lang="en-US" altLang="zh-CN" smtClean="0"/>
               <a:pPr/>
-              <a:t>11/4/2014</a:t>
+              <a:t>11/5/2014</a:t>
             </a:fld>
             <a:endParaRPr lang="zh-CN" altLang="en-US"/>
           </a:p>
@@ -8320,7 +8320,7 @@
     </p:spTree>
     <p:extLst>
       <p:ext uri="{BB962C8B-B14F-4D97-AF65-F5344CB8AC3E}">
-        <p14:creationId xmlns:p14="http://schemas.microsoft.com/office/powerpoint/2010/main" xmlns="" val="2054322300"/>
+        <p14:creationId xmlns="" xmlns:p14="http://schemas.microsoft.com/office/powerpoint/2010/main" val="2054322300"/>
       </p:ext>
     </p:extLst>
   </p:cSld>
@@ -8339,7 +8339,7 @@
     <p:sldLayoutId id="2147483659" r:id="rId11"/>
   </p:sldLayoutIdLst>
   <mc:AlternateContent xmlns:mc="http://schemas.openxmlformats.org/markup-compatibility/2006">
-    <mc:Choice xmlns:p14="http://schemas.microsoft.com/office/powerpoint/2010/main" xmlns="" Requires="p14">
+    <mc:Choice xmlns="" xmlns:p14="http://schemas.microsoft.com/office/powerpoint/2010/main" Requires="p14">
       <p:transition spd="med" p14:dur="700">
         <p:fade/>
       </p:transition>
@@ -8641,7 +8641,7 @@
   </p:txStyles>
   <p:extLst mod="1">
     <p:ext uri="{27BBF7A9-308A-43DC-89C8-2F10F3537804}">
-      <p15:sldGuideLst xmlns:p15="http://schemas.microsoft.com/office/powerpoint/2012/main" xmlns="">
+      <p15:sldGuideLst xmlns="" xmlns:p15="http://schemas.microsoft.com/office/powerpoint/2012/main">
         <p15:guide id="1" orient="horz" pos="2160" userDrawn="1">
           <p15:clr>
             <a:srgbClr val="F26B43"/>
@@ -8811,7 +8811,7 @@
     </p:spTree>
     <p:extLst>
       <p:ext uri="{BB962C8B-B14F-4D97-AF65-F5344CB8AC3E}">
-        <p14:creationId xmlns:p14="http://schemas.microsoft.com/office/powerpoint/2010/main" xmlns="" val="506761459"/>
+        <p14:creationId xmlns="" xmlns:p14="http://schemas.microsoft.com/office/powerpoint/2010/main" val="506761459"/>
       </p:ext>
     </p:extLst>
   </p:cSld>
@@ -8819,7 +8819,7 @@
     <a:masterClrMapping/>
   </p:clrMapOvr>
   <mc:AlternateContent xmlns:mc="http://schemas.openxmlformats.org/markup-compatibility/2006">
-    <mc:Choice xmlns:p14="http://schemas.microsoft.com/office/powerpoint/2010/main" xmlns="" Requires="p14">
+    <mc:Choice xmlns="" xmlns:p14="http://schemas.microsoft.com/office/powerpoint/2010/main" Requires="p14">
       <p:transition spd="med" p14:dur="700">
         <p:fade/>
       </p:transition>
@@ -9275,7 +9275,7 @@
     <a:masterClrMapping/>
   </p:clrMapOvr>
   <mc:AlternateContent xmlns:mc="http://schemas.openxmlformats.org/markup-compatibility/2006">
-    <mc:Choice xmlns:p14="http://schemas.microsoft.com/office/powerpoint/2010/main" xmlns="" Requires="p14">
+    <mc:Choice xmlns="" xmlns:p14="http://schemas.microsoft.com/office/powerpoint/2010/main" Requires="p14">
       <p:transition spd="med" p14:dur="700">
         <p:fade/>
       </p:transition>
@@ -9758,7 +9758,7 @@
     <a:masterClrMapping/>
   </p:clrMapOvr>
   <mc:AlternateContent xmlns:mc="http://schemas.openxmlformats.org/markup-compatibility/2006">
-    <mc:Choice xmlns:p14="http://schemas.microsoft.com/office/powerpoint/2010/main" xmlns="" Requires="p14">
+    <mc:Choice xmlns="" xmlns:p14="http://schemas.microsoft.com/office/powerpoint/2010/main" Requires="p14">
       <p:transition spd="med" p14:dur="700">
         <p:fade/>
       </p:transition>
@@ -10420,7 +10420,7 @@
     <a:masterClrMapping/>
   </p:clrMapOvr>
   <mc:AlternateContent xmlns:mc="http://schemas.openxmlformats.org/markup-compatibility/2006">
-    <mc:Choice xmlns:p14="http://schemas.microsoft.com/office/powerpoint/2010/main" xmlns="" Requires="p14">
+    <mc:Choice xmlns="" xmlns:p14="http://schemas.microsoft.com/office/powerpoint/2010/main" Requires="p14">
       <p:transition spd="med" p14:dur="700">
         <p:fade/>
       </p:transition>
@@ -10653,11 +10653,7 @@
             </a:pPr>
             <a:r>
               <a:rPr lang="zh-CN" altLang="en-US" sz="1800" dirty="0" smtClean="0"/>
-              <a:t>只</a:t>
-            </a:r>
-            <a:r>
-              <a:rPr lang="zh-CN" altLang="en-US" sz="1800" dirty="0" smtClean="0"/>
-              <a:t>会提交</a:t>
+              <a:t>只会提交</a:t>
             </a:r>
             <a:r>
               <a:rPr lang="en-US" altLang="zh-CN" sz="1800" dirty="0" smtClean="0"/>
@@ -11702,7 +11698,7 @@
     <a:masterClrMapping/>
   </p:clrMapOvr>
   <mc:AlternateContent xmlns:mc="http://schemas.openxmlformats.org/markup-compatibility/2006">
-    <mc:Choice xmlns:p14="http://schemas.microsoft.com/office/powerpoint/2010/main" xmlns="" Requires="p14">
+    <mc:Choice xmlns="" xmlns:p14="http://schemas.microsoft.com/office/powerpoint/2010/main" Requires="p14">
       <p:transition spd="med" p14:dur="700">
         <p:fade/>
       </p:transition>
@@ -12113,7 +12109,7 @@
     <a:masterClrMapping/>
   </p:clrMapOvr>
   <mc:AlternateContent xmlns:mc="http://schemas.openxmlformats.org/markup-compatibility/2006">
-    <mc:Choice xmlns:p14="http://schemas.microsoft.com/office/powerpoint/2010/main" xmlns="" Requires="p14">
+    <mc:Choice xmlns="" xmlns:p14="http://schemas.microsoft.com/office/powerpoint/2010/main" Requires="p14">
       <p:transition spd="med" p14:dur="700">
         <p:fade/>
       </p:transition>
@@ -12661,7 +12657,7 @@
     <a:masterClrMapping/>
   </p:clrMapOvr>
   <mc:AlternateContent xmlns:mc="http://schemas.openxmlformats.org/markup-compatibility/2006">
-    <mc:Choice xmlns:p14="http://schemas.microsoft.com/office/powerpoint/2010/main" xmlns="" Requires="p14">
+    <mc:Choice xmlns="" xmlns:p14="http://schemas.microsoft.com/office/powerpoint/2010/main" Requires="p14">
       <p:transition spd="med" p14:dur="700">
         <p:fade/>
       </p:transition>
@@ -12906,11 +12902,7 @@
             </a:r>
             <a:r>
               <a:rPr lang="zh-CN" altLang="en-US" dirty="0" smtClean="0"/>
-              <a:t>才会包含</a:t>
-            </a:r>
-            <a:r>
-              <a:rPr lang="zh-CN" altLang="en-US" dirty="0" smtClean="0"/>
-              <a:t>要提交的内容</a:t>
+              <a:t>才会包含要提交的内容</a:t>
             </a:r>
             <a:endParaRPr lang="en-US" altLang="zh-CN" dirty="0" smtClean="0"/>
           </a:p>
@@ -13198,7 +13190,7 @@
     <a:masterClrMapping/>
   </p:clrMapOvr>
   <mc:AlternateContent xmlns:mc="http://schemas.openxmlformats.org/markup-compatibility/2006">
-    <mc:Choice xmlns:p14="http://schemas.microsoft.com/office/powerpoint/2010/main" xmlns="" Requires="p14">
+    <mc:Choice xmlns="" xmlns:p14="http://schemas.microsoft.com/office/powerpoint/2010/main" Requires="p14">
       <p:transition spd="med" p14:dur="700">
         <p:fade/>
       </p:transition>
@@ -13539,11 +13531,7 @@
             </a:r>
             <a:r>
               <a:rPr lang="en-US" altLang="zh-CN" dirty="0" smtClean="0"/>
-              <a:t> </a:t>
-            </a:r>
-            <a:r>
-              <a:rPr lang="en-US" altLang="zh-CN" dirty="0" smtClean="0"/>
-              <a:t>test.txt</a:t>
+              <a:t> test.txt</a:t>
             </a:r>
           </a:p>
           <a:p>
@@ -13561,7 +13549,6 @@
               <a:rPr lang="en-US" altLang="zh-CN" dirty="0" smtClean="0"/>
               <a:t> reset HEAD</a:t>
             </a:r>
-            <a:endParaRPr lang="en-US" altLang="zh-CN" dirty="0" smtClean="0"/>
           </a:p>
           <a:p>
             <a:pPr lvl="1">
@@ -13815,7 +13802,7 @@
     <a:masterClrMapping/>
   </p:clrMapOvr>
   <mc:AlternateContent xmlns:mc="http://schemas.openxmlformats.org/markup-compatibility/2006">
-    <mc:Choice xmlns:p14="http://schemas.microsoft.com/office/powerpoint/2010/main" xmlns="" Requires="p14">
+    <mc:Choice xmlns="" xmlns:p14="http://schemas.microsoft.com/office/powerpoint/2010/main" Requires="p14">
       <p:transition spd="med" p14:dur="700">
         <p:fade/>
       </p:transition>
@@ -14352,7 +14339,7 @@
     <a:masterClrMapping/>
   </p:clrMapOvr>
   <mc:AlternateContent xmlns:mc="http://schemas.openxmlformats.org/markup-compatibility/2006">
-    <mc:Choice xmlns:p14="http://schemas.microsoft.com/office/powerpoint/2010/main" xmlns="" Requires="p14">
+    <mc:Choice xmlns="" xmlns:p14="http://schemas.microsoft.com/office/powerpoint/2010/main" Requires="p14">
       <p:transition spd="med" p14:dur="700">
         <p:fade/>
       </p:transition>
@@ -14853,7 +14840,7 @@
     <a:masterClrMapping/>
   </p:clrMapOvr>
   <mc:AlternateContent xmlns:mc="http://schemas.openxmlformats.org/markup-compatibility/2006">
-    <mc:Choice xmlns:p14="http://schemas.microsoft.com/office/powerpoint/2010/main" xmlns="" Requires="p14">
+    <mc:Choice xmlns="" xmlns:p14="http://schemas.microsoft.com/office/powerpoint/2010/main" Requires="p14">
       <p:transition spd="med" p14:dur="700">
         <p:fade/>
       </p:transition>
@@ -15150,7 +15137,7 @@
     </p:spTree>
     <p:extLst>
       <p:ext uri="{BB962C8B-B14F-4D97-AF65-F5344CB8AC3E}">
-        <p14:creationId xmlns:p14="http://schemas.microsoft.com/office/powerpoint/2010/main" xmlns="" val="1720426387"/>
+        <p14:creationId xmlns="" xmlns:p14="http://schemas.microsoft.com/office/powerpoint/2010/main" val="1720426387"/>
       </p:ext>
     </p:extLst>
   </p:cSld>
@@ -15158,7 +15145,7 @@
     <a:masterClrMapping/>
   </p:clrMapOvr>
   <mc:AlternateContent xmlns:mc="http://schemas.openxmlformats.org/markup-compatibility/2006">
-    <mc:Choice xmlns:p14="http://schemas.microsoft.com/office/powerpoint/2010/main" xmlns="" Requires="p14">
+    <mc:Choice xmlns="" xmlns:p14="http://schemas.microsoft.com/office/powerpoint/2010/main" Requires="p14">
       <p:transition spd="med" p14:dur="700">
         <p:fade/>
       </p:transition>
@@ -15699,7 +15686,7 @@
     <a:masterClrMapping/>
   </p:clrMapOvr>
   <mc:AlternateContent xmlns:mc="http://schemas.openxmlformats.org/markup-compatibility/2006">
-    <mc:Choice xmlns:p14="http://schemas.microsoft.com/office/powerpoint/2010/main" xmlns="" Requires="p14">
+    <mc:Choice xmlns="" xmlns:p14="http://schemas.microsoft.com/office/powerpoint/2010/main" Requires="p14">
       <p:transition spd="med" p14:dur="700">
         <p:fade/>
       </p:transition>
@@ -16263,7 +16250,7 @@
     <a:masterClrMapping/>
   </p:clrMapOvr>
   <mc:AlternateContent xmlns:mc="http://schemas.openxmlformats.org/markup-compatibility/2006">
-    <mc:Choice xmlns:p14="http://schemas.microsoft.com/office/powerpoint/2010/main" xmlns="" Requires="p14">
+    <mc:Choice xmlns="" xmlns:p14="http://schemas.microsoft.com/office/powerpoint/2010/main" Requires="p14">
       <p:transition spd="med" p14:dur="700">
         <p:fade/>
       </p:transition>
@@ -16858,7 +16845,7 @@
     <a:masterClrMapping/>
   </p:clrMapOvr>
   <mc:AlternateContent xmlns:mc="http://schemas.openxmlformats.org/markup-compatibility/2006">
-    <mc:Choice xmlns:p14="http://schemas.microsoft.com/office/powerpoint/2010/main" xmlns="" Requires="p14">
+    <mc:Choice xmlns="" xmlns:p14="http://schemas.microsoft.com/office/powerpoint/2010/main" Requires="p14">
       <p:transition spd="med" p14:dur="700">
         <p:fade/>
       </p:transition>
@@ -17538,7 +17525,7 @@
     <a:masterClrMapping/>
   </p:clrMapOvr>
   <mc:AlternateContent xmlns:mc="http://schemas.openxmlformats.org/markup-compatibility/2006">
-    <mc:Choice xmlns:p14="http://schemas.microsoft.com/office/powerpoint/2010/main" xmlns="" Requires="p14">
+    <mc:Choice xmlns="" xmlns:p14="http://schemas.microsoft.com/office/powerpoint/2010/main" Requires="p14">
       <p:transition spd="med" p14:dur="700">
         <p:fade/>
       </p:transition>
@@ -18108,7 +18095,7 @@
     <a:masterClrMapping/>
   </p:clrMapOvr>
   <mc:AlternateContent xmlns:mc="http://schemas.openxmlformats.org/markup-compatibility/2006">
-    <mc:Choice xmlns:p14="http://schemas.microsoft.com/office/powerpoint/2010/main" xmlns="" Requires="p14">
+    <mc:Choice xmlns="" xmlns:p14="http://schemas.microsoft.com/office/powerpoint/2010/main" Requires="p14">
       <p:transition spd="med" p14:dur="700">
         <p:fade/>
       </p:transition>
@@ -18629,7 +18616,7 @@
     <a:masterClrMapping/>
   </p:clrMapOvr>
   <mc:AlternateContent xmlns:mc="http://schemas.openxmlformats.org/markup-compatibility/2006">
-    <mc:Choice xmlns:p14="http://schemas.microsoft.com/office/powerpoint/2010/main" xmlns="" Requires="p14">
+    <mc:Choice xmlns="" xmlns:p14="http://schemas.microsoft.com/office/powerpoint/2010/main" Requires="p14">
       <p:transition spd="med" p14:dur="700">
         <p:fade/>
       </p:transition>
@@ -19537,7 +19524,7 @@
     <a:masterClrMapping/>
   </p:clrMapOvr>
   <mc:AlternateContent xmlns:mc="http://schemas.openxmlformats.org/markup-compatibility/2006">
-    <mc:Choice xmlns:p14="http://schemas.microsoft.com/office/powerpoint/2010/main" xmlns="" Requires="p14">
+    <mc:Choice xmlns="" xmlns:p14="http://schemas.microsoft.com/office/powerpoint/2010/main" Requires="p14">
       <p:transition spd="med" p14:dur="700">
         <p:fade/>
       </p:transition>
@@ -20367,7 +20354,7 @@
     <a:masterClrMapping/>
   </p:clrMapOvr>
   <mc:AlternateContent xmlns:mc="http://schemas.openxmlformats.org/markup-compatibility/2006">
-    <mc:Choice xmlns:p14="http://schemas.microsoft.com/office/powerpoint/2010/main" xmlns="" Requires="p14">
+    <mc:Choice xmlns="" xmlns:p14="http://schemas.microsoft.com/office/powerpoint/2010/main" Requires="p14">
       <p:transition spd="med" p14:dur="700">
         <p:fade/>
       </p:transition>
@@ -20555,97 +20542,17 @@
         <p:spPr/>
         <p:txBody>
           <a:bodyPr>
-            <a:normAutofit fontScale="92500" lnSpcReduction="20000"/>
+            <a:normAutofit/>
           </a:bodyPr>
           <a:lstStyle/>
           <a:p>
             <a:r>
-              <a:rPr lang="en-US" altLang="zh-CN" sz="1600" dirty="0" smtClean="0"/>
-              <a:t>-s</a:t>
-            </a:r>
-            <a:r>
               <a:rPr lang="zh-CN" altLang="en-US" sz="1600" dirty="0" smtClean="0"/>
-              <a:t>用私钥签名一个标签：</a:t>
-            </a:r>
-            <a:endParaRPr lang="en-US" altLang="zh-CN" sz="1600" dirty="0" smtClean="0"/>
-          </a:p>
-          <a:p>
-            <a:r>
-              <a:rPr lang="en-US" altLang="zh-CN" sz="1600" dirty="0" err="1" smtClean="0"/>
-              <a:t>git</a:t>
-            </a:r>
-            <a:r>
-              <a:rPr lang="en-US" altLang="zh-CN" sz="1600" dirty="0" smtClean="0"/>
-              <a:t> tag -s v0.2 -m "signed version 0.2 released" fec145a</a:t>
-            </a:r>
-          </a:p>
-          <a:p>
+              <a:t>删除</a:t>
+            </a:r>
             <a:r>
               <a:rPr lang="zh-CN" altLang="en-US" sz="1600" dirty="0" smtClean="0"/>
-              <a:t>签名采用</a:t>
-            </a:r>
-            <a:r>
-              <a:rPr lang="en-US" altLang="zh-CN" sz="1600" dirty="0" smtClean="0"/>
-              <a:t>PGP</a:t>
-            </a:r>
-            <a:r>
-              <a:rPr lang="zh-CN" altLang="en-US" sz="1600" dirty="0" smtClean="0"/>
-              <a:t>签名，因此，必须首先安装</a:t>
-            </a:r>
-            <a:r>
-              <a:rPr lang="en-US" altLang="zh-CN" sz="1600" dirty="0" err="1" smtClean="0"/>
-              <a:t>gpg</a:t>
-            </a:r>
-            <a:r>
-              <a:rPr lang="zh-CN" altLang="en-US" sz="1600" dirty="0" smtClean="0"/>
-              <a:t>（</a:t>
-            </a:r>
-            <a:r>
-              <a:rPr lang="en-US" altLang="zh-CN" sz="1600" dirty="0" err="1" smtClean="0"/>
-              <a:t>GnuPG</a:t>
-            </a:r>
-            <a:r>
-              <a:rPr lang="zh-CN" altLang="en-US" sz="1600" dirty="0" smtClean="0"/>
-              <a:t>），如果没有找到</a:t>
-            </a:r>
-            <a:r>
-              <a:rPr lang="en-US" altLang="zh-CN" sz="1600" dirty="0" err="1" smtClean="0"/>
-              <a:t>gpg</a:t>
-            </a:r>
-            <a:r>
-              <a:rPr lang="zh-CN" altLang="en-US" sz="1600" dirty="0" smtClean="0"/>
-              <a:t>，或者没有</a:t>
-            </a:r>
-            <a:r>
-              <a:rPr lang="en-US" altLang="zh-CN" sz="1600" dirty="0" err="1" smtClean="0"/>
-              <a:t>gpg</a:t>
-            </a:r>
-            <a:r>
-              <a:rPr lang="zh-CN" altLang="en-US" sz="1600" dirty="0" smtClean="0"/>
-              <a:t>密钥对，就会报错：如果报错，请参考</a:t>
-            </a:r>
-            <a:r>
-              <a:rPr lang="en-US" altLang="zh-CN" sz="1600" dirty="0" err="1" smtClean="0"/>
-              <a:t>GnuPG</a:t>
-            </a:r>
-            <a:r>
-              <a:rPr lang="zh-CN" altLang="en-US" sz="1600" dirty="0" smtClean="0"/>
-              <a:t>帮助文档配置</a:t>
-            </a:r>
-            <a:r>
-              <a:rPr lang="en-US" altLang="zh-CN" sz="1600" dirty="0" smtClean="0"/>
-              <a:t>Key</a:t>
-            </a:r>
-            <a:r>
-              <a:rPr lang="zh-CN" altLang="en-US" sz="1600" dirty="0" smtClean="0"/>
-              <a:t>。</a:t>
-            </a:r>
-            <a:endParaRPr lang="en-US" altLang="zh-CN" sz="1600" dirty="0" smtClean="0"/>
-          </a:p>
-          <a:p>
-            <a:r>
-              <a:rPr lang="zh-CN" altLang="en-US" sz="1600" dirty="0" smtClean="0"/>
-              <a:t>删除标签：</a:t>
+              <a:t>标签：</a:t>
             </a:r>
             <a:r>
               <a:rPr lang="en-US" altLang="zh-CN" sz="1600" dirty="0" err="1" smtClean="0"/>
@@ -21337,7 +21244,7 @@
     <a:masterClrMapping/>
   </p:clrMapOvr>
   <mc:AlternateContent xmlns:mc="http://schemas.openxmlformats.org/markup-compatibility/2006">
-    <mc:Choice xmlns:p14="http://schemas.microsoft.com/office/powerpoint/2010/main" xmlns="" Requires="p14">
+    <mc:Choice xmlns="" xmlns:p14="http://schemas.microsoft.com/office/powerpoint/2010/main" Requires="p14">
       <p:transition spd="med" p14:dur="700">
         <p:fade/>
       </p:transition>
@@ -22006,7 +21913,7 @@
     <a:masterClrMapping/>
   </p:clrMapOvr>
   <mc:AlternateContent xmlns:mc="http://schemas.openxmlformats.org/markup-compatibility/2006">
-    <mc:Choice xmlns:p14="http://schemas.microsoft.com/office/powerpoint/2010/main" xmlns="" Requires="p14">
+    <mc:Choice xmlns="" xmlns:p14="http://schemas.microsoft.com/office/powerpoint/2010/main" Requires="p14">
       <p:transition spd="med" p14:dur="700">
         <p:fade/>
       </p:transition>
@@ -22251,13 +22158,7 @@
               <a:rPr lang="zh-CN" altLang="en-US" dirty="0" smtClean="0">
                 <a:ea typeface="Microsoft YaHei UI"/>
               </a:rPr>
-              <a:t>写系统手册一类比较大的文档</a:t>
-            </a:r>
-            <a:r>
-              <a:rPr lang="zh-CN" altLang="en-US" dirty="0" smtClean="0">
-                <a:ea typeface="Microsoft YaHei UI"/>
-              </a:rPr>
-              <a:t>，想删除部分内容，但又怕之后还需要，只能另存为一篇新的文档继续修改</a:t>
+              <a:t>写系统手册一类比较大的文档，想删除部分内容，但又怕之后还需要，只能另存为一篇新的文档继续修改</a:t>
             </a:r>
             <a:endParaRPr lang="en-US" altLang="zh-CN" dirty="0" smtClean="0">
               <a:ea typeface="Microsoft YaHei UI"/>
@@ -22466,7 +22367,7 @@
     </p:spTree>
     <p:extLst>
       <p:ext uri="{BB962C8B-B14F-4D97-AF65-F5344CB8AC3E}">
-        <p14:creationId xmlns:p14="http://schemas.microsoft.com/office/powerpoint/2010/main" xmlns="" val="2237405988"/>
+        <p14:creationId xmlns="" xmlns:p14="http://schemas.microsoft.com/office/powerpoint/2010/main" val="2237405988"/>
       </p:ext>
     </p:extLst>
   </p:cSld>
@@ -22474,7 +22375,7 @@
     <a:masterClrMapping/>
   </p:clrMapOvr>
   <mc:AlternateContent xmlns:mc="http://schemas.openxmlformats.org/markup-compatibility/2006">
-    <mc:Choice xmlns:p14="http://schemas.microsoft.com/office/powerpoint/2010/main" xmlns="" Requires="p14">
+    <mc:Choice xmlns="" xmlns:p14="http://schemas.microsoft.com/office/powerpoint/2010/main" Requires="p14">
       <p:transition spd="med" p14:dur="700">
         <p:fade/>
       </p:transition>
@@ -23255,7 +23156,7 @@
     <a:masterClrMapping/>
   </p:clrMapOvr>
   <mc:AlternateContent xmlns:mc="http://schemas.openxmlformats.org/markup-compatibility/2006">
-    <mc:Choice xmlns:p14="http://schemas.microsoft.com/office/powerpoint/2010/main" xmlns="" Requires="p14">
+    <mc:Choice xmlns="" xmlns:p14="http://schemas.microsoft.com/office/powerpoint/2010/main" Requires="p14">
       <p:transition spd="med" p14:dur="700">
         <p:fade/>
       </p:transition>
@@ -23651,7 +23552,7 @@
     </p:spTree>
     <p:extLst>
       <p:ext uri="{BB962C8B-B14F-4D97-AF65-F5344CB8AC3E}">
-        <p14:creationId xmlns:p14="http://schemas.microsoft.com/office/powerpoint/2010/main" xmlns="" val="2237405988"/>
+        <p14:creationId xmlns="" xmlns:p14="http://schemas.microsoft.com/office/powerpoint/2010/main" val="2237405988"/>
       </p:ext>
     </p:extLst>
   </p:cSld>
@@ -23659,7 +23560,7 @@
     <a:masterClrMapping/>
   </p:clrMapOvr>
   <mc:AlternateContent xmlns:mc="http://schemas.openxmlformats.org/markup-compatibility/2006">
-    <mc:Choice xmlns:p14="http://schemas.microsoft.com/office/powerpoint/2010/main" xmlns="" Requires="p14">
+    <mc:Choice xmlns="" xmlns:p14="http://schemas.microsoft.com/office/powerpoint/2010/main" Requires="p14">
       <p:transition spd="med" p14:dur="700">
         <p:fade/>
       </p:transition>
@@ -24469,7 +24370,7 @@
     </p:spTree>
     <p:extLst>
       <p:ext uri="{BB962C8B-B14F-4D97-AF65-F5344CB8AC3E}">
-        <p14:creationId xmlns:p14="http://schemas.microsoft.com/office/powerpoint/2010/main" xmlns="" val="813896505"/>
+        <p14:creationId xmlns="" xmlns:p14="http://schemas.microsoft.com/office/powerpoint/2010/main" val="813896505"/>
       </p:ext>
     </p:extLst>
   </p:cSld>
@@ -24477,7 +24378,7 @@
     <a:masterClrMapping/>
   </p:clrMapOvr>
   <mc:AlternateContent xmlns:mc="http://schemas.openxmlformats.org/markup-compatibility/2006">
-    <mc:Choice xmlns:p14="http://schemas.microsoft.com/office/powerpoint/2010/main" xmlns="" Requires="p14">
+    <mc:Choice xmlns="" xmlns:p14="http://schemas.microsoft.com/office/powerpoint/2010/main" Requires="p14">
       <p:transition spd="med" p14:dur="700">
         <p:fade/>
       </p:transition>
@@ -25376,7 +25277,7 @@
     </p:spTree>
     <p:extLst>
       <p:ext uri="{BB962C8B-B14F-4D97-AF65-F5344CB8AC3E}">
-        <p14:creationId xmlns:p14="http://schemas.microsoft.com/office/powerpoint/2010/main" xmlns="" val="2237405988"/>
+        <p14:creationId xmlns="" xmlns:p14="http://schemas.microsoft.com/office/powerpoint/2010/main" val="2237405988"/>
       </p:ext>
     </p:extLst>
   </p:cSld>
@@ -25384,7 +25285,7 @@
     <a:overrideClrMapping bg1="lt1" tx1="dk1" bg2="lt2" tx2="dk2" accent1="accent1" accent2="accent2" accent3="accent3" accent4="accent4" accent5="accent5" accent6="accent6" hlink="hlink" folHlink="folHlink"/>
   </p:clrMapOvr>
   <mc:AlternateContent xmlns:mc="http://schemas.openxmlformats.org/markup-compatibility/2006">
-    <mc:Choice xmlns:p14="http://schemas.microsoft.com/office/powerpoint/2010/main" xmlns="" Requires="p14">
+    <mc:Choice xmlns="" xmlns:p14="http://schemas.microsoft.com/office/powerpoint/2010/main" Requires="p14">
       <p:transition spd="med" p14:dur="700">
         <p:fade/>
       </p:transition>
@@ -25783,7 +25684,7 @@
     </p:spTree>
     <p:extLst>
       <p:ext uri="{BB962C8B-B14F-4D97-AF65-F5344CB8AC3E}">
-        <p14:creationId xmlns:p14="http://schemas.microsoft.com/office/powerpoint/2010/main" xmlns="" val="2237405988"/>
+        <p14:creationId xmlns="" xmlns:p14="http://schemas.microsoft.com/office/powerpoint/2010/main" val="2237405988"/>
       </p:ext>
     </p:extLst>
   </p:cSld>
@@ -25791,7 +25692,7 @@
     <a:overrideClrMapping bg1="lt1" tx1="dk1" bg2="lt2" tx2="dk2" accent1="accent1" accent2="accent2" accent3="accent3" accent4="accent4" accent5="accent5" accent6="accent6" hlink="hlink" folHlink="folHlink"/>
   </p:clrMapOvr>
   <mc:AlternateContent xmlns:mc="http://schemas.openxmlformats.org/markup-compatibility/2006">
-    <mc:Choice xmlns:p14="http://schemas.microsoft.com/office/powerpoint/2010/main" xmlns="" Requires="p14">
+    <mc:Choice xmlns="" xmlns:p14="http://schemas.microsoft.com/office/powerpoint/2010/main" Requires="p14">
       <p:transition spd="med" p14:dur="700">
         <p:fade/>
       </p:transition>
@@ -26677,7 +26578,7 @@
     </p:spTree>
     <p:extLst>
       <p:ext uri="{BB962C8B-B14F-4D97-AF65-F5344CB8AC3E}">
-        <p14:creationId xmlns:p14="http://schemas.microsoft.com/office/powerpoint/2010/main" xmlns="" val="2237405988"/>
+        <p14:creationId xmlns="" xmlns:p14="http://schemas.microsoft.com/office/powerpoint/2010/main" val="2237405988"/>
       </p:ext>
     </p:extLst>
   </p:cSld>
@@ -26685,7 +26586,7 @@
     <a:masterClrMapping/>
   </p:clrMapOvr>
   <mc:AlternateContent xmlns:mc="http://schemas.openxmlformats.org/markup-compatibility/2006">
-    <mc:Choice xmlns:p14="http://schemas.microsoft.com/office/powerpoint/2010/main" xmlns="" Requires="p14">
+    <mc:Choice xmlns="" xmlns:p14="http://schemas.microsoft.com/office/powerpoint/2010/main" Requires="p14">
       <p:transition spd="med" p14:dur="700">
         <p:fade/>
       </p:transition>
@@ -27045,7 +26946,7 @@
     </p:spTree>
     <p:extLst>
       <p:ext uri="{BB962C8B-B14F-4D97-AF65-F5344CB8AC3E}">
-        <p14:creationId xmlns:p14="http://schemas.microsoft.com/office/powerpoint/2010/main" xmlns="" val="813896505"/>
+        <p14:creationId xmlns="" xmlns:p14="http://schemas.microsoft.com/office/powerpoint/2010/main" val="813896505"/>
       </p:ext>
     </p:extLst>
   </p:cSld>
@@ -27053,7 +26954,7 @@
     <a:masterClrMapping/>
   </p:clrMapOvr>
   <mc:AlternateContent xmlns:mc="http://schemas.openxmlformats.org/markup-compatibility/2006">
-    <mc:Choice xmlns:p14="http://schemas.microsoft.com/office/powerpoint/2010/main" xmlns="" Requires="p14">
+    <mc:Choice xmlns="" xmlns:p14="http://schemas.microsoft.com/office/powerpoint/2010/main" Requires="p14">
       <p:transition spd="med" p14:dur="700">
         <p:fade/>
       </p:transition>
@@ -27412,7 +27313,7 @@
     </p:spTree>
     <p:extLst>
       <p:ext uri="{BB962C8B-B14F-4D97-AF65-F5344CB8AC3E}">
-        <p14:creationId xmlns:p14="http://schemas.microsoft.com/office/powerpoint/2010/main" xmlns="" val="813896505"/>
+        <p14:creationId xmlns="" xmlns:p14="http://schemas.microsoft.com/office/powerpoint/2010/main" val="813896505"/>
       </p:ext>
     </p:extLst>
   </p:cSld>
@@ -27420,7 +27321,7 @@
     <a:masterClrMapping/>
   </p:clrMapOvr>
   <mc:AlternateContent xmlns:mc="http://schemas.openxmlformats.org/markup-compatibility/2006">
-    <mc:Choice xmlns:p14="http://schemas.microsoft.com/office/powerpoint/2010/main" xmlns="" Requires="p14">
+    <mc:Choice xmlns="" xmlns:p14="http://schemas.microsoft.com/office/powerpoint/2010/main" Requires="p14">
       <p:transition spd="med" p14:dur="700">
         <p:fade/>
       </p:transition>
@@ -28116,21 +28017,6 @@
 </file>
 
 <file path=customXml/item1.xml><?xml version="1.0" encoding="utf-8"?>
-<p:properties xmlns:p="http://schemas.microsoft.com/office/2006/metadata/properties" xmlns:xsi="http://www.w3.org/2001/XMLSchema-instance" xmlns:pc="http://schemas.microsoft.com/office/infopath/2007/PartnerControls">
-  <documentManagement/>
-</p:properties>
-</file>
-
-<file path=customXml/item2.xml><?xml version="1.0" encoding="utf-8"?>
-<?mso-contentType ?>
-<FormTemplates xmlns="http://schemas.microsoft.com/sharepoint/v3/contenttype/forms">
-  <Display>DocumentLibraryForm</Display>
-  <Edit>DocumentLibraryForm</Edit>
-  <New>DocumentLibraryForm</New>
-</FormTemplates>
-</file>
-
-<file path=customXml/item3.xml><?xml version="1.0" encoding="utf-8"?>
 <ct:contentTypeSchema xmlns:ct="http://schemas.microsoft.com/office/2006/metadata/contentType" xmlns:ma="http://schemas.microsoft.com/office/2006/metadata/properties/metaAttributes" ct:_="" ma:_="" ma:contentTypeName="Document" ma:contentTypeID="0x0101007C1D5F340F01F94FA2FD29A5E6DC872E" ma:contentTypeVersion="0" ma:contentTypeDescription="Create a new document." ma:contentTypeScope="" ma:versionID="f583bd66513a361a730282b6a794e352">
   <xsd:schema xmlns:xsd="http://www.w3.org/2001/XMLSchema" xmlns:xs="http://www.w3.org/2001/XMLSchema" xmlns:p="http://schemas.microsoft.com/office/2006/metadata/properties" targetNamespace="http://schemas.microsoft.com/office/2006/metadata/properties" ma:root="true" ma:fieldsID="6841151cf538834e171094e4faaf2d73">
     <xsd:element name="properties">
@@ -28244,10 +28130,32 @@
 </ct:contentTypeSchema>
 </file>
 
+<file path=customXml/item2.xml><?xml version="1.0" encoding="utf-8"?>
+<?mso-contentType ?>
+<FormTemplates xmlns="http://schemas.microsoft.com/sharepoint/v3/contenttype/forms">
+  <Display>DocumentLibraryForm</Display>
+  <Edit>DocumentLibraryForm</Edit>
+  <New>DocumentLibraryForm</New>
+</FormTemplates>
+</file>
+
+<file path=customXml/item3.xml><?xml version="1.0" encoding="utf-8"?>
+<p:properties xmlns:p="http://schemas.microsoft.com/office/2006/metadata/properties" xmlns:xsi="http://www.w3.org/2001/XMLSchema-instance" xmlns:pc="http://schemas.microsoft.com/office/infopath/2007/PartnerControls">
+  <documentManagement/>
+</p:properties>
+</file>
+
 <file path=customXml/itemProps1.xml><?xml version="1.0" encoding="utf-8"?>
-<ds:datastoreItem xmlns:ds="http://schemas.openxmlformats.org/officeDocument/2006/customXml" ds:itemID="{20B895F5-7F43-4073-919C-BA6E32AC0200}">
+<ds:datastoreItem xmlns:ds="http://schemas.openxmlformats.org/officeDocument/2006/customXml" ds:itemID="{F28882EF-8483-452E-ADFB-02067D56F72B}">
   <ds:schemaRefs>
+    <ds:schemaRef ds:uri="http://schemas.microsoft.com/office/2006/metadata/contentType"/>
+    <ds:schemaRef ds:uri="http://schemas.microsoft.com/office/2006/metadata/properties/metaAttributes"/>
+    <ds:schemaRef ds:uri="http://www.w3.org/2001/XMLSchema"/>
     <ds:schemaRef ds:uri="http://schemas.microsoft.com/office/2006/metadata/properties"/>
+    <ds:schemaRef ds:uri="http://schemas.openxmlformats.org/package/2006/metadata/core-properties"/>
+    <ds:schemaRef ds:uri="http://purl.org/dc/elements/1.1/"/>
+    <ds:schemaRef ds:uri="http://purl.org/dc/terms/"/>
+    <ds:schemaRef ds:uri="http://schemas.microsoft.com/internal/obd"/>
     <ds:schemaRef ds:uri="http://schemas.microsoft.com/office/infopath/2007/PartnerControls"/>
   </ds:schemaRefs>
 </ds:datastoreItem>
@@ -28262,16 +28170,9 @@
 </file>
 
 <file path=customXml/itemProps3.xml><?xml version="1.0" encoding="utf-8"?>
-<ds:datastoreItem xmlns:ds="http://schemas.openxmlformats.org/officeDocument/2006/customXml" ds:itemID="{F28882EF-8483-452E-ADFB-02067D56F72B}">
+<ds:datastoreItem xmlns:ds="http://schemas.openxmlformats.org/officeDocument/2006/customXml" ds:itemID="{20B895F5-7F43-4073-919C-BA6E32AC0200}">
   <ds:schemaRefs>
-    <ds:schemaRef ds:uri="http://schemas.microsoft.com/office/2006/metadata/contentType"/>
-    <ds:schemaRef ds:uri="http://schemas.microsoft.com/office/2006/metadata/properties/metaAttributes"/>
-    <ds:schemaRef ds:uri="http://www.w3.org/2001/XMLSchema"/>
     <ds:schemaRef ds:uri="http://schemas.microsoft.com/office/2006/metadata/properties"/>
-    <ds:schemaRef ds:uri="http://schemas.openxmlformats.org/package/2006/metadata/core-properties"/>
-    <ds:schemaRef ds:uri="http://purl.org/dc/elements/1.1/"/>
-    <ds:schemaRef ds:uri="http://purl.org/dc/terms/"/>
-    <ds:schemaRef ds:uri="http://schemas.microsoft.com/internal/obd"/>
     <ds:schemaRef ds:uri="http://schemas.microsoft.com/office/infopath/2007/PartnerControls"/>
   </ds:schemaRefs>
 </ds:datastoreItem>

--- a/docs/Git入门学习/Git入门学习.pptx
+++ b/docs/Git入门学习/Git入门学习.pptx
@@ -142,7 +142,7 @@
   </p:defaultTextStyle>
   <p:extLst>
     <p:ext uri="{EFAFB233-063F-42B5-8137-9DF3F51BA10A}">
-      <p15:sldGuideLst xmlns:p15="http://schemas.microsoft.com/office/powerpoint/2012/main" xmlns="">
+      <p15:sldGuideLst xmlns="" xmlns:p15="http://schemas.microsoft.com/office/powerpoint/2012/main">
         <p15:guide id="1" orient="horz" pos="2160">
           <p15:clr>
             <a:srgbClr val="A4A3A4"/>
@@ -161,7 +161,7 @@
       </p15:sldGuideLst>
     </p:ext>
     <p:ext uri="{2D200454-40CA-4A62-9FC3-DE9A4176ACB9}">
-      <p15:notesGuideLst xmlns:p15="http://schemas.microsoft.com/office/powerpoint/2012/main" xmlns="">
+      <p15:notesGuideLst xmlns="" xmlns:p15="http://schemas.microsoft.com/office/powerpoint/2012/main">
         <p15:guide id="1" orient="horz" pos="2880">
           <p15:clr>
             <a:srgbClr val="A4A3A4"/>
@@ -337,7 +337,7 @@
     </p:spTree>
     <p:extLst>
       <p:ext uri="{BB962C8B-B14F-4D97-AF65-F5344CB8AC3E}">
-        <p14:creationId xmlns:p14="http://schemas.microsoft.com/office/powerpoint/2010/main" xmlns="" val="516225429"/>
+        <p14:creationId xmlns="" xmlns:p14="http://schemas.microsoft.com/office/powerpoint/2010/main" val="516225429"/>
       </p:ext>
     </p:extLst>
   </p:cSld>
@@ -612,7 +612,7 @@
     </p:spTree>
     <p:extLst>
       <p:ext uri="{BB962C8B-B14F-4D97-AF65-F5344CB8AC3E}">
-        <p14:creationId xmlns:p14="http://schemas.microsoft.com/office/powerpoint/2010/main" xmlns="" val="1556669918"/>
+        <p14:creationId xmlns="" xmlns:p14="http://schemas.microsoft.com/office/powerpoint/2010/main" val="1556669918"/>
       </p:ext>
     </p:extLst>
   </p:cSld>
@@ -3465,7 +3465,7 @@
     </p:spTree>
     <p:extLst>
       <p:ext uri="{BB962C8B-B14F-4D97-AF65-F5344CB8AC3E}">
-        <p14:creationId xmlns:p14="http://schemas.microsoft.com/office/powerpoint/2010/main" xmlns="" val="3817955988"/>
+        <p14:creationId xmlns="" xmlns:p14="http://schemas.microsoft.com/office/powerpoint/2010/main" val="3817955988"/>
       </p:ext>
     </p:extLst>
   </p:cSld>
@@ -3473,7 +3473,7 @@
     <a:masterClrMapping/>
   </p:clrMapOvr>
   <mc:AlternateContent xmlns:mc="http://schemas.openxmlformats.org/markup-compatibility/2006">
-    <mc:Choice xmlns:p14="http://schemas.microsoft.com/office/powerpoint/2010/main" xmlns="" Requires="p14">
+    <mc:Choice xmlns="" xmlns:p14="http://schemas.microsoft.com/office/powerpoint/2010/main" Requires="p14">
       <p:transition spd="med" p14:dur="700">
         <p:fade/>
       </p:transition>
@@ -3670,7 +3670,7 @@
     </p:spTree>
     <p:extLst>
       <p:ext uri="{BB962C8B-B14F-4D97-AF65-F5344CB8AC3E}">
-        <p14:creationId xmlns:p14="http://schemas.microsoft.com/office/powerpoint/2010/main" xmlns="" val="2040880889"/>
+        <p14:creationId xmlns="" xmlns:p14="http://schemas.microsoft.com/office/powerpoint/2010/main" val="2040880889"/>
       </p:ext>
     </p:extLst>
   </p:cSld>
@@ -3678,7 +3678,7 @@
     <a:masterClrMapping/>
   </p:clrMapOvr>
   <mc:AlternateContent xmlns:mc="http://schemas.openxmlformats.org/markup-compatibility/2006">
-    <mc:Choice xmlns:p14="http://schemas.microsoft.com/office/powerpoint/2010/main" xmlns="" Requires="p14">
+    <mc:Choice xmlns="" xmlns:p14="http://schemas.microsoft.com/office/powerpoint/2010/main" Requires="p14">
       <p:transition spd="med" p14:dur="700">
         <p:fade/>
       </p:transition>
@@ -4270,7 +4270,7 @@
     </p:spTree>
     <p:extLst>
       <p:ext uri="{BB962C8B-B14F-4D97-AF65-F5344CB8AC3E}">
-        <p14:creationId xmlns:p14="http://schemas.microsoft.com/office/powerpoint/2010/main" xmlns="" val="612817689"/>
+        <p14:creationId xmlns="" xmlns:p14="http://schemas.microsoft.com/office/powerpoint/2010/main" val="612817689"/>
       </p:ext>
     </p:extLst>
   </p:cSld>
@@ -4278,7 +4278,7 @@
     <a:masterClrMapping/>
   </p:clrMapOvr>
   <mc:AlternateContent xmlns:mc="http://schemas.openxmlformats.org/markup-compatibility/2006">
-    <mc:Choice xmlns:p14="http://schemas.microsoft.com/office/powerpoint/2010/main" xmlns="" Requires="p14">
+    <mc:Choice xmlns="" xmlns:p14="http://schemas.microsoft.com/office/powerpoint/2010/main" Requires="p14">
       <p:transition spd="med" p14:dur="700">
         <p:fade/>
       </p:transition>
@@ -4468,7 +4468,7 @@
     </p:spTree>
     <p:extLst>
       <p:ext uri="{BB962C8B-B14F-4D97-AF65-F5344CB8AC3E}">
-        <p14:creationId xmlns:p14="http://schemas.microsoft.com/office/powerpoint/2010/main" xmlns="" val="2185532848"/>
+        <p14:creationId xmlns="" xmlns:p14="http://schemas.microsoft.com/office/powerpoint/2010/main" val="2185532848"/>
       </p:ext>
     </p:extLst>
   </p:cSld>
@@ -4476,7 +4476,7 @@
     <a:masterClrMapping/>
   </p:clrMapOvr>
   <mc:AlternateContent xmlns:mc="http://schemas.openxmlformats.org/markup-compatibility/2006">
-    <mc:Choice xmlns:p14="http://schemas.microsoft.com/office/powerpoint/2010/main" xmlns="" Requires="p14">
+    <mc:Choice xmlns="" xmlns:p14="http://schemas.microsoft.com/office/powerpoint/2010/main" Requires="p14">
       <p:transition spd="med" p14:dur="700">
         <p:fade/>
       </p:transition>
@@ -5458,7 +5458,7 @@
     </p:spTree>
     <p:extLst>
       <p:ext uri="{BB962C8B-B14F-4D97-AF65-F5344CB8AC3E}">
-        <p14:creationId xmlns:p14="http://schemas.microsoft.com/office/powerpoint/2010/main" xmlns="" val="3234467543"/>
+        <p14:creationId xmlns="" xmlns:p14="http://schemas.microsoft.com/office/powerpoint/2010/main" val="3234467543"/>
       </p:ext>
     </p:extLst>
   </p:cSld>
@@ -5466,7 +5466,7 @@
     <a:masterClrMapping/>
   </p:clrMapOvr>
   <mc:AlternateContent xmlns:mc="http://schemas.openxmlformats.org/markup-compatibility/2006">
-    <mc:Choice xmlns:p14="http://schemas.microsoft.com/office/powerpoint/2010/main" xmlns="" Requires="p14">
+    <mc:Choice xmlns="" xmlns:p14="http://schemas.microsoft.com/office/powerpoint/2010/main" Requires="p14">
       <p:transition spd="med" p14:dur="700">
         <p:fade/>
       </p:transition>
@@ -5764,7 +5764,7 @@
     </p:spTree>
     <p:extLst>
       <p:ext uri="{BB962C8B-B14F-4D97-AF65-F5344CB8AC3E}">
-        <p14:creationId xmlns:p14="http://schemas.microsoft.com/office/powerpoint/2010/main" xmlns="" val="1239113715"/>
+        <p14:creationId xmlns="" xmlns:p14="http://schemas.microsoft.com/office/powerpoint/2010/main" val="1239113715"/>
       </p:ext>
     </p:extLst>
   </p:cSld>
@@ -5772,7 +5772,7 @@
     <a:masterClrMapping/>
   </p:clrMapOvr>
   <mc:AlternateContent xmlns:mc="http://schemas.openxmlformats.org/markup-compatibility/2006">
-    <mc:Choice xmlns:p14="http://schemas.microsoft.com/office/powerpoint/2010/main" xmlns="" Requires="p14">
+    <mc:Choice xmlns="" xmlns:p14="http://schemas.microsoft.com/office/powerpoint/2010/main" Requires="p14">
       <p:transition spd="med" p14:dur="700">
         <p:fade/>
       </p:transition>
@@ -6211,7 +6211,7 @@
     </p:spTree>
     <p:extLst>
       <p:ext uri="{BB962C8B-B14F-4D97-AF65-F5344CB8AC3E}">
-        <p14:creationId xmlns:p14="http://schemas.microsoft.com/office/powerpoint/2010/main" xmlns="" val="2138358032"/>
+        <p14:creationId xmlns="" xmlns:p14="http://schemas.microsoft.com/office/powerpoint/2010/main" val="2138358032"/>
       </p:ext>
     </p:extLst>
   </p:cSld>
@@ -6219,7 +6219,7 @@
     <a:masterClrMapping/>
   </p:clrMapOvr>
   <mc:AlternateContent xmlns:mc="http://schemas.openxmlformats.org/markup-compatibility/2006">
-    <mc:Choice xmlns:p14="http://schemas.microsoft.com/office/powerpoint/2010/main" xmlns="" Requires="p14">
+    <mc:Choice xmlns="" xmlns:p14="http://schemas.microsoft.com/office/powerpoint/2010/main" Requires="p14">
       <p:transition spd="med" p14:dur="700">
         <p:fade/>
       </p:transition>
@@ -6349,7 +6349,7 @@
     </p:spTree>
     <p:extLst>
       <p:ext uri="{BB962C8B-B14F-4D97-AF65-F5344CB8AC3E}">
-        <p14:creationId xmlns:p14="http://schemas.microsoft.com/office/powerpoint/2010/main" xmlns="" val="3163578801"/>
+        <p14:creationId xmlns="" xmlns:p14="http://schemas.microsoft.com/office/powerpoint/2010/main" val="3163578801"/>
       </p:ext>
     </p:extLst>
   </p:cSld>
@@ -6357,7 +6357,7 @@
     <a:masterClrMapping/>
   </p:clrMapOvr>
   <mc:AlternateContent xmlns:mc="http://schemas.openxmlformats.org/markup-compatibility/2006">
-    <mc:Choice xmlns:p14="http://schemas.microsoft.com/office/powerpoint/2010/main" xmlns="" Requires="p14">
+    <mc:Choice xmlns="" xmlns:p14="http://schemas.microsoft.com/office/powerpoint/2010/main" Requires="p14">
       <p:transition spd="med" p14:dur="700">
         <p:fade/>
       </p:transition>
@@ -6729,7 +6729,7 @@
     </p:spTree>
     <p:extLst>
       <p:ext uri="{BB962C8B-B14F-4D97-AF65-F5344CB8AC3E}">
-        <p14:creationId xmlns:p14="http://schemas.microsoft.com/office/powerpoint/2010/main" xmlns="" val="178381615"/>
+        <p14:creationId xmlns="" xmlns:p14="http://schemas.microsoft.com/office/powerpoint/2010/main" val="178381615"/>
       </p:ext>
     </p:extLst>
   </p:cSld>
@@ -6737,7 +6737,7 @@
     <a:masterClrMapping/>
   </p:clrMapOvr>
   <mc:AlternateContent xmlns:mc="http://schemas.openxmlformats.org/markup-compatibility/2006">
-    <mc:Choice xmlns:p14="http://schemas.microsoft.com/office/powerpoint/2010/main" xmlns="" Requires="p14">
+    <mc:Choice xmlns="" xmlns:p14="http://schemas.microsoft.com/office/powerpoint/2010/main" Requires="p14">
       <p:transition spd="med" p14:dur="700">
         <p:fade/>
       </p:transition>
@@ -7261,7 +7261,7 @@
     </p:spTree>
     <p:extLst>
       <p:ext uri="{BB962C8B-B14F-4D97-AF65-F5344CB8AC3E}">
-        <p14:creationId xmlns:p14="http://schemas.microsoft.com/office/powerpoint/2010/main" xmlns="" val="3518043182"/>
+        <p14:creationId xmlns="" xmlns:p14="http://schemas.microsoft.com/office/powerpoint/2010/main" val="3518043182"/>
       </p:ext>
     </p:extLst>
   </p:cSld>
@@ -7269,7 +7269,7 @@
     <a:masterClrMapping/>
   </p:clrMapOvr>
   <mc:AlternateContent xmlns:mc="http://schemas.openxmlformats.org/markup-compatibility/2006">
-    <mc:Choice xmlns:p14="http://schemas.microsoft.com/office/powerpoint/2010/main" xmlns="" Requires="p14">
+    <mc:Choice xmlns="" xmlns:p14="http://schemas.microsoft.com/office/powerpoint/2010/main" Requires="p14">
       <p:transition spd="med" p14:dur="700">
         <p:fade/>
       </p:transition>
@@ -7776,7 +7776,7 @@
     </p:spTree>
     <p:extLst>
       <p:ext uri="{BB962C8B-B14F-4D97-AF65-F5344CB8AC3E}">
-        <p14:creationId xmlns:p14="http://schemas.microsoft.com/office/powerpoint/2010/main" xmlns="" val="3973900260"/>
+        <p14:creationId xmlns="" xmlns:p14="http://schemas.microsoft.com/office/powerpoint/2010/main" val="3973900260"/>
       </p:ext>
     </p:extLst>
   </p:cSld>
@@ -7784,7 +7784,7 @@
     <a:masterClrMapping/>
   </p:clrMapOvr>
   <mc:AlternateContent xmlns:mc="http://schemas.openxmlformats.org/markup-compatibility/2006">
-    <mc:Choice xmlns:p14="http://schemas.microsoft.com/office/powerpoint/2010/main" xmlns="" Requires="p14">
+    <mc:Choice xmlns="" xmlns:p14="http://schemas.microsoft.com/office/powerpoint/2010/main" Requires="p14">
       <p:transition spd="med" p14:dur="700">
         <p:fade/>
       </p:transition>
@@ -8402,7 +8402,7 @@
     </p:spTree>
     <p:extLst>
       <p:ext uri="{BB962C8B-B14F-4D97-AF65-F5344CB8AC3E}">
-        <p14:creationId xmlns:p14="http://schemas.microsoft.com/office/powerpoint/2010/main" xmlns="" val="2054322300"/>
+        <p14:creationId xmlns="" xmlns:p14="http://schemas.microsoft.com/office/powerpoint/2010/main" val="2054322300"/>
       </p:ext>
     </p:extLst>
   </p:cSld>
@@ -8421,7 +8421,7 @@
     <p:sldLayoutId id="2147483659" r:id="rId11"/>
   </p:sldLayoutIdLst>
   <mc:AlternateContent xmlns:mc="http://schemas.openxmlformats.org/markup-compatibility/2006">
-    <mc:Choice xmlns:p14="http://schemas.microsoft.com/office/powerpoint/2010/main" xmlns="" Requires="p14">
+    <mc:Choice xmlns="" xmlns:p14="http://schemas.microsoft.com/office/powerpoint/2010/main" Requires="p14">
       <p:transition spd="med" p14:dur="700">
         <p:fade/>
       </p:transition>
@@ -8723,7 +8723,7 @@
   </p:txStyles>
   <p:extLst mod="1">
     <p:ext uri="{27BBF7A9-308A-43DC-89C8-2F10F3537804}">
-      <p15:sldGuideLst xmlns:p15="http://schemas.microsoft.com/office/powerpoint/2012/main" xmlns="">
+      <p15:sldGuideLst xmlns="" xmlns:p15="http://schemas.microsoft.com/office/powerpoint/2012/main">
         <p15:guide id="1" orient="horz" pos="2160" userDrawn="1">
           <p15:clr>
             <a:srgbClr val="F26B43"/>
@@ -8893,7 +8893,7 @@
     </p:spTree>
     <p:extLst>
       <p:ext uri="{BB962C8B-B14F-4D97-AF65-F5344CB8AC3E}">
-        <p14:creationId xmlns:p14="http://schemas.microsoft.com/office/powerpoint/2010/main" xmlns="" val="506761459"/>
+        <p14:creationId xmlns="" xmlns:p14="http://schemas.microsoft.com/office/powerpoint/2010/main" val="506761459"/>
       </p:ext>
     </p:extLst>
   </p:cSld>
@@ -8901,7 +8901,7 @@
     <a:masterClrMapping/>
   </p:clrMapOvr>
   <mc:AlternateContent xmlns:mc="http://schemas.openxmlformats.org/markup-compatibility/2006">
-    <mc:Choice xmlns:p14="http://schemas.microsoft.com/office/powerpoint/2010/main" xmlns="" Requires="p14">
+    <mc:Choice xmlns="" xmlns:p14="http://schemas.microsoft.com/office/powerpoint/2010/main" Requires="p14">
       <p:transition spd="med" p14:dur="700">
         <p:fade/>
       </p:transition>
@@ -9357,7 +9357,7 @@
     <a:masterClrMapping/>
   </p:clrMapOvr>
   <mc:AlternateContent xmlns:mc="http://schemas.openxmlformats.org/markup-compatibility/2006">
-    <mc:Choice xmlns:p14="http://schemas.microsoft.com/office/powerpoint/2010/main" xmlns="" Requires="p14">
+    <mc:Choice xmlns="" xmlns:p14="http://schemas.microsoft.com/office/powerpoint/2010/main" Requires="p14">
       <p:transition spd="med" p14:dur="700">
         <p:fade/>
       </p:transition>
@@ -9840,7 +9840,7 @@
     <a:masterClrMapping/>
   </p:clrMapOvr>
   <mc:AlternateContent xmlns:mc="http://schemas.openxmlformats.org/markup-compatibility/2006">
-    <mc:Choice xmlns:p14="http://schemas.microsoft.com/office/powerpoint/2010/main" xmlns="" Requires="p14">
+    <mc:Choice xmlns="" xmlns:p14="http://schemas.microsoft.com/office/powerpoint/2010/main" Requires="p14">
       <p:transition spd="med" p14:dur="700">
         <p:fade/>
       </p:transition>
@@ -11094,7 +11094,7 @@
     <a:masterClrMapping/>
   </p:clrMapOvr>
   <mc:AlternateContent xmlns:mc="http://schemas.openxmlformats.org/markup-compatibility/2006">
-    <mc:Choice xmlns:p14="http://schemas.microsoft.com/office/powerpoint/2010/main" xmlns="" Requires="p14">
+    <mc:Choice xmlns="" xmlns:p14="http://schemas.microsoft.com/office/powerpoint/2010/main" Requires="p14">
       <p:transition spd="med" p14:dur="700">
         <p:fade/>
       </p:transition>
@@ -11218,11 +11218,7 @@
             <a:pPr lvl="1"/>
             <a:r>
               <a:rPr lang="zh-CN" altLang="en-US" dirty="0" smtClean="0"/>
-              <a:t>加法</a:t>
-            </a:r>
-            <a:r>
-              <a:rPr lang="zh-CN" altLang="en-US" dirty="0" smtClean="0"/>
-              <a:t>操作</a:t>
+              <a:t>加法操作</a:t>
             </a:r>
             <a:endParaRPr lang="en-US" altLang="zh-CN" dirty="0" smtClean="0"/>
           </a:p>
@@ -11241,11 +11237,7 @@
             </a:r>
             <a:r>
               <a:rPr lang="en-US" altLang="zh-CN" dirty="0" smtClean="0"/>
-              <a:t> </a:t>
-            </a:r>
-            <a:r>
-              <a:rPr lang="en-US" altLang="zh-CN" dirty="0" smtClean="0"/>
-              <a:t>add a.txt</a:t>
+              <a:t> add a.txt</a:t>
             </a:r>
           </a:p>
           <a:p>
@@ -11575,7 +11567,7 @@
     <a:masterClrMapping/>
   </p:clrMapOvr>
   <mc:AlternateContent xmlns:mc="http://schemas.openxmlformats.org/markup-compatibility/2006">
-    <mc:Choice xmlns:p14="http://schemas.microsoft.com/office/powerpoint/2010/main" xmlns="" Requires="p14">
+    <mc:Choice xmlns="" xmlns:p14="http://schemas.microsoft.com/office/powerpoint/2010/main" Requires="p14">
       <p:transition spd="med" p14:dur="700">
         <p:fade/>
       </p:transition>
@@ -11986,7 +11978,7 @@
     <a:masterClrMapping/>
   </p:clrMapOvr>
   <mc:AlternateContent xmlns:mc="http://schemas.openxmlformats.org/markup-compatibility/2006">
-    <mc:Choice xmlns:p14="http://schemas.microsoft.com/office/powerpoint/2010/main" xmlns="" Requires="p14">
+    <mc:Choice xmlns="" xmlns:p14="http://schemas.microsoft.com/office/powerpoint/2010/main" Requires="p14">
       <p:transition spd="med" p14:dur="700">
         <p:fade/>
       </p:transition>
@@ -12152,11 +12144,7 @@
             <a:pPr lvl="2"/>
             <a:r>
               <a:rPr lang="en-US" altLang="zh-CN" dirty="0" smtClean="0"/>
-              <a:t>git reset –-hard </a:t>
-            </a:r>
-            <a:r>
-              <a:rPr lang="en-US" altLang="zh-CN" dirty="0" smtClean="0"/>
-              <a:t>HEAD</a:t>
+              <a:t>git reset –-hard HEAD</a:t>
             </a:r>
           </a:p>
           <a:p>
@@ -12169,7 +12157,6 @@
               <a:rPr lang="en-US" altLang="zh-CN" dirty="0" smtClean="0"/>
               <a:t> reset –hard HEAD^</a:t>
             </a:r>
-            <a:endParaRPr lang="en-US" altLang="zh-CN" dirty="0" smtClean="0"/>
           </a:p>
           <a:p>
             <a:pPr lvl="1"/>
@@ -12550,7 +12537,7 @@
     <a:masterClrMapping/>
   </p:clrMapOvr>
   <mc:AlternateContent xmlns:mc="http://schemas.openxmlformats.org/markup-compatibility/2006">
-    <mc:Choice xmlns:p14="http://schemas.microsoft.com/office/powerpoint/2010/main" xmlns="" Requires="p14">
+    <mc:Choice xmlns="" xmlns:p14="http://schemas.microsoft.com/office/powerpoint/2010/main" Requires="p14">
       <p:transition spd="med" p14:dur="700">
         <p:fade/>
       </p:transition>
@@ -13083,7 +13070,7 @@
     <a:masterClrMapping/>
   </p:clrMapOvr>
   <mc:AlternateContent xmlns:mc="http://schemas.openxmlformats.org/markup-compatibility/2006">
-    <mc:Choice xmlns:p14="http://schemas.microsoft.com/office/powerpoint/2010/main" xmlns="" Requires="p14">
+    <mc:Choice xmlns="" xmlns:p14="http://schemas.microsoft.com/office/powerpoint/2010/main" Requires="p14">
       <p:transition spd="med" p14:dur="700">
         <p:fade/>
       </p:transition>
@@ -13301,11 +13288,7 @@
             </a:r>
             <a:r>
               <a:rPr lang="en-US" altLang="zh-CN" dirty="0" smtClean="0"/>
-              <a:t> </a:t>
-            </a:r>
-            <a:r>
-              <a:rPr lang="en-US" altLang="zh-CN" dirty="0" smtClean="0"/>
-              <a:t>add test.txt</a:t>
+              <a:t> add test.txt</a:t>
             </a:r>
           </a:p>
           <a:p>
@@ -13440,11 +13423,7 @@
             </a:pPr>
             <a:r>
               <a:rPr lang="en-US" altLang="zh-CN" dirty="0" smtClean="0"/>
-              <a:t>git checkout -- </a:t>
-            </a:r>
-            <a:r>
-              <a:rPr lang="en-US" altLang="zh-CN" dirty="0" smtClean="0"/>
-              <a:t>test.txt</a:t>
+              <a:t>git checkout -- test.txt</a:t>
             </a:r>
           </a:p>
           <a:p>
@@ -13757,7 +13736,7 @@
     <a:masterClrMapping/>
   </p:clrMapOvr>
   <mc:AlternateContent xmlns:mc="http://schemas.openxmlformats.org/markup-compatibility/2006">
-    <mc:Choice xmlns:p14="http://schemas.microsoft.com/office/powerpoint/2010/main" xmlns="" Requires="p14">
+    <mc:Choice xmlns="" xmlns:p14="http://schemas.microsoft.com/office/powerpoint/2010/main" Requires="p14">
       <p:transition spd="med" p14:dur="700">
         <p:fade/>
       </p:transition>
@@ -14294,7 +14273,7 @@
     <a:masterClrMapping/>
   </p:clrMapOvr>
   <mc:AlternateContent xmlns:mc="http://schemas.openxmlformats.org/markup-compatibility/2006">
-    <mc:Choice xmlns:p14="http://schemas.microsoft.com/office/powerpoint/2010/main" xmlns="" Requires="p14">
+    <mc:Choice xmlns="" xmlns:p14="http://schemas.microsoft.com/office/powerpoint/2010/main" Requires="p14">
       <p:transition spd="med" p14:dur="700">
         <p:fade/>
       </p:transition>
@@ -14795,7 +14774,7 @@
     <a:masterClrMapping/>
   </p:clrMapOvr>
   <mc:AlternateContent xmlns:mc="http://schemas.openxmlformats.org/markup-compatibility/2006">
-    <mc:Choice xmlns:p14="http://schemas.microsoft.com/office/powerpoint/2010/main" xmlns="" Requires="p14">
+    <mc:Choice xmlns="" xmlns:p14="http://schemas.microsoft.com/office/powerpoint/2010/main" Requires="p14">
       <p:transition spd="med" p14:dur="700">
         <p:fade/>
       </p:transition>
@@ -15092,7 +15071,7 @@
     </p:spTree>
     <p:extLst>
       <p:ext uri="{BB962C8B-B14F-4D97-AF65-F5344CB8AC3E}">
-        <p14:creationId xmlns:p14="http://schemas.microsoft.com/office/powerpoint/2010/main" xmlns="" val="1720426387"/>
+        <p14:creationId xmlns="" xmlns:p14="http://schemas.microsoft.com/office/powerpoint/2010/main" val="1720426387"/>
       </p:ext>
     </p:extLst>
   </p:cSld>
@@ -15100,7 +15079,7 @@
     <a:masterClrMapping/>
   </p:clrMapOvr>
   <mc:AlternateContent xmlns:mc="http://schemas.openxmlformats.org/markup-compatibility/2006">
-    <mc:Choice xmlns:p14="http://schemas.microsoft.com/office/powerpoint/2010/main" xmlns="" Requires="p14">
+    <mc:Choice xmlns="" xmlns:p14="http://schemas.microsoft.com/office/powerpoint/2010/main" Requires="p14">
       <p:transition spd="med" p14:dur="700">
         <p:fade/>
       </p:transition>
@@ -15641,7 +15620,7 @@
     <a:masterClrMapping/>
   </p:clrMapOvr>
   <mc:AlternateContent xmlns:mc="http://schemas.openxmlformats.org/markup-compatibility/2006">
-    <mc:Choice xmlns:p14="http://schemas.microsoft.com/office/powerpoint/2010/main" xmlns="" Requires="p14">
+    <mc:Choice xmlns="" xmlns:p14="http://schemas.microsoft.com/office/powerpoint/2010/main" Requires="p14">
       <p:transition spd="med" p14:dur="700">
         <p:fade/>
       </p:transition>
@@ -16205,7 +16184,7 @@
     <a:masterClrMapping/>
   </p:clrMapOvr>
   <mc:AlternateContent xmlns:mc="http://schemas.openxmlformats.org/markup-compatibility/2006">
-    <mc:Choice xmlns:p14="http://schemas.microsoft.com/office/powerpoint/2010/main" xmlns="" Requires="p14">
+    <mc:Choice xmlns="" xmlns:p14="http://schemas.microsoft.com/office/powerpoint/2010/main" Requires="p14">
       <p:transition spd="med" p14:dur="700">
         <p:fade/>
       </p:transition>
@@ -16800,7 +16779,7 @@
     <a:masterClrMapping/>
   </p:clrMapOvr>
   <mc:AlternateContent xmlns:mc="http://schemas.openxmlformats.org/markup-compatibility/2006">
-    <mc:Choice xmlns:p14="http://schemas.microsoft.com/office/powerpoint/2010/main" xmlns="" Requires="p14">
+    <mc:Choice xmlns="" xmlns:p14="http://schemas.microsoft.com/office/powerpoint/2010/main" Requires="p14">
       <p:transition spd="med" p14:dur="700">
         <p:fade/>
       </p:transition>
@@ -17480,7 +17459,7 @@
     <a:masterClrMapping/>
   </p:clrMapOvr>
   <mc:AlternateContent xmlns:mc="http://schemas.openxmlformats.org/markup-compatibility/2006">
-    <mc:Choice xmlns:p14="http://schemas.microsoft.com/office/powerpoint/2010/main" xmlns="" Requires="p14">
+    <mc:Choice xmlns="" xmlns:p14="http://schemas.microsoft.com/office/powerpoint/2010/main" Requires="p14">
       <p:transition spd="med" p14:dur="700">
         <p:fade/>
       </p:transition>
@@ -18050,7 +18029,7 @@
     <a:masterClrMapping/>
   </p:clrMapOvr>
   <mc:AlternateContent xmlns:mc="http://schemas.openxmlformats.org/markup-compatibility/2006">
-    <mc:Choice xmlns:p14="http://schemas.microsoft.com/office/powerpoint/2010/main" xmlns="" Requires="p14">
+    <mc:Choice xmlns="" xmlns:p14="http://schemas.microsoft.com/office/powerpoint/2010/main" Requires="p14">
       <p:transition spd="med" p14:dur="700">
         <p:fade/>
       </p:transition>
@@ -18571,7 +18550,7 @@
     <a:masterClrMapping/>
   </p:clrMapOvr>
   <mc:AlternateContent xmlns:mc="http://schemas.openxmlformats.org/markup-compatibility/2006">
-    <mc:Choice xmlns:p14="http://schemas.microsoft.com/office/powerpoint/2010/main" xmlns="" Requires="p14">
+    <mc:Choice xmlns="" xmlns:p14="http://schemas.microsoft.com/office/powerpoint/2010/main" Requires="p14">
       <p:transition spd="med" p14:dur="700">
         <p:fade/>
       </p:transition>
@@ -19479,7 +19458,7 @@
     <a:masterClrMapping/>
   </p:clrMapOvr>
   <mc:AlternateContent xmlns:mc="http://schemas.openxmlformats.org/markup-compatibility/2006">
-    <mc:Choice xmlns:p14="http://schemas.microsoft.com/office/powerpoint/2010/main" xmlns="" Requires="p14">
+    <mc:Choice xmlns="" xmlns:p14="http://schemas.microsoft.com/office/powerpoint/2010/main" Requires="p14">
       <p:transition spd="med" p14:dur="700">
         <p:fade/>
       </p:transition>
@@ -19685,19 +19664,7 @@
             </a:r>
             <a:r>
               <a:rPr lang="zh-CN" altLang="en-US" sz="1600" dirty="0" smtClean="0"/>
-              <a:t>分支上，如果</a:t>
-            </a:r>
-            <a:r>
-              <a:rPr lang="zh-CN" altLang="en-US" sz="1600" dirty="0" smtClean="0"/>
-              <a:t>其他伙伴同时修改了某个</a:t>
-            </a:r>
-            <a:r>
-              <a:rPr lang="zh-CN" altLang="en-US" sz="1600" dirty="0" smtClean="0"/>
-              <a:t>文件并提及，你再更新分支很</a:t>
-            </a:r>
-            <a:r>
-              <a:rPr lang="zh-CN" altLang="en-US" sz="1600" dirty="0" smtClean="0"/>
-              <a:t>容易产生冲突</a:t>
+              <a:t>分支上，如果其他伙伴同时修改了某个文件并提及，你再更新分支很容易产生冲突</a:t>
             </a:r>
             <a:endParaRPr lang="en-US" altLang="zh-CN" sz="1600" dirty="0" smtClean="0"/>
           </a:p>
@@ -20329,7 +20296,7 @@
     <a:masterClrMapping/>
   </p:clrMapOvr>
   <mc:AlternateContent xmlns:mc="http://schemas.openxmlformats.org/markup-compatibility/2006">
-    <mc:Choice xmlns:p14="http://schemas.microsoft.com/office/powerpoint/2010/main" xmlns="" Requires="p14">
+    <mc:Choice xmlns="" xmlns:p14="http://schemas.microsoft.com/office/powerpoint/2010/main" Requires="p14">
       <p:transition spd="med" p14:dur="700">
         <p:fade/>
       </p:transition>
@@ -21215,7 +21182,7 @@
     <a:masterClrMapping/>
   </p:clrMapOvr>
   <mc:AlternateContent xmlns:mc="http://schemas.openxmlformats.org/markup-compatibility/2006">
-    <mc:Choice xmlns:p14="http://schemas.microsoft.com/office/powerpoint/2010/main" xmlns="" Requires="p14">
+    <mc:Choice xmlns="" xmlns:p14="http://schemas.microsoft.com/office/powerpoint/2010/main" Requires="p14">
       <p:transition spd="med" p14:dur="700">
         <p:fade/>
       </p:transition>
@@ -21860,7 +21827,7 @@
     <a:masterClrMapping/>
   </p:clrMapOvr>
   <mc:AlternateContent xmlns:mc="http://schemas.openxmlformats.org/markup-compatibility/2006">
-    <mc:Choice xmlns:p14="http://schemas.microsoft.com/office/powerpoint/2010/main" xmlns="" Requires="p14">
+    <mc:Choice xmlns="" xmlns:p14="http://schemas.microsoft.com/office/powerpoint/2010/main" Requires="p14">
       <p:transition spd="med" p14:dur="700">
         <p:fade/>
       </p:transition>
@@ -22314,7 +22281,7 @@
     </p:spTree>
     <p:extLst>
       <p:ext uri="{BB962C8B-B14F-4D97-AF65-F5344CB8AC3E}">
-        <p14:creationId xmlns:p14="http://schemas.microsoft.com/office/powerpoint/2010/main" xmlns="" val="2237405988"/>
+        <p14:creationId xmlns="" xmlns:p14="http://schemas.microsoft.com/office/powerpoint/2010/main" val="2237405988"/>
       </p:ext>
     </p:extLst>
   </p:cSld>
@@ -22322,7 +22289,7 @@
     <a:masterClrMapping/>
   </p:clrMapOvr>
   <mc:AlternateContent xmlns:mc="http://schemas.openxmlformats.org/markup-compatibility/2006">
-    <mc:Choice xmlns:p14="http://schemas.microsoft.com/office/powerpoint/2010/main" xmlns="" Requires="p14">
+    <mc:Choice xmlns="" xmlns:p14="http://schemas.microsoft.com/office/powerpoint/2010/main" Requires="p14">
       <p:transition spd="med" p14:dur="700">
         <p:fade/>
       </p:transition>
@@ -23079,7 +23046,7 @@
     <a:masterClrMapping/>
   </p:clrMapOvr>
   <mc:AlternateContent xmlns:mc="http://schemas.openxmlformats.org/markup-compatibility/2006">
-    <mc:Choice xmlns:p14="http://schemas.microsoft.com/office/powerpoint/2010/main" xmlns="" Requires="p14">
+    <mc:Choice xmlns="" xmlns:p14="http://schemas.microsoft.com/office/powerpoint/2010/main" Requires="p14">
       <p:transition spd="med" p14:dur="700">
         <p:fade/>
       </p:transition>
@@ -23149,7 +23116,7 @@
         <p:spPr>
           <a:xfrm>
             <a:off x="1751012" y="1371601"/>
-            <a:ext cx="9753600" cy="4154984"/>
+            <a:ext cx="9753600" cy="4401205"/>
           </a:xfrm>
           <a:prstGeom prst="rect">
             <a:avLst/>
@@ -23202,19 +23169,11 @@
             </a:r>
             <a:r>
               <a:rPr lang="zh-CN" altLang="en-US" sz="2400" dirty="0" smtClean="0"/>
-              <a:t>命令的详细实例和教程</a:t>
-            </a:r>
-            <a:r>
-              <a:rPr lang="zh-CN" altLang="en-US" sz="2400" dirty="0" smtClean="0"/>
-              <a:t>：</a:t>
+              <a:t>命令的详细实例和教程：</a:t>
             </a:r>
             <a:r>
               <a:rPr lang="en-US" altLang="zh-CN" sz="2000" dirty="0" smtClean="0"/>
-              <a:t>http</a:t>
-            </a:r>
-            <a:r>
-              <a:rPr lang="en-US" altLang="zh-CN" sz="2000" dirty="0" smtClean="0"/>
-              <a:t>://www.yiibai.com/git/home.html</a:t>
+              <a:t>http://www.yiibai.com/git/home.html</a:t>
             </a:r>
           </a:p>
           <a:p>
@@ -23224,11 +23183,7 @@
             </a:r>
             <a:r>
               <a:rPr lang="zh-CN" altLang="en-US" sz="2400" dirty="0" smtClean="0"/>
-              <a:t>入门教程</a:t>
-            </a:r>
-            <a:r>
-              <a:rPr lang="zh-CN" altLang="en-US" sz="2400" dirty="0" smtClean="0"/>
-              <a:t>：</a:t>
+              <a:t>入门教程：</a:t>
             </a:r>
             <a:r>
               <a:rPr lang="en-US" altLang="zh-CN" sz="2000" dirty="0" smtClean="0">
@@ -23238,17 +23193,7 @@
                   </a:schemeClr>
                 </a:solidFill>
               </a:rPr>
-              <a:t>http</a:t>
-            </a:r>
-            <a:r>
-              <a:rPr lang="en-US" altLang="zh-CN" sz="2000" dirty="0" smtClean="0">
-                <a:solidFill>
-                  <a:schemeClr val="tx1">
-                    <a:lumMod val="50000"/>
-                  </a:schemeClr>
-                </a:solidFill>
-              </a:rPr>
-              <a:t>://www.liaoxuefeng.com/wiki/0013739516305929606dd18361248578c67b8067c8c017b000</a:t>
+              <a:t>http://www.liaoxuefeng.com/wiki/0013739516305929606dd18361248578c67b8067c8c017b000</a:t>
             </a:r>
           </a:p>
           <a:p>
@@ -23305,7 +23250,30 @@
             </a:r>
             <a:r>
               <a:rPr lang="en-US" altLang="zh-CN" sz="2400" dirty="0" smtClean="0"/>
-              <a:t> https://github.com/xami</a:t>
+              <a:t> </a:t>
+            </a:r>
+            <a:r>
+              <a:rPr lang="en-US" altLang="zh-CN" sz="2400" dirty="0" smtClean="0">
+                <a:hlinkClick r:id="rId4"/>
+              </a:rPr>
+              <a:t>https://</a:t>
+            </a:r>
+            <a:r>
+              <a:rPr lang="en-US" altLang="zh-CN" sz="2400" dirty="0" smtClean="0">
+                <a:hlinkClick r:id="rId4"/>
+              </a:rPr>
+              <a:t>github.com/xami</a:t>
+            </a:r>
+            <a:endParaRPr lang="en-US" altLang="zh-CN" sz="2400" dirty="0" smtClean="0"/>
+          </a:p>
+          <a:p>
+            <a:r>
+              <a:rPr lang="zh-CN" altLang="en-US" sz="2400" dirty="0" smtClean="0"/>
+              <a:t>功能</a:t>
+            </a:r>
+            <a:r>
+              <a:rPr lang="zh-CN" altLang="en-US" sz="2400" dirty="0" smtClean="0"/>
+              <a:t>点思维导图：见附件图片</a:t>
             </a:r>
             <a:endParaRPr lang="zh-CN" altLang="en-US" sz="2400" dirty="0"/>
           </a:p>
@@ -23505,7 +23473,7 @@
     </p:spTree>
     <p:extLst>
       <p:ext uri="{BB962C8B-B14F-4D97-AF65-F5344CB8AC3E}">
-        <p14:creationId xmlns:p14="http://schemas.microsoft.com/office/powerpoint/2010/main" xmlns="" val="2237405988"/>
+        <p14:creationId xmlns="" xmlns:p14="http://schemas.microsoft.com/office/powerpoint/2010/main" val="2237405988"/>
       </p:ext>
     </p:extLst>
   </p:cSld>
@@ -23513,7 +23481,7 @@
     <a:masterClrMapping/>
   </p:clrMapOvr>
   <mc:AlternateContent xmlns:mc="http://schemas.openxmlformats.org/markup-compatibility/2006">
-    <mc:Choice xmlns:p14="http://schemas.microsoft.com/office/powerpoint/2010/main" xmlns="" Requires="p14">
+    <mc:Choice xmlns="" xmlns:p14="http://schemas.microsoft.com/office/powerpoint/2010/main" Requires="p14">
       <p:transition spd="med" p14:dur="700">
         <p:fade/>
       </p:transition>
@@ -24330,7 +24298,7 @@
     </p:spTree>
     <p:extLst>
       <p:ext uri="{BB962C8B-B14F-4D97-AF65-F5344CB8AC3E}">
-        <p14:creationId xmlns:p14="http://schemas.microsoft.com/office/powerpoint/2010/main" xmlns="" val="813896505"/>
+        <p14:creationId xmlns="" xmlns:p14="http://schemas.microsoft.com/office/powerpoint/2010/main" val="813896505"/>
       </p:ext>
     </p:extLst>
   </p:cSld>
@@ -24338,7 +24306,7 @@
     <a:masterClrMapping/>
   </p:clrMapOvr>
   <mc:AlternateContent xmlns:mc="http://schemas.openxmlformats.org/markup-compatibility/2006">
-    <mc:Choice xmlns:p14="http://schemas.microsoft.com/office/powerpoint/2010/main" xmlns="" Requires="p14">
+    <mc:Choice xmlns="" xmlns:p14="http://schemas.microsoft.com/office/powerpoint/2010/main" Requires="p14">
       <p:transition spd="med" p14:dur="700">
         <p:fade/>
       </p:transition>
@@ -25237,7 +25205,7 @@
     </p:spTree>
     <p:extLst>
       <p:ext uri="{BB962C8B-B14F-4D97-AF65-F5344CB8AC3E}">
-        <p14:creationId xmlns:p14="http://schemas.microsoft.com/office/powerpoint/2010/main" xmlns="" val="2237405988"/>
+        <p14:creationId xmlns="" xmlns:p14="http://schemas.microsoft.com/office/powerpoint/2010/main" val="2237405988"/>
       </p:ext>
     </p:extLst>
   </p:cSld>
@@ -25245,7 +25213,7 @@
     <a:overrideClrMapping bg1="lt1" tx1="dk1" bg2="lt2" tx2="dk2" accent1="accent1" accent2="accent2" accent3="accent3" accent4="accent4" accent5="accent5" accent6="accent6" hlink="hlink" folHlink="folHlink"/>
   </p:clrMapOvr>
   <mc:AlternateContent xmlns:mc="http://schemas.openxmlformats.org/markup-compatibility/2006">
-    <mc:Choice xmlns:p14="http://schemas.microsoft.com/office/powerpoint/2010/main" xmlns="" Requires="p14">
+    <mc:Choice xmlns="" xmlns:p14="http://schemas.microsoft.com/office/powerpoint/2010/main" Requires="p14">
       <p:transition spd="med" p14:dur="700">
         <p:fade/>
       </p:transition>
@@ -25644,7 +25612,7 @@
     </p:spTree>
     <p:extLst>
       <p:ext uri="{BB962C8B-B14F-4D97-AF65-F5344CB8AC3E}">
-        <p14:creationId xmlns:p14="http://schemas.microsoft.com/office/powerpoint/2010/main" xmlns="" val="2237405988"/>
+        <p14:creationId xmlns="" xmlns:p14="http://schemas.microsoft.com/office/powerpoint/2010/main" val="2237405988"/>
       </p:ext>
     </p:extLst>
   </p:cSld>
@@ -25652,7 +25620,7 @@
     <a:overrideClrMapping bg1="lt1" tx1="dk1" bg2="lt2" tx2="dk2" accent1="accent1" accent2="accent2" accent3="accent3" accent4="accent4" accent5="accent5" accent6="accent6" hlink="hlink" folHlink="folHlink"/>
   </p:clrMapOvr>
   <mc:AlternateContent xmlns:mc="http://schemas.openxmlformats.org/markup-compatibility/2006">
-    <mc:Choice xmlns:p14="http://schemas.microsoft.com/office/powerpoint/2010/main" xmlns="" Requires="p14">
+    <mc:Choice xmlns="" xmlns:p14="http://schemas.microsoft.com/office/powerpoint/2010/main" Requires="p14">
       <p:transition spd="med" p14:dur="700">
         <p:fade/>
       </p:transition>
@@ -26538,7 +26506,7 @@
     </p:spTree>
     <p:extLst>
       <p:ext uri="{BB962C8B-B14F-4D97-AF65-F5344CB8AC3E}">
-        <p14:creationId xmlns:p14="http://schemas.microsoft.com/office/powerpoint/2010/main" xmlns="" val="2237405988"/>
+        <p14:creationId xmlns="" xmlns:p14="http://schemas.microsoft.com/office/powerpoint/2010/main" val="2237405988"/>
       </p:ext>
     </p:extLst>
   </p:cSld>
@@ -26546,7 +26514,7 @@
     <a:masterClrMapping/>
   </p:clrMapOvr>
   <mc:AlternateContent xmlns:mc="http://schemas.openxmlformats.org/markup-compatibility/2006">
-    <mc:Choice xmlns:p14="http://schemas.microsoft.com/office/powerpoint/2010/main" xmlns="" Requires="p14">
+    <mc:Choice xmlns="" xmlns:p14="http://schemas.microsoft.com/office/powerpoint/2010/main" Requires="p14">
       <p:transition spd="med" p14:dur="700">
         <p:fade/>
       </p:transition>
@@ -26906,7 +26874,7 @@
     </p:spTree>
     <p:extLst>
       <p:ext uri="{BB962C8B-B14F-4D97-AF65-F5344CB8AC3E}">
-        <p14:creationId xmlns:p14="http://schemas.microsoft.com/office/powerpoint/2010/main" xmlns="" val="813896505"/>
+        <p14:creationId xmlns="" xmlns:p14="http://schemas.microsoft.com/office/powerpoint/2010/main" val="813896505"/>
       </p:ext>
     </p:extLst>
   </p:cSld>
@@ -26914,7 +26882,7 @@
     <a:masterClrMapping/>
   </p:clrMapOvr>
   <mc:AlternateContent xmlns:mc="http://schemas.openxmlformats.org/markup-compatibility/2006">
-    <mc:Choice xmlns:p14="http://schemas.microsoft.com/office/powerpoint/2010/main" xmlns="" Requires="p14">
+    <mc:Choice xmlns="" xmlns:p14="http://schemas.microsoft.com/office/powerpoint/2010/main" Requires="p14">
       <p:transition spd="med" p14:dur="700">
         <p:fade/>
       </p:transition>
@@ -27273,7 +27241,7 @@
     </p:spTree>
     <p:extLst>
       <p:ext uri="{BB962C8B-B14F-4D97-AF65-F5344CB8AC3E}">
-        <p14:creationId xmlns:p14="http://schemas.microsoft.com/office/powerpoint/2010/main" xmlns="" val="813896505"/>
+        <p14:creationId xmlns="" xmlns:p14="http://schemas.microsoft.com/office/powerpoint/2010/main" val="813896505"/>
       </p:ext>
     </p:extLst>
   </p:cSld>
@@ -27281,7 +27249,7 @@
     <a:masterClrMapping/>
   </p:clrMapOvr>
   <mc:AlternateContent xmlns:mc="http://schemas.openxmlformats.org/markup-compatibility/2006">
-    <mc:Choice xmlns:p14="http://schemas.microsoft.com/office/powerpoint/2010/main" xmlns="" Requires="p14">
+    <mc:Choice xmlns="" xmlns:p14="http://schemas.microsoft.com/office/powerpoint/2010/main" Requires="p14">
       <p:transition spd="med" p14:dur="700">
         <p:fade/>
       </p:transition>
@@ -27977,21 +27945,6 @@
 </file>
 
 <file path=customXml/item1.xml><?xml version="1.0" encoding="utf-8"?>
-<p:properties xmlns:p="http://schemas.microsoft.com/office/2006/metadata/properties" xmlns:xsi="http://www.w3.org/2001/XMLSchema-instance" xmlns:pc="http://schemas.microsoft.com/office/infopath/2007/PartnerControls">
-  <documentManagement/>
-</p:properties>
-</file>
-
-<file path=customXml/item2.xml><?xml version="1.0" encoding="utf-8"?>
-<?mso-contentType ?>
-<FormTemplates xmlns="http://schemas.microsoft.com/sharepoint/v3/contenttype/forms">
-  <Display>DocumentLibraryForm</Display>
-  <Edit>DocumentLibraryForm</Edit>
-  <New>DocumentLibraryForm</New>
-</FormTemplates>
-</file>
-
-<file path=customXml/item3.xml><?xml version="1.0" encoding="utf-8"?>
 <ct:contentTypeSchema xmlns:ct="http://schemas.microsoft.com/office/2006/metadata/contentType" xmlns:ma="http://schemas.microsoft.com/office/2006/metadata/properties/metaAttributes" ct:_="" ma:_="" ma:contentTypeName="Document" ma:contentTypeID="0x0101007C1D5F340F01F94FA2FD29A5E6DC872E" ma:contentTypeVersion="0" ma:contentTypeDescription="Create a new document." ma:contentTypeScope="" ma:versionID="f583bd66513a361a730282b6a794e352">
   <xsd:schema xmlns:xsd="http://www.w3.org/2001/XMLSchema" xmlns:xs="http://www.w3.org/2001/XMLSchema" xmlns:p="http://schemas.microsoft.com/office/2006/metadata/properties" targetNamespace="http://schemas.microsoft.com/office/2006/metadata/properties" ma:root="true" ma:fieldsID="6841151cf538834e171094e4faaf2d73">
     <xsd:element name="properties">
@@ -28105,10 +28058,32 @@
 </ct:contentTypeSchema>
 </file>
 
+<file path=customXml/item2.xml><?xml version="1.0" encoding="utf-8"?>
+<?mso-contentType ?>
+<FormTemplates xmlns="http://schemas.microsoft.com/sharepoint/v3/contenttype/forms">
+  <Display>DocumentLibraryForm</Display>
+  <Edit>DocumentLibraryForm</Edit>
+  <New>DocumentLibraryForm</New>
+</FormTemplates>
+</file>
+
+<file path=customXml/item3.xml><?xml version="1.0" encoding="utf-8"?>
+<p:properties xmlns:p="http://schemas.microsoft.com/office/2006/metadata/properties" xmlns:xsi="http://www.w3.org/2001/XMLSchema-instance" xmlns:pc="http://schemas.microsoft.com/office/infopath/2007/PartnerControls">
+  <documentManagement/>
+</p:properties>
+</file>
+
 <file path=customXml/itemProps1.xml><?xml version="1.0" encoding="utf-8"?>
-<ds:datastoreItem xmlns:ds="http://schemas.openxmlformats.org/officeDocument/2006/customXml" ds:itemID="{20B895F5-7F43-4073-919C-BA6E32AC0200}">
+<ds:datastoreItem xmlns:ds="http://schemas.openxmlformats.org/officeDocument/2006/customXml" ds:itemID="{F28882EF-8483-452E-ADFB-02067D56F72B}">
   <ds:schemaRefs>
+    <ds:schemaRef ds:uri="http://schemas.microsoft.com/office/2006/metadata/contentType"/>
+    <ds:schemaRef ds:uri="http://schemas.microsoft.com/office/2006/metadata/properties/metaAttributes"/>
+    <ds:schemaRef ds:uri="http://www.w3.org/2001/XMLSchema"/>
     <ds:schemaRef ds:uri="http://schemas.microsoft.com/office/2006/metadata/properties"/>
+    <ds:schemaRef ds:uri="http://schemas.openxmlformats.org/package/2006/metadata/core-properties"/>
+    <ds:schemaRef ds:uri="http://purl.org/dc/elements/1.1/"/>
+    <ds:schemaRef ds:uri="http://purl.org/dc/terms/"/>
+    <ds:schemaRef ds:uri="http://schemas.microsoft.com/internal/obd"/>
     <ds:schemaRef ds:uri="http://schemas.microsoft.com/office/infopath/2007/PartnerControls"/>
   </ds:schemaRefs>
 </ds:datastoreItem>
@@ -28123,16 +28098,9 @@
 </file>
 
 <file path=customXml/itemProps3.xml><?xml version="1.0" encoding="utf-8"?>
-<ds:datastoreItem xmlns:ds="http://schemas.openxmlformats.org/officeDocument/2006/customXml" ds:itemID="{F28882EF-8483-452E-ADFB-02067D56F72B}">
+<ds:datastoreItem xmlns:ds="http://schemas.openxmlformats.org/officeDocument/2006/customXml" ds:itemID="{20B895F5-7F43-4073-919C-BA6E32AC0200}">
   <ds:schemaRefs>
-    <ds:schemaRef ds:uri="http://schemas.microsoft.com/office/2006/metadata/contentType"/>
-    <ds:schemaRef ds:uri="http://schemas.microsoft.com/office/2006/metadata/properties/metaAttributes"/>
-    <ds:schemaRef ds:uri="http://www.w3.org/2001/XMLSchema"/>
     <ds:schemaRef ds:uri="http://schemas.microsoft.com/office/2006/metadata/properties"/>
-    <ds:schemaRef ds:uri="http://schemas.openxmlformats.org/package/2006/metadata/core-properties"/>
-    <ds:schemaRef ds:uri="http://purl.org/dc/elements/1.1/"/>
-    <ds:schemaRef ds:uri="http://purl.org/dc/terms/"/>
-    <ds:schemaRef ds:uri="http://schemas.microsoft.com/internal/obd"/>
     <ds:schemaRef ds:uri="http://schemas.microsoft.com/office/infopath/2007/PartnerControls"/>
   </ds:schemaRefs>
 </ds:datastoreItem>
